--- a/Praktikum ProdTech Präsentation.pptx
+++ b/Praktikum ProdTech Präsentation.pptx
@@ -22,6 +22,7 @@
     <p:sldId id="276" r:id="rId16"/>
     <p:sldId id="260" r:id="rId17"/>
     <p:sldId id="277" r:id="rId18"/>
+    <p:sldId id="283" r:id="rId19"/>
   </p:sldIdLst>
   <p:sldSz cx="12192000" cy="6858000"/>
   <p:notesSz cx="6858000" cy="9144000"/>
@@ -2167,7 +2168,7 @@
           <a:p>
             <a:fld id="{91A21240-404F-4A54-9AF1-5FA22F7F542A}" type="datetimeFigureOut">
               <a:rPr lang="de-DE" smtClean="0"/>
-              <a:t>17.07.2019</a:t>
+              <a:t>18.07.2019</a:t>
             </a:fld>
             <a:endParaRPr lang="de-DE"/>
           </a:p>
@@ -2365,7 +2366,7 @@
           <a:p>
             <a:fld id="{91A21240-404F-4A54-9AF1-5FA22F7F542A}" type="datetimeFigureOut">
               <a:rPr lang="de-DE" smtClean="0"/>
-              <a:t>17.07.2019</a:t>
+              <a:t>18.07.2019</a:t>
             </a:fld>
             <a:endParaRPr lang="de-DE"/>
           </a:p>
@@ -2573,7 +2574,7 @@
           <a:p>
             <a:fld id="{91A21240-404F-4A54-9AF1-5FA22F7F542A}" type="datetimeFigureOut">
               <a:rPr lang="de-DE" smtClean="0"/>
-              <a:t>17.07.2019</a:t>
+              <a:t>18.07.2019</a:t>
             </a:fld>
             <a:endParaRPr lang="de-DE"/>
           </a:p>
@@ -2771,7 +2772,7 @@
           <a:p>
             <a:fld id="{91A21240-404F-4A54-9AF1-5FA22F7F542A}" type="datetimeFigureOut">
               <a:rPr lang="de-DE" smtClean="0"/>
-              <a:t>17.07.2019</a:t>
+              <a:t>18.07.2019</a:t>
             </a:fld>
             <a:endParaRPr lang="de-DE"/>
           </a:p>
@@ -3046,7 +3047,7 @@
           <a:p>
             <a:fld id="{91A21240-404F-4A54-9AF1-5FA22F7F542A}" type="datetimeFigureOut">
               <a:rPr lang="de-DE" smtClean="0"/>
-              <a:t>17.07.2019</a:t>
+              <a:t>18.07.2019</a:t>
             </a:fld>
             <a:endParaRPr lang="de-DE"/>
           </a:p>
@@ -3311,7 +3312,7 @@
           <a:p>
             <a:fld id="{91A21240-404F-4A54-9AF1-5FA22F7F542A}" type="datetimeFigureOut">
               <a:rPr lang="de-DE" smtClean="0"/>
-              <a:t>17.07.2019</a:t>
+              <a:t>18.07.2019</a:t>
             </a:fld>
             <a:endParaRPr lang="de-DE"/>
           </a:p>
@@ -3723,7 +3724,7 @@
           <a:p>
             <a:fld id="{91A21240-404F-4A54-9AF1-5FA22F7F542A}" type="datetimeFigureOut">
               <a:rPr lang="de-DE" smtClean="0"/>
-              <a:t>17.07.2019</a:t>
+              <a:t>18.07.2019</a:t>
             </a:fld>
             <a:endParaRPr lang="de-DE"/>
           </a:p>
@@ -3864,7 +3865,7 @@
           <a:p>
             <a:fld id="{91A21240-404F-4A54-9AF1-5FA22F7F542A}" type="datetimeFigureOut">
               <a:rPr lang="de-DE" smtClean="0"/>
-              <a:t>17.07.2019</a:t>
+              <a:t>18.07.2019</a:t>
             </a:fld>
             <a:endParaRPr lang="de-DE"/>
           </a:p>
@@ -3977,7 +3978,7 @@
           <a:p>
             <a:fld id="{91A21240-404F-4A54-9AF1-5FA22F7F542A}" type="datetimeFigureOut">
               <a:rPr lang="de-DE" smtClean="0"/>
-              <a:t>17.07.2019</a:t>
+              <a:t>18.07.2019</a:t>
             </a:fld>
             <a:endParaRPr lang="de-DE"/>
           </a:p>
@@ -4288,7 +4289,7 @@
           <a:p>
             <a:fld id="{91A21240-404F-4A54-9AF1-5FA22F7F542A}" type="datetimeFigureOut">
               <a:rPr lang="de-DE" smtClean="0"/>
-              <a:t>17.07.2019</a:t>
+              <a:t>18.07.2019</a:t>
             </a:fld>
             <a:endParaRPr lang="de-DE"/>
           </a:p>
@@ -4576,7 +4577,7 @@
           <a:p>
             <a:fld id="{91A21240-404F-4A54-9AF1-5FA22F7F542A}" type="datetimeFigureOut">
               <a:rPr lang="de-DE" smtClean="0"/>
-              <a:t>17.07.2019</a:t>
+              <a:t>18.07.2019</a:t>
             </a:fld>
             <a:endParaRPr lang="de-DE"/>
           </a:p>
@@ -4817,7 +4818,7 @@
           <a:p>
             <a:fld id="{91A21240-404F-4A54-9AF1-5FA22F7F542A}" type="datetimeFigureOut">
               <a:rPr lang="de-DE" smtClean="0"/>
-              <a:t>17.07.2019</a:t>
+              <a:t>18.07.2019</a:t>
             </a:fld>
             <a:endParaRPr lang="de-DE"/>
           </a:p>
@@ -5569,6 +5570,11 @@
 <file path=ppt/slides/slide10.xml><?xml version="1.0" encoding="utf-8"?>
 <p:sld xmlns:a="http://schemas.openxmlformats.org/drawingml/2006/main" xmlns:r="http://schemas.openxmlformats.org/officeDocument/2006/relationships" xmlns:p="http://schemas.openxmlformats.org/presentationml/2006/main">
   <p:cSld>
+    <p:bg>
+      <p:bgRef idx="1001">
+        <a:schemeClr val="bg1"/>
+      </p:bgRef>
+    </p:bg>
     <p:spTree>
       <p:nvGrpSpPr>
         <p:cNvPr id="1" name=""/>
@@ -5596,7 +5602,7 @@
           <p:nvPr/>
         </p:nvPicPr>
         <p:blipFill>
-          <a:blip r:embed="rId2" cstate="print">
+          <a:blip r:embed="rId3" cstate="print">
             <a:extLst>
               <a:ext uri="{28A0092B-C50C-407E-A947-70E740481C1C}">
                 <a14:useLocalDpi xmlns:a14="http://schemas.microsoft.com/office/drawing/2010/main" val="0"/>
@@ -5638,12 +5644,7 @@
             <p:ph type="title"/>
           </p:nvPr>
         </p:nvSpPr>
-        <p:spPr>
-          <a:xfrm>
-            <a:off x="838200" y="365125"/>
-            <a:ext cx="10515600" cy="1325563"/>
-          </a:xfrm>
-        </p:spPr>
+        <p:spPr/>
         <p:txBody>
           <a:bodyPr>
             <a:normAutofit/>
@@ -5814,7 +5815,7 @@
               <a:fld id="{ABB89C0B-1ABD-444B-925C-4E47B2F277F6}" type="datetimeFigureOut">
                 <a:rPr lang="de-DE" smtClean="0"/>
                 <a:pPr/>
-                <a:t>17.07.2019</a:t>
+                <a:t>18.07.2019</a:t>
               </a:fld>
               <a:endParaRPr lang="de-DE" dirty="0"/>
             </a:p>
@@ -6118,6 +6119,41 @@
           </a:p>
         </p:txBody>
       </p:sp>
+      <p:pic>
+        <p:nvPicPr>
+          <p:cNvPr id="3" name="Grafik 2">
+            <a:extLst>
+              <a:ext uri="{FF2B5EF4-FFF2-40B4-BE49-F238E27FC236}">
+                <a16:creationId xmlns:a16="http://schemas.microsoft.com/office/drawing/2014/main" id="{25BCC2C0-03FE-49C5-B1DB-5D987BE7FDAE}"/>
+              </a:ext>
+            </a:extLst>
+          </p:cNvPr>
+          <p:cNvPicPr>
+            <a:picLocks noChangeAspect="1"/>
+          </p:cNvPicPr>
+          <p:nvPr/>
+        </p:nvPicPr>
+        <p:blipFill>
+          <a:blip r:embed="rId4"/>
+          <a:stretch>
+            <a:fillRect/>
+          </a:stretch>
+        </p:blipFill>
+        <p:spPr>
+          <a:xfrm>
+            <a:off x="4947013" y="1959958"/>
+            <a:ext cx="6279424" cy="1226926"/>
+          </a:xfrm>
+          <a:prstGeom prst="rect">
+            <a:avLst/>
+          </a:prstGeom>
+          <a:ln>
+            <a:solidFill>
+              <a:schemeClr val="tx1"/>
+            </a:solidFill>
+          </a:ln>
+        </p:spPr>
+      </p:pic>
     </p:spTree>
     <p:extLst>
       <p:ext uri="{BB962C8B-B14F-4D97-AF65-F5344CB8AC3E}">
@@ -6126,7 +6162,7 @@
     </p:extLst>
   </p:cSld>
   <p:clrMapOvr>
-    <a:masterClrMapping/>
+    <a:overrideClrMapping bg1="lt1" tx1="dk1" bg2="lt2" tx2="dk2" accent1="accent1" accent2="accent2" accent3="accent3" accent4="accent4" accent5="accent5" accent6="accent6" hlink="hlink" folHlink="folHlink"/>
   </p:clrMapOvr>
 </p:sld>
 </file>
@@ -6294,7 +6330,7 @@
               <a:fld id="{ABB89C0B-1ABD-444B-925C-4E47B2F277F6}" type="datetimeFigureOut">
                 <a:rPr lang="de-DE" smtClean="0"/>
                 <a:pPr/>
-                <a:t>17.07.2019</a:t>
+                <a:t>18.07.2019</a:t>
               </a:fld>
               <a:endParaRPr lang="de-DE" dirty="0"/>
             </a:p>
@@ -7017,7 +7053,7 @@
               <a:fld id="{ABB89C0B-1ABD-444B-925C-4E47B2F277F6}" type="datetimeFigureOut">
                 <a:rPr lang="de-DE" smtClean="0"/>
                 <a:pPr/>
-                <a:t>17.07.2019</a:t>
+                <a:t>18.07.2019</a:t>
               </a:fld>
               <a:endParaRPr lang="de-DE" dirty="0"/>
             </a:p>
@@ -14030,7 +14066,7 @@
               <a:fld id="{ABB89C0B-1ABD-444B-925C-4E47B2F277F6}" type="datetimeFigureOut">
                 <a:rPr lang="de-DE" smtClean="0"/>
                 <a:pPr/>
-                <a:t>17.07.2019</a:t>
+                <a:t>18.07.2019</a:t>
               </a:fld>
               <a:endParaRPr lang="de-DE" dirty="0"/>
             </a:p>
@@ -14792,7 +14828,7 @@
               <a:fld id="{ABB89C0B-1ABD-444B-925C-4E47B2F277F6}" type="datetimeFigureOut">
                 <a:rPr lang="de-DE" smtClean="0"/>
                 <a:pPr/>
-                <a:t>17.07.2019</a:t>
+                <a:t>18.07.2019</a:t>
               </a:fld>
               <a:endParaRPr lang="de-DE" dirty="0"/>
             </a:p>
@@ -15842,7 +15878,7 @@
               <a:fld id="{ABB89C0B-1ABD-444B-925C-4E47B2F277F6}" type="datetimeFigureOut">
                 <a:rPr lang="de-DE" smtClean="0"/>
                 <a:pPr/>
-                <a:t>17.07.2019</a:t>
+                <a:t>18.07.2019</a:t>
               </a:fld>
               <a:endParaRPr lang="de-DE" dirty="0"/>
             </a:p>
@@ -18006,7 +18042,7 @@
               <a:fld id="{ABB89C0B-1ABD-444B-925C-4E47B2F277F6}" type="datetimeFigureOut">
                 <a:rPr lang="de-DE" smtClean="0"/>
                 <a:pPr/>
-                <a:t>17.07.2019</a:t>
+                <a:t>18.07.2019</a:t>
               </a:fld>
               <a:endParaRPr lang="de-DE" dirty="0"/>
             </a:p>
@@ -18912,6 +18948,526 @@
 </p:sld>
 </file>
 
+<file path=ppt/slides/slide18.xml><?xml version="1.0" encoding="utf-8"?>
+<p:sld xmlns:a="http://schemas.openxmlformats.org/drawingml/2006/main" xmlns:r="http://schemas.openxmlformats.org/officeDocument/2006/relationships" xmlns:p="http://schemas.openxmlformats.org/presentationml/2006/main">
+  <p:cSld>
+    <p:spTree>
+      <p:nvGrpSpPr>
+        <p:cNvPr id="1" name=""/>
+        <p:cNvGrpSpPr/>
+        <p:nvPr/>
+      </p:nvGrpSpPr>
+      <p:grpSpPr>
+        <a:xfrm>
+          <a:off x="0" y="0"/>
+          <a:ext cx="0" cy="0"/>
+          <a:chOff x="0" y="0"/>
+          <a:chExt cx="0" cy="0"/>
+        </a:xfrm>
+      </p:grpSpPr>
+      <p:grpSp>
+        <p:nvGrpSpPr>
+          <p:cNvPr id="4" name="Gruppieren 3">
+            <a:extLst>
+              <a:ext uri="{FF2B5EF4-FFF2-40B4-BE49-F238E27FC236}">
+                <a16:creationId xmlns:a16="http://schemas.microsoft.com/office/drawing/2014/main" id="{18D08059-8049-414A-B958-7A9841F3CD9A}"/>
+              </a:ext>
+            </a:extLst>
+          </p:cNvPr>
+          <p:cNvGrpSpPr/>
+          <p:nvPr/>
+        </p:nvGrpSpPr>
+        <p:grpSpPr>
+          <a:xfrm>
+            <a:off x="838200" y="6356350"/>
+            <a:ext cx="10515600" cy="365125"/>
+            <a:chOff x="838200" y="6356350"/>
+            <a:chExt cx="10515600" cy="365125"/>
+          </a:xfrm>
+        </p:grpSpPr>
+        <p:sp>
+          <p:nvSpPr>
+            <p:cNvPr id="5" name="Datumsplatzhalter 3">
+              <a:extLst>
+                <a:ext uri="{FF2B5EF4-FFF2-40B4-BE49-F238E27FC236}">
+                  <a16:creationId xmlns:a16="http://schemas.microsoft.com/office/drawing/2014/main" id="{3ABE0E0F-DB90-43F7-9B5F-C51CEB17F6B7}"/>
+                </a:ext>
+              </a:extLst>
+            </p:cNvPr>
+            <p:cNvSpPr txBox="1">
+              <a:spLocks/>
+            </p:cNvSpPr>
+            <p:nvPr/>
+          </p:nvSpPr>
+          <p:spPr>
+            <a:xfrm>
+              <a:off x="838200" y="6356350"/>
+              <a:ext cx="2743200" cy="365125"/>
+            </a:xfrm>
+            <a:prstGeom prst="rect">
+              <a:avLst/>
+            </a:prstGeom>
+          </p:spPr>
+          <p:txBody>
+            <a:bodyPr vert="horz" lIns="91440" tIns="45720" rIns="91440" bIns="45720" rtlCol="0" anchor="ctr"/>
+            <a:lstStyle>
+              <a:defPPr>
+                <a:defRPr lang="de-DE"/>
+              </a:defPPr>
+              <a:lvl1pPr marL="0" algn="l" defTabSz="914400" rtl="0" eaLnBrk="1" latinLnBrk="0" hangingPunct="1">
+                <a:defRPr sz="1200" kern="1200">
+                  <a:solidFill>
+                    <a:schemeClr val="tx1">
+                      <a:tint val="75000"/>
+                    </a:schemeClr>
+                  </a:solidFill>
+                  <a:latin typeface="+mn-lt"/>
+                  <a:ea typeface="+mn-ea"/>
+                  <a:cs typeface="+mn-cs"/>
+                </a:defRPr>
+              </a:lvl1pPr>
+              <a:lvl2pPr marL="457200" algn="l" defTabSz="914400" rtl="0" eaLnBrk="1" latinLnBrk="0" hangingPunct="1">
+                <a:defRPr sz="1800" kern="1200">
+                  <a:solidFill>
+                    <a:schemeClr val="tx1"/>
+                  </a:solidFill>
+                  <a:latin typeface="+mn-lt"/>
+                  <a:ea typeface="+mn-ea"/>
+                  <a:cs typeface="+mn-cs"/>
+                </a:defRPr>
+              </a:lvl2pPr>
+              <a:lvl3pPr marL="914400" algn="l" defTabSz="914400" rtl="0" eaLnBrk="1" latinLnBrk="0" hangingPunct="1">
+                <a:defRPr sz="1800" kern="1200">
+                  <a:solidFill>
+                    <a:schemeClr val="tx1"/>
+                  </a:solidFill>
+                  <a:latin typeface="+mn-lt"/>
+                  <a:ea typeface="+mn-ea"/>
+                  <a:cs typeface="+mn-cs"/>
+                </a:defRPr>
+              </a:lvl3pPr>
+              <a:lvl4pPr marL="1371600" algn="l" defTabSz="914400" rtl="0" eaLnBrk="1" latinLnBrk="0" hangingPunct="1">
+                <a:defRPr sz="1800" kern="1200">
+                  <a:solidFill>
+                    <a:schemeClr val="tx1"/>
+                  </a:solidFill>
+                  <a:latin typeface="+mn-lt"/>
+                  <a:ea typeface="+mn-ea"/>
+                  <a:cs typeface="+mn-cs"/>
+                </a:defRPr>
+              </a:lvl4pPr>
+              <a:lvl5pPr marL="1828800" algn="l" defTabSz="914400" rtl="0" eaLnBrk="1" latinLnBrk="0" hangingPunct="1">
+                <a:defRPr sz="1800" kern="1200">
+                  <a:solidFill>
+                    <a:schemeClr val="tx1"/>
+                  </a:solidFill>
+                  <a:latin typeface="+mn-lt"/>
+                  <a:ea typeface="+mn-ea"/>
+                  <a:cs typeface="+mn-cs"/>
+                </a:defRPr>
+              </a:lvl5pPr>
+              <a:lvl6pPr marL="2286000" algn="l" defTabSz="914400" rtl="0" eaLnBrk="1" latinLnBrk="0" hangingPunct="1">
+                <a:defRPr sz="1800" kern="1200">
+                  <a:solidFill>
+                    <a:schemeClr val="tx1"/>
+                  </a:solidFill>
+                  <a:latin typeface="+mn-lt"/>
+                  <a:ea typeface="+mn-ea"/>
+                  <a:cs typeface="+mn-cs"/>
+                </a:defRPr>
+              </a:lvl6pPr>
+              <a:lvl7pPr marL="2743200" algn="l" defTabSz="914400" rtl="0" eaLnBrk="1" latinLnBrk="0" hangingPunct="1">
+                <a:defRPr sz="1800" kern="1200">
+                  <a:solidFill>
+                    <a:schemeClr val="tx1"/>
+                  </a:solidFill>
+                  <a:latin typeface="+mn-lt"/>
+                  <a:ea typeface="+mn-ea"/>
+                  <a:cs typeface="+mn-cs"/>
+                </a:defRPr>
+              </a:lvl7pPr>
+              <a:lvl8pPr marL="3200400" algn="l" defTabSz="914400" rtl="0" eaLnBrk="1" latinLnBrk="0" hangingPunct="1">
+                <a:defRPr sz="1800" kern="1200">
+                  <a:solidFill>
+                    <a:schemeClr val="tx1"/>
+                  </a:solidFill>
+                  <a:latin typeface="+mn-lt"/>
+                  <a:ea typeface="+mn-ea"/>
+                  <a:cs typeface="+mn-cs"/>
+                </a:defRPr>
+              </a:lvl8pPr>
+              <a:lvl9pPr marL="3657600" algn="l" defTabSz="914400" rtl="0" eaLnBrk="1" latinLnBrk="0" hangingPunct="1">
+                <a:defRPr sz="1800" kern="1200">
+                  <a:solidFill>
+                    <a:schemeClr val="tx1"/>
+                  </a:solidFill>
+                  <a:latin typeface="+mn-lt"/>
+                  <a:ea typeface="+mn-ea"/>
+                  <a:cs typeface="+mn-cs"/>
+                </a:defRPr>
+              </a:lvl9pPr>
+            </a:lstStyle>
+            <a:p>
+              <a:fld id="{ABB89C0B-1ABD-444B-925C-4E47B2F277F6}" type="datetimeFigureOut">
+                <a:rPr lang="de-DE" smtClean="0"/>
+                <a:pPr/>
+                <a:t>18.07.2019</a:t>
+              </a:fld>
+              <a:endParaRPr lang="de-DE" dirty="0"/>
+            </a:p>
+          </p:txBody>
+        </p:sp>
+        <p:sp>
+          <p:nvSpPr>
+            <p:cNvPr id="6" name="Fußzeilenplatzhalter 4">
+              <a:extLst>
+                <a:ext uri="{FF2B5EF4-FFF2-40B4-BE49-F238E27FC236}">
+                  <a16:creationId xmlns:a16="http://schemas.microsoft.com/office/drawing/2014/main" id="{DB8FE8DA-BE41-429E-B7D1-4850CF5B4A71}"/>
+                </a:ext>
+              </a:extLst>
+            </p:cNvPr>
+            <p:cNvSpPr txBox="1">
+              <a:spLocks/>
+            </p:cNvSpPr>
+            <p:nvPr/>
+          </p:nvSpPr>
+          <p:spPr>
+            <a:xfrm>
+              <a:off x="3060932" y="6356350"/>
+              <a:ext cx="6070134" cy="365125"/>
+            </a:xfrm>
+            <a:prstGeom prst="rect">
+              <a:avLst/>
+            </a:prstGeom>
+          </p:spPr>
+          <p:txBody>
+            <a:bodyPr vert="horz" lIns="91440" tIns="45720" rIns="91440" bIns="45720" rtlCol="0" anchor="ctr"/>
+            <a:lstStyle>
+              <a:defPPr>
+                <a:defRPr lang="de-DE"/>
+              </a:defPPr>
+              <a:lvl1pPr marL="0" algn="ctr" defTabSz="914400" rtl="0" eaLnBrk="1" latinLnBrk="0" hangingPunct="1">
+                <a:defRPr sz="1200" kern="1200">
+                  <a:solidFill>
+                    <a:schemeClr val="tx1">
+                      <a:tint val="75000"/>
+                    </a:schemeClr>
+                  </a:solidFill>
+                  <a:latin typeface="+mn-lt"/>
+                  <a:ea typeface="+mn-ea"/>
+                  <a:cs typeface="+mn-cs"/>
+                </a:defRPr>
+              </a:lvl1pPr>
+              <a:lvl2pPr marL="457200" algn="l" defTabSz="914400" rtl="0" eaLnBrk="1" latinLnBrk="0" hangingPunct="1">
+                <a:defRPr sz="1800" kern="1200">
+                  <a:solidFill>
+                    <a:schemeClr val="tx1"/>
+                  </a:solidFill>
+                  <a:latin typeface="+mn-lt"/>
+                  <a:ea typeface="+mn-ea"/>
+                  <a:cs typeface="+mn-cs"/>
+                </a:defRPr>
+              </a:lvl2pPr>
+              <a:lvl3pPr marL="914400" algn="l" defTabSz="914400" rtl="0" eaLnBrk="1" latinLnBrk="0" hangingPunct="1">
+                <a:defRPr sz="1800" kern="1200">
+                  <a:solidFill>
+                    <a:schemeClr val="tx1"/>
+                  </a:solidFill>
+                  <a:latin typeface="+mn-lt"/>
+                  <a:ea typeface="+mn-ea"/>
+                  <a:cs typeface="+mn-cs"/>
+                </a:defRPr>
+              </a:lvl3pPr>
+              <a:lvl4pPr marL="1371600" algn="l" defTabSz="914400" rtl="0" eaLnBrk="1" latinLnBrk="0" hangingPunct="1">
+                <a:defRPr sz="1800" kern="1200">
+                  <a:solidFill>
+                    <a:schemeClr val="tx1"/>
+                  </a:solidFill>
+                  <a:latin typeface="+mn-lt"/>
+                  <a:ea typeface="+mn-ea"/>
+                  <a:cs typeface="+mn-cs"/>
+                </a:defRPr>
+              </a:lvl4pPr>
+              <a:lvl5pPr marL="1828800" algn="l" defTabSz="914400" rtl="0" eaLnBrk="1" latinLnBrk="0" hangingPunct="1">
+                <a:defRPr sz="1800" kern="1200">
+                  <a:solidFill>
+                    <a:schemeClr val="tx1"/>
+                  </a:solidFill>
+                  <a:latin typeface="+mn-lt"/>
+                  <a:ea typeface="+mn-ea"/>
+                  <a:cs typeface="+mn-cs"/>
+                </a:defRPr>
+              </a:lvl5pPr>
+              <a:lvl6pPr marL="2286000" algn="l" defTabSz="914400" rtl="0" eaLnBrk="1" latinLnBrk="0" hangingPunct="1">
+                <a:defRPr sz="1800" kern="1200">
+                  <a:solidFill>
+                    <a:schemeClr val="tx1"/>
+                  </a:solidFill>
+                  <a:latin typeface="+mn-lt"/>
+                  <a:ea typeface="+mn-ea"/>
+                  <a:cs typeface="+mn-cs"/>
+                </a:defRPr>
+              </a:lvl6pPr>
+              <a:lvl7pPr marL="2743200" algn="l" defTabSz="914400" rtl="0" eaLnBrk="1" latinLnBrk="0" hangingPunct="1">
+                <a:defRPr sz="1800" kern="1200">
+                  <a:solidFill>
+                    <a:schemeClr val="tx1"/>
+                  </a:solidFill>
+                  <a:latin typeface="+mn-lt"/>
+                  <a:ea typeface="+mn-ea"/>
+                  <a:cs typeface="+mn-cs"/>
+                </a:defRPr>
+              </a:lvl7pPr>
+              <a:lvl8pPr marL="3200400" algn="l" defTabSz="914400" rtl="0" eaLnBrk="1" latinLnBrk="0" hangingPunct="1">
+                <a:defRPr sz="1800" kern="1200">
+                  <a:solidFill>
+                    <a:schemeClr val="tx1"/>
+                  </a:solidFill>
+                  <a:latin typeface="+mn-lt"/>
+                  <a:ea typeface="+mn-ea"/>
+                  <a:cs typeface="+mn-cs"/>
+                </a:defRPr>
+              </a:lvl8pPr>
+              <a:lvl9pPr marL="3657600" algn="l" defTabSz="914400" rtl="0" eaLnBrk="1" latinLnBrk="0" hangingPunct="1">
+                <a:defRPr sz="1800" kern="1200">
+                  <a:solidFill>
+                    <a:schemeClr val="tx1"/>
+                  </a:solidFill>
+                  <a:latin typeface="+mn-lt"/>
+                  <a:ea typeface="+mn-ea"/>
+                  <a:cs typeface="+mn-cs"/>
+                </a:defRPr>
+              </a:lvl9pPr>
+            </a:lstStyle>
+            <a:p>
+              <a:r>
+                <a:rPr lang="de-DE" dirty="0"/>
+                <a:t>Praktikum Produktionstechnik</a:t>
+              </a:r>
+            </a:p>
+          </p:txBody>
+        </p:sp>
+        <p:sp>
+          <p:nvSpPr>
+            <p:cNvPr id="7" name="Foliennummernplatzhalter 5">
+              <a:extLst>
+                <a:ext uri="{FF2B5EF4-FFF2-40B4-BE49-F238E27FC236}">
+                  <a16:creationId xmlns:a16="http://schemas.microsoft.com/office/drawing/2014/main" id="{C08B045B-D202-4ECB-9910-D6EF3E5EE0D2}"/>
+                </a:ext>
+              </a:extLst>
+            </p:cNvPr>
+            <p:cNvSpPr txBox="1">
+              <a:spLocks/>
+            </p:cNvSpPr>
+            <p:nvPr/>
+          </p:nvSpPr>
+          <p:spPr>
+            <a:xfrm>
+              <a:off x="8610600" y="6356350"/>
+              <a:ext cx="2743200" cy="365125"/>
+            </a:xfrm>
+            <a:prstGeom prst="rect">
+              <a:avLst/>
+            </a:prstGeom>
+          </p:spPr>
+          <p:txBody>
+            <a:bodyPr vert="horz" lIns="91440" tIns="45720" rIns="91440" bIns="45720" rtlCol="0" anchor="ctr"/>
+            <a:lstStyle>
+              <a:defPPr>
+                <a:defRPr lang="de-DE"/>
+              </a:defPPr>
+              <a:lvl1pPr marL="0" algn="r" defTabSz="914400" rtl="0" eaLnBrk="1" latinLnBrk="0" hangingPunct="1">
+                <a:defRPr sz="1200" kern="1200">
+                  <a:solidFill>
+                    <a:schemeClr val="tx1">
+                      <a:tint val="75000"/>
+                    </a:schemeClr>
+                  </a:solidFill>
+                  <a:latin typeface="+mn-lt"/>
+                  <a:ea typeface="+mn-ea"/>
+                  <a:cs typeface="+mn-cs"/>
+                </a:defRPr>
+              </a:lvl1pPr>
+              <a:lvl2pPr marL="457200" algn="l" defTabSz="914400" rtl="0" eaLnBrk="1" latinLnBrk="0" hangingPunct="1">
+                <a:defRPr sz="1800" kern="1200">
+                  <a:solidFill>
+                    <a:schemeClr val="tx1"/>
+                  </a:solidFill>
+                  <a:latin typeface="+mn-lt"/>
+                  <a:ea typeface="+mn-ea"/>
+                  <a:cs typeface="+mn-cs"/>
+                </a:defRPr>
+              </a:lvl2pPr>
+              <a:lvl3pPr marL="914400" algn="l" defTabSz="914400" rtl="0" eaLnBrk="1" latinLnBrk="0" hangingPunct="1">
+                <a:defRPr sz="1800" kern="1200">
+                  <a:solidFill>
+                    <a:schemeClr val="tx1"/>
+                  </a:solidFill>
+                  <a:latin typeface="+mn-lt"/>
+                  <a:ea typeface="+mn-ea"/>
+                  <a:cs typeface="+mn-cs"/>
+                </a:defRPr>
+              </a:lvl3pPr>
+              <a:lvl4pPr marL="1371600" algn="l" defTabSz="914400" rtl="0" eaLnBrk="1" latinLnBrk="0" hangingPunct="1">
+                <a:defRPr sz="1800" kern="1200">
+                  <a:solidFill>
+                    <a:schemeClr val="tx1"/>
+                  </a:solidFill>
+                  <a:latin typeface="+mn-lt"/>
+                  <a:ea typeface="+mn-ea"/>
+                  <a:cs typeface="+mn-cs"/>
+                </a:defRPr>
+              </a:lvl4pPr>
+              <a:lvl5pPr marL="1828800" algn="l" defTabSz="914400" rtl="0" eaLnBrk="1" latinLnBrk="0" hangingPunct="1">
+                <a:defRPr sz="1800" kern="1200">
+                  <a:solidFill>
+                    <a:schemeClr val="tx1"/>
+                  </a:solidFill>
+                  <a:latin typeface="+mn-lt"/>
+                  <a:ea typeface="+mn-ea"/>
+                  <a:cs typeface="+mn-cs"/>
+                </a:defRPr>
+              </a:lvl5pPr>
+              <a:lvl6pPr marL="2286000" algn="l" defTabSz="914400" rtl="0" eaLnBrk="1" latinLnBrk="0" hangingPunct="1">
+                <a:defRPr sz="1800" kern="1200">
+                  <a:solidFill>
+                    <a:schemeClr val="tx1"/>
+                  </a:solidFill>
+                  <a:latin typeface="+mn-lt"/>
+                  <a:ea typeface="+mn-ea"/>
+                  <a:cs typeface="+mn-cs"/>
+                </a:defRPr>
+              </a:lvl6pPr>
+              <a:lvl7pPr marL="2743200" algn="l" defTabSz="914400" rtl="0" eaLnBrk="1" latinLnBrk="0" hangingPunct="1">
+                <a:defRPr sz="1800" kern="1200">
+                  <a:solidFill>
+                    <a:schemeClr val="tx1"/>
+                  </a:solidFill>
+                  <a:latin typeface="+mn-lt"/>
+                  <a:ea typeface="+mn-ea"/>
+                  <a:cs typeface="+mn-cs"/>
+                </a:defRPr>
+              </a:lvl7pPr>
+              <a:lvl8pPr marL="3200400" algn="l" defTabSz="914400" rtl="0" eaLnBrk="1" latinLnBrk="0" hangingPunct="1">
+                <a:defRPr sz="1800" kern="1200">
+                  <a:solidFill>
+                    <a:schemeClr val="tx1"/>
+                  </a:solidFill>
+                  <a:latin typeface="+mn-lt"/>
+                  <a:ea typeface="+mn-ea"/>
+                  <a:cs typeface="+mn-cs"/>
+                </a:defRPr>
+              </a:lvl8pPr>
+              <a:lvl9pPr marL="3657600" algn="l" defTabSz="914400" rtl="0" eaLnBrk="1" latinLnBrk="0" hangingPunct="1">
+                <a:defRPr sz="1800" kern="1200">
+                  <a:solidFill>
+                    <a:schemeClr val="tx1"/>
+                  </a:solidFill>
+                  <a:latin typeface="+mn-lt"/>
+                  <a:ea typeface="+mn-ea"/>
+                  <a:cs typeface="+mn-cs"/>
+                </a:defRPr>
+              </a:lvl9pPr>
+            </a:lstStyle>
+            <a:p>
+              <a:fld id="{75CEC8DD-A46B-4CAA-B4E1-6A1B652C2BF4}" type="slidenum">
+                <a:rPr lang="de-DE" smtClean="0"/>
+                <a:pPr/>
+                <a:t>18</a:t>
+              </a:fld>
+              <a:endParaRPr lang="de-DE"/>
+            </a:p>
+          </p:txBody>
+        </p:sp>
+      </p:grpSp>
+      <p:pic>
+        <p:nvPicPr>
+          <p:cNvPr id="8" name="Grafik 7" descr="Logo Ingenieursinformatik">
+            <a:extLst>
+              <a:ext uri="{FF2B5EF4-FFF2-40B4-BE49-F238E27FC236}">
+                <a16:creationId xmlns:a16="http://schemas.microsoft.com/office/drawing/2014/main" id="{F5868D2B-F5D2-47E8-8FD9-6D9B2986087D}"/>
+              </a:ext>
+            </a:extLst>
+          </p:cNvPr>
+          <p:cNvPicPr/>
+          <p:nvPr/>
+        </p:nvPicPr>
+        <p:blipFill>
+          <a:blip r:embed="rId2" cstate="print">
+            <a:extLst>
+              <a:ext uri="{28A0092B-C50C-407E-A947-70E740481C1C}">
+                <a14:useLocalDpi xmlns:a14="http://schemas.microsoft.com/office/drawing/2010/main" val="0"/>
+              </a:ext>
+            </a:extLst>
+          </a:blip>
+          <a:srcRect/>
+          <a:stretch>
+            <a:fillRect/>
+          </a:stretch>
+        </p:blipFill>
+        <p:spPr bwMode="auto">
+          <a:xfrm>
+            <a:off x="10178281" y="320040"/>
+            <a:ext cx="1692155" cy="924304"/>
+          </a:xfrm>
+          <a:prstGeom prst="rect">
+            <a:avLst/>
+          </a:prstGeom>
+          <a:noFill/>
+          <a:ln>
+            <a:noFill/>
+          </a:ln>
+        </p:spPr>
+      </p:pic>
+      <p:sp>
+        <p:nvSpPr>
+          <p:cNvPr id="12" name="Titel 1">
+            <a:extLst>
+              <a:ext uri="{FF2B5EF4-FFF2-40B4-BE49-F238E27FC236}">
+                <a16:creationId xmlns:a16="http://schemas.microsoft.com/office/drawing/2014/main" id="{E000FD21-03A8-4523-B088-D596EF47B706}"/>
+              </a:ext>
+            </a:extLst>
+          </p:cNvPr>
+          <p:cNvSpPr>
+            <a:spLocks noGrp="1"/>
+          </p:cNvSpPr>
+          <p:nvPr>
+            <p:ph type="title"/>
+          </p:nvPr>
+        </p:nvSpPr>
+        <p:spPr>
+          <a:xfrm>
+            <a:off x="838200" y="365125"/>
+            <a:ext cx="10515600" cy="1325563"/>
+          </a:xfrm>
+        </p:spPr>
+        <p:txBody>
+          <a:bodyPr>
+            <a:normAutofit/>
+          </a:bodyPr>
+          <a:lstStyle/>
+          <a:p>
+            <a:r>
+              <a:rPr lang="de-DE" sz="2800" dirty="0"/>
+              <a:t>4 Quellen</a:t>
+            </a:r>
+            <a:endParaRPr lang="de-DE" sz="2800" b="1" i="1" dirty="0"/>
+          </a:p>
+        </p:txBody>
+      </p:sp>
+    </p:spTree>
+    <p:extLst>
+      <p:ext uri="{BB962C8B-B14F-4D97-AF65-F5344CB8AC3E}">
+        <p14:creationId xmlns:p14="http://schemas.microsoft.com/office/powerpoint/2010/main" val="556710781"/>
+      </p:ext>
+    </p:extLst>
+  </p:cSld>
+  <p:clrMapOvr>
+    <a:masterClrMapping/>
+  </p:clrMapOvr>
+</p:sld>
+</file>
+
 <file path=ppt/slides/slide2.xml><?xml version="1.0" encoding="utf-8"?>
 <p:sld xmlns:a="http://schemas.openxmlformats.org/drawingml/2006/main" xmlns:r="http://schemas.openxmlformats.org/officeDocument/2006/relationships" xmlns:p="http://schemas.openxmlformats.org/presentationml/2006/main">
   <p:cSld>
@@ -19116,157 +19672,182 @@
         <p:spPr>
           <a:xfrm>
             <a:off x="4983242" y="984325"/>
-            <a:ext cx="6377769" cy="4930246"/>
+            <a:ext cx="6377769" cy="5178350"/>
           </a:xfrm>
         </p:spPr>
         <p:txBody>
           <a:bodyPr anchor="ctr">
-            <a:normAutofit/>
+            <a:noAutofit/>
           </a:bodyPr>
           <a:lstStyle/>
           <a:p>
             <a:pPr marL="514350" indent="-514350">
+              <a:lnSpc>
+                <a:spcPct val="170000"/>
+              </a:lnSpc>
               <a:buFont typeface="+mj-lt"/>
               <a:buAutoNum type="arabicPeriod"/>
             </a:pPr>
             <a:r>
-              <a:rPr lang="de-DE" sz="2400" dirty="0"/>
+              <a:rPr lang="de-DE" sz="1800" dirty="0"/>
               <a:t>Vorführung mit </a:t>
             </a:r>
             <a:r>
-              <a:rPr lang="de-DE" sz="2400" dirty="0" err="1"/>
+              <a:rPr lang="de-DE" sz="1800" dirty="0" err="1"/>
               <a:t>OmniMove</a:t>
             </a:r>
-            <a:endParaRPr lang="de-DE" sz="2400" dirty="0"/>
+            <a:endParaRPr lang="de-DE" sz="1800" dirty="0"/>
           </a:p>
           <a:p>
             <a:pPr marL="514350" indent="-514350">
-              <a:buFont typeface="+mj-lt"/>
-              <a:buAutoNum type="arabicPeriod"/>
-            </a:pPr>
-            <a:endParaRPr lang="de-DE" sz="2400" dirty="0"/>
-          </a:p>
-          <a:p>
-            <a:pPr marL="514350" indent="-514350">
+              <a:lnSpc>
+                <a:spcPct val="170000"/>
+              </a:lnSpc>
               <a:buFont typeface="+mj-lt"/>
               <a:buAutoNum type="arabicPeriod"/>
             </a:pPr>
             <a:r>
-              <a:rPr lang="de-DE" sz="2400" dirty="0"/>
+              <a:rPr lang="de-DE" sz="1800" dirty="0"/>
               <a:t>Merkmale und Schlüsseltechnologien</a:t>
             </a:r>
           </a:p>
           <a:p>
             <a:pPr marL="971550" lvl="1" indent="-514350">
+              <a:lnSpc>
+                <a:spcPct val="170000"/>
+              </a:lnSpc>
               <a:buFont typeface="+mj-lt"/>
               <a:buAutoNum type="arabicPeriod"/>
             </a:pPr>
             <a:r>
-              <a:rPr lang="de-DE" sz="2000" dirty="0"/>
+              <a:rPr lang="de-DE" sz="1500" dirty="0"/>
               <a:t>Gesamtübersicht</a:t>
             </a:r>
           </a:p>
           <a:p>
             <a:pPr marL="971550" lvl="1" indent="-514350">
+              <a:lnSpc>
+                <a:spcPct val="170000"/>
+              </a:lnSpc>
               <a:buFont typeface="+mj-lt"/>
               <a:buAutoNum type="arabicPeriod"/>
             </a:pPr>
             <a:r>
-              <a:rPr lang="de-DE" sz="2000" dirty="0" err="1"/>
+              <a:rPr lang="de-DE" sz="1500" dirty="0" err="1"/>
               <a:t>Mecanum</a:t>
             </a:r>
             <a:r>
-              <a:rPr lang="de-DE" sz="2000" dirty="0"/>
+              <a:rPr lang="de-DE" sz="1500" dirty="0"/>
               <a:t> Räder &amp; Planetengetriebe</a:t>
             </a:r>
           </a:p>
           <a:p>
             <a:pPr marL="971550" lvl="1" indent="-514350">
+              <a:lnSpc>
+                <a:spcPct val="170000"/>
+              </a:lnSpc>
               <a:buFont typeface="+mj-lt"/>
               <a:buAutoNum type="arabicPeriod"/>
             </a:pPr>
             <a:r>
-              <a:rPr lang="de-DE" sz="2000" dirty="0"/>
+              <a:rPr lang="de-DE" sz="1500" dirty="0"/>
               <a:t>Planetengetriebe</a:t>
             </a:r>
           </a:p>
           <a:p>
             <a:pPr marL="971550" lvl="1" indent="-514350">
+              <a:lnSpc>
+                <a:spcPct val="170000"/>
+              </a:lnSpc>
               <a:buFont typeface="+mj-lt"/>
               <a:buAutoNum type="arabicPeriod"/>
             </a:pPr>
             <a:r>
-              <a:rPr lang="de-DE" sz="2000" dirty="0"/>
+              <a:rPr lang="de-DE" sz="1500" dirty="0"/>
               <a:t>Kommunikation und Steuerung</a:t>
             </a:r>
           </a:p>
           <a:p>
-            <a:pPr marL="971550" lvl="1" indent="-514350">
-              <a:buFont typeface="+mj-lt"/>
-              <a:buAutoNum type="arabicPeriod"/>
-            </a:pPr>
-            <a:endParaRPr lang="de-DE" sz="2000" dirty="0"/>
-          </a:p>
-          <a:p>
             <a:pPr marL="514350" indent="-514350">
+              <a:lnSpc>
+                <a:spcPct val="170000"/>
+              </a:lnSpc>
               <a:buFont typeface="+mj-lt"/>
               <a:buAutoNum type="arabicPeriod"/>
             </a:pPr>
             <a:r>
-              <a:rPr lang="de-DE" sz="2400" dirty="0"/>
+              <a:rPr lang="de-DE" sz="1800" dirty="0"/>
               <a:t>Entwicklungsprozess (via V-Modell)</a:t>
             </a:r>
           </a:p>
           <a:p>
             <a:pPr marL="971550" lvl="1" indent="-514350">
+              <a:lnSpc>
+                <a:spcPct val="170000"/>
+              </a:lnSpc>
               <a:buFont typeface="+mj-lt"/>
               <a:buAutoNum type="arabicPeriod"/>
             </a:pPr>
             <a:r>
-              <a:rPr lang="de-DE" sz="2000" dirty="0"/>
+              <a:rPr lang="de-DE" sz="1500" dirty="0"/>
               <a:t>Planung</a:t>
             </a:r>
           </a:p>
           <a:p>
             <a:pPr marL="971550" lvl="1" indent="-514350">
+              <a:lnSpc>
+                <a:spcPct val="170000"/>
+              </a:lnSpc>
               <a:buFont typeface="+mj-lt"/>
               <a:buAutoNum type="arabicPeriod"/>
             </a:pPr>
             <a:r>
-              <a:rPr lang="de-DE" sz="2000" dirty="0"/>
+              <a:rPr lang="de-DE" sz="1500" dirty="0"/>
               <a:t>Anforderungsermittlung</a:t>
             </a:r>
           </a:p>
           <a:p>
             <a:pPr marL="971550" lvl="1" indent="-514350">
+              <a:lnSpc>
+                <a:spcPct val="170000"/>
+              </a:lnSpc>
               <a:buFont typeface="+mj-lt"/>
               <a:buAutoNum type="arabicPeriod"/>
             </a:pPr>
             <a:r>
-              <a:rPr lang="de-DE" sz="2000" dirty="0"/>
+              <a:rPr lang="de-DE" sz="1500" dirty="0"/>
               <a:t>Systementwurf</a:t>
             </a:r>
           </a:p>
           <a:p>
             <a:pPr marL="971550" lvl="1" indent="-514350">
+              <a:lnSpc>
+                <a:spcPct val="170000"/>
+              </a:lnSpc>
               <a:buFont typeface="+mj-lt"/>
               <a:buAutoNum type="arabicPeriod"/>
             </a:pPr>
             <a:r>
-              <a:rPr lang="de-DE" sz="2000" dirty="0" err="1"/>
+              <a:rPr lang="de-DE" sz="1500" dirty="0" err="1"/>
               <a:t>OmniMove</a:t>
             </a:r>
             <a:r>
-              <a:rPr lang="de-DE" sz="2000" dirty="0"/>
+              <a:rPr lang="de-DE" sz="1500" dirty="0"/>
               <a:t> Test &amp; Validierung</a:t>
             </a:r>
           </a:p>
           <a:p>
             <a:pPr marL="514350" indent="-514350">
+              <a:lnSpc>
+                <a:spcPct val="170000"/>
+              </a:lnSpc>
               <a:buFont typeface="+mj-lt"/>
               <a:buAutoNum type="arabicPeriod"/>
             </a:pPr>
-            <a:endParaRPr lang="de-DE" dirty="0"/>
+            <a:r>
+              <a:rPr lang="de-DE" sz="1800" dirty="0"/>
+              <a:t>Quellen</a:t>
+            </a:r>
           </a:p>
         </p:txBody>
       </p:sp>
@@ -19634,7 +20215,7 @@
               <a:fld id="{ABB89C0B-1ABD-444B-925C-4E47B2F277F6}" type="datetimeFigureOut">
                 <a:rPr lang="de-DE" smtClean="0"/>
                 <a:pPr/>
-                <a:t>17.07.2019</a:t>
+                <a:t>18.07.2019</a:t>
               </a:fld>
               <a:endParaRPr lang="de-DE" dirty="0"/>
             </a:p>
@@ -20194,7 +20775,7 @@
               <a:fld id="{ABB89C0B-1ABD-444B-925C-4E47B2F277F6}" type="datetimeFigureOut">
                 <a:rPr lang="de-DE" smtClean="0"/>
                 <a:pPr/>
-                <a:t>17.07.2019</a:t>
+                <a:t>18.07.2019</a:t>
               </a:fld>
               <a:endParaRPr lang="de-DE" dirty="0"/>
             </a:p>
@@ -20478,7 +21059,7 @@
         <p:spPr>
           <a:xfrm>
             <a:off x="7772400" y="1816766"/>
-            <a:ext cx="4098036" cy="3693319"/>
+            <a:ext cx="4098036" cy="3416320"/>
           </a:xfrm>
           <a:prstGeom prst="rect">
             <a:avLst/>
@@ -20525,22 +21106,18 @@
           <a:p>
             <a:r>
               <a:rPr lang="de-DE" dirty="0"/>
-              <a:t>4x Innenfelge</a:t>
+              <a:t>4x Innenfelge &amp; Felge</a:t>
             </a:r>
-          </a:p>
-          <a:p>
-            <a:r>
+            <a:br>
               <a:rPr lang="de-DE" dirty="0"/>
-              <a:t>4x Felge</a:t>
-            </a:r>
-          </a:p>
-          <a:p>
+            </a:br>
             <a:r>
               <a:rPr lang="de-DE" dirty="0"/>
               <a:t>8x Sigma</a:t>
             </a:r>
-          </a:p>
-          <a:p>
+            <a:br>
+              <a:rPr lang="de-DE" dirty="0"/>
+            </a:br>
             <a:r>
               <a:rPr lang="de-DE" dirty="0"/>
               <a:t>4x H-Brücken Halterung</a:t>
@@ -20857,7 +21434,7 @@
               <a:fld id="{ABB89C0B-1ABD-444B-925C-4E47B2F277F6}" type="datetimeFigureOut">
                 <a:rPr lang="de-DE" smtClean="0"/>
                 <a:pPr/>
-                <a:t>17.07.2019</a:t>
+                <a:t>18.07.2019</a:t>
               </a:fld>
               <a:endParaRPr lang="de-DE" dirty="0"/>
             </a:p>
@@ -21176,7 +21753,7 @@
           <a:p>
             <a:r>
               <a:rPr lang="de-DE" dirty="0"/>
-              <a:t>	Felge, Innenfelge, Motorhalterung und Sigma</a:t>
+              <a:t>	1) Motorhalterung und 2) Sigma</a:t>
             </a:r>
           </a:p>
         </p:txBody>
@@ -21686,7 +22263,7 @@
               <a:fld id="{ABB89C0B-1ABD-444B-925C-4E47B2F277F6}" type="datetimeFigureOut">
                 <a:rPr lang="de-DE" smtClean="0"/>
                 <a:pPr/>
-                <a:t>17.07.2019</a:t>
+                <a:t>18.07.2019</a:t>
               </a:fld>
               <a:endParaRPr lang="de-DE" dirty="0"/>
             </a:p>
@@ -22310,7 +22887,7 @@
               <a:fld id="{ABB89C0B-1ABD-444B-925C-4E47B2F277F6}" type="datetimeFigureOut">
                 <a:rPr lang="de-DE" smtClean="0"/>
                 <a:pPr/>
-                <a:t>17.07.2019</a:t>
+                <a:t>18.07.2019</a:t>
               </a:fld>
               <a:endParaRPr lang="de-DE" dirty="0"/>
             </a:p>
@@ -22991,7 +23568,7 @@
               <a:fld id="{ABB89C0B-1ABD-444B-925C-4E47B2F277F6}" type="datetimeFigureOut">
                 <a:rPr lang="de-DE" smtClean="0"/>
                 <a:pPr/>
-                <a:t>17.07.2019</a:t>
+                <a:t>18.07.2019</a:t>
               </a:fld>
               <a:endParaRPr lang="de-DE" dirty="0"/>
             </a:p>
@@ -23667,7 +24244,7 @@
               <a:fld id="{ABB89C0B-1ABD-444B-925C-4E47B2F277F6}" type="datetimeFigureOut">
                 <a:rPr lang="de-DE" smtClean="0"/>
                 <a:pPr/>
-                <a:t>17.07.2019</a:t>
+                <a:t>18.07.2019</a:t>
               </a:fld>
               <a:endParaRPr lang="de-DE" dirty="0"/>
             </a:p>
@@ -24319,4 +24896,47 @@
     </a:ext>
   </a:extLst>
 </a:theme>
+</file>
+
+<file path=ppt/theme/themeOverride1.xml><?xml version="1.0" encoding="utf-8"?>
+<a:themeOverride xmlns:a="http://schemas.openxmlformats.org/drawingml/2006/main">
+  <a:clrScheme name="Office">
+    <a:dk1>
+      <a:sysClr val="windowText" lastClr="000000"/>
+    </a:dk1>
+    <a:lt1>
+      <a:sysClr val="window" lastClr="FFFFFF"/>
+    </a:lt1>
+    <a:dk2>
+      <a:srgbClr val="44546A"/>
+    </a:dk2>
+    <a:lt2>
+      <a:srgbClr val="E7E6E6"/>
+    </a:lt2>
+    <a:accent1>
+      <a:srgbClr val="4472C4"/>
+    </a:accent1>
+    <a:accent2>
+      <a:srgbClr val="ED7D31"/>
+    </a:accent2>
+    <a:accent3>
+      <a:srgbClr val="A5A5A5"/>
+    </a:accent3>
+    <a:accent4>
+      <a:srgbClr val="FFC000"/>
+    </a:accent4>
+    <a:accent5>
+      <a:srgbClr val="5B9BD5"/>
+    </a:accent5>
+    <a:accent6>
+      <a:srgbClr val="70AD47"/>
+    </a:accent6>
+    <a:hlink>
+      <a:srgbClr val="0563C1"/>
+    </a:hlink>
+    <a:folHlink>
+      <a:srgbClr val="954F72"/>
+    </a:folHlink>
+  </a:clrScheme>
+</a:themeOverride>
 </file>
--- a/Praktikum ProdTech Präsentation.pptx
+++ b/Praktikum ProdTech Präsentation.pptx
@@ -8,21 +8,26 @@
     <p:sldId id="256" r:id="rId2"/>
     <p:sldId id="257" r:id="rId3"/>
     <p:sldId id="267" r:id="rId4"/>
-    <p:sldId id="268" r:id="rId5"/>
-    <p:sldId id="278" r:id="rId6"/>
-    <p:sldId id="270" r:id="rId7"/>
-    <p:sldId id="271" r:id="rId8"/>
-    <p:sldId id="280" r:id="rId9"/>
-    <p:sldId id="279" r:id="rId10"/>
-    <p:sldId id="281" r:id="rId11"/>
-    <p:sldId id="272" r:id="rId12"/>
-    <p:sldId id="273" r:id="rId13"/>
-    <p:sldId id="274" r:id="rId14"/>
-    <p:sldId id="275" r:id="rId15"/>
-    <p:sldId id="276" r:id="rId16"/>
-    <p:sldId id="260" r:id="rId17"/>
-    <p:sldId id="277" r:id="rId18"/>
-    <p:sldId id="283" r:id="rId19"/>
+    <p:sldId id="289" r:id="rId5"/>
+    <p:sldId id="268" r:id="rId6"/>
+    <p:sldId id="278" r:id="rId7"/>
+    <p:sldId id="270" r:id="rId8"/>
+    <p:sldId id="271" r:id="rId9"/>
+    <p:sldId id="280" r:id="rId10"/>
+    <p:sldId id="279" r:id="rId11"/>
+    <p:sldId id="281" r:id="rId12"/>
+    <p:sldId id="290" r:id="rId13"/>
+    <p:sldId id="272" r:id="rId14"/>
+    <p:sldId id="273" r:id="rId15"/>
+    <p:sldId id="274" r:id="rId16"/>
+    <p:sldId id="275" r:id="rId17"/>
+    <p:sldId id="276" r:id="rId18"/>
+    <p:sldId id="260" r:id="rId19"/>
+    <p:sldId id="277" r:id="rId20"/>
+    <p:sldId id="286" r:id="rId21"/>
+    <p:sldId id="287" r:id="rId22"/>
+    <p:sldId id="291" r:id="rId23"/>
+    <p:sldId id="283" r:id="rId24"/>
   </p:sldIdLst>
   <p:sldSz cx="12192000" cy="6858000"/>
   <p:notesSz cx="6858000" cy="9144000"/>
@@ -127,6 +132,18 @@
     </p:ext>
   </p:extLst>
 </p:presentation>
+</file>
+
+<file path=ppt/commentAuthors.xml><?xml version="1.0" encoding="utf-8"?>
+<p:cmAuthorLst xmlns:a="http://schemas.openxmlformats.org/drawingml/2006/main" xmlns:r="http://schemas.openxmlformats.org/officeDocument/2006/relationships" xmlns:p="http://schemas.openxmlformats.org/presentationml/2006/main">
+  <p:cmAuthor id="1" name="Marcel" initials="M" lastIdx="1" clrIdx="0">
+    <p:extLst>
+      <p:ext uri="{19B8F6BF-5375-455C-9EA6-DF929625EA0E}">
+        <p15:presenceInfo xmlns:p15="http://schemas.microsoft.com/office/powerpoint/2012/main" userId="Marcel" providerId="None"/>
+      </p:ext>
+    </p:extLst>
+  </p:cmAuthor>
+</p:cmAuthorLst>
 </file>
 
 <file path=ppt/ink/ink1.xml><?xml version="1.0" encoding="utf-8"?>
@@ -2168,7 +2185,7 @@
           <a:p>
             <a:fld id="{91A21240-404F-4A54-9AF1-5FA22F7F542A}" type="datetimeFigureOut">
               <a:rPr lang="de-DE" smtClean="0"/>
-              <a:t>18.07.2019</a:t>
+              <a:t>22.07.2019</a:t>
             </a:fld>
             <a:endParaRPr lang="de-DE"/>
           </a:p>
@@ -2366,7 +2383,7 @@
           <a:p>
             <a:fld id="{91A21240-404F-4A54-9AF1-5FA22F7F542A}" type="datetimeFigureOut">
               <a:rPr lang="de-DE" smtClean="0"/>
-              <a:t>18.07.2019</a:t>
+              <a:t>22.07.2019</a:t>
             </a:fld>
             <a:endParaRPr lang="de-DE"/>
           </a:p>
@@ -2574,7 +2591,7 @@
           <a:p>
             <a:fld id="{91A21240-404F-4A54-9AF1-5FA22F7F542A}" type="datetimeFigureOut">
               <a:rPr lang="de-DE" smtClean="0"/>
-              <a:t>18.07.2019</a:t>
+              <a:t>22.07.2019</a:t>
             </a:fld>
             <a:endParaRPr lang="de-DE"/>
           </a:p>
@@ -2772,7 +2789,7 @@
           <a:p>
             <a:fld id="{91A21240-404F-4A54-9AF1-5FA22F7F542A}" type="datetimeFigureOut">
               <a:rPr lang="de-DE" smtClean="0"/>
-              <a:t>18.07.2019</a:t>
+              <a:t>22.07.2019</a:t>
             </a:fld>
             <a:endParaRPr lang="de-DE"/>
           </a:p>
@@ -3047,7 +3064,7 @@
           <a:p>
             <a:fld id="{91A21240-404F-4A54-9AF1-5FA22F7F542A}" type="datetimeFigureOut">
               <a:rPr lang="de-DE" smtClean="0"/>
-              <a:t>18.07.2019</a:t>
+              <a:t>22.07.2019</a:t>
             </a:fld>
             <a:endParaRPr lang="de-DE"/>
           </a:p>
@@ -3312,7 +3329,7 @@
           <a:p>
             <a:fld id="{91A21240-404F-4A54-9AF1-5FA22F7F542A}" type="datetimeFigureOut">
               <a:rPr lang="de-DE" smtClean="0"/>
-              <a:t>18.07.2019</a:t>
+              <a:t>22.07.2019</a:t>
             </a:fld>
             <a:endParaRPr lang="de-DE"/>
           </a:p>
@@ -3724,7 +3741,7 @@
           <a:p>
             <a:fld id="{91A21240-404F-4A54-9AF1-5FA22F7F542A}" type="datetimeFigureOut">
               <a:rPr lang="de-DE" smtClean="0"/>
-              <a:t>18.07.2019</a:t>
+              <a:t>22.07.2019</a:t>
             </a:fld>
             <a:endParaRPr lang="de-DE"/>
           </a:p>
@@ -3865,7 +3882,7 @@
           <a:p>
             <a:fld id="{91A21240-404F-4A54-9AF1-5FA22F7F542A}" type="datetimeFigureOut">
               <a:rPr lang="de-DE" smtClean="0"/>
-              <a:t>18.07.2019</a:t>
+              <a:t>22.07.2019</a:t>
             </a:fld>
             <a:endParaRPr lang="de-DE"/>
           </a:p>
@@ -3978,7 +3995,7 @@
           <a:p>
             <a:fld id="{91A21240-404F-4A54-9AF1-5FA22F7F542A}" type="datetimeFigureOut">
               <a:rPr lang="de-DE" smtClean="0"/>
-              <a:t>18.07.2019</a:t>
+              <a:t>22.07.2019</a:t>
             </a:fld>
             <a:endParaRPr lang="de-DE"/>
           </a:p>
@@ -4289,7 +4306,7 @@
           <a:p>
             <a:fld id="{91A21240-404F-4A54-9AF1-5FA22F7F542A}" type="datetimeFigureOut">
               <a:rPr lang="de-DE" smtClean="0"/>
-              <a:t>18.07.2019</a:t>
+              <a:t>22.07.2019</a:t>
             </a:fld>
             <a:endParaRPr lang="de-DE"/>
           </a:p>
@@ -4577,7 +4594,7 @@
           <a:p>
             <a:fld id="{91A21240-404F-4A54-9AF1-5FA22F7F542A}" type="datetimeFigureOut">
               <a:rPr lang="de-DE" smtClean="0"/>
-              <a:t>18.07.2019</a:t>
+              <a:t>22.07.2019</a:t>
             </a:fld>
             <a:endParaRPr lang="de-DE"/>
           </a:p>
@@ -4818,7 +4835,7 @@
           <a:p>
             <a:fld id="{91A21240-404F-4A54-9AF1-5FA22F7F542A}" type="datetimeFigureOut">
               <a:rPr lang="de-DE" smtClean="0"/>
-              <a:t>18.07.2019</a:t>
+              <a:t>22.07.2019</a:t>
             </a:fld>
             <a:endParaRPr lang="de-DE"/>
           </a:p>
@@ -5570,6 +5587,606 @@
 <file path=ppt/slides/slide10.xml><?xml version="1.0" encoding="utf-8"?>
 <p:sld xmlns:a="http://schemas.openxmlformats.org/drawingml/2006/main" xmlns:r="http://schemas.openxmlformats.org/officeDocument/2006/relationships" xmlns:p="http://schemas.openxmlformats.org/presentationml/2006/main">
   <p:cSld>
+    <p:spTree>
+      <p:nvGrpSpPr>
+        <p:cNvPr id="1" name=""/>
+        <p:cNvGrpSpPr/>
+        <p:nvPr/>
+      </p:nvGrpSpPr>
+      <p:grpSpPr>
+        <a:xfrm>
+          <a:off x="0" y="0"/>
+          <a:ext cx="0" cy="0"/>
+          <a:chOff x="0" y="0"/>
+          <a:chExt cx="0" cy="0"/>
+        </a:xfrm>
+      </p:grpSpPr>
+      <p:pic>
+        <p:nvPicPr>
+          <p:cNvPr id="8" name="Grafik 7" descr="Logo Ingenieursinformatik">
+            <a:extLst>
+              <a:ext uri="{FF2B5EF4-FFF2-40B4-BE49-F238E27FC236}">
+                <a16:creationId xmlns:a16="http://schemas.microsoft.com/office/drawing/2014/main" id="{F5868D2B-F5D2-47E8-8FD9-6D9B2986087D}"/>
+              </a:ext>
+            </a:extLst>
+          </p:cNvPr>
+          <p:cNvPicPr/>
+          <p:nvPr/>
+        </p:nvPicPr>
+        <p:blipFill>
+          <a:blip r:embed="rId2" cstate="print">
+            <a:extLst>
+              <a:ext uri="{28A0092B-C50C-407E-A947-70E740481C1C}">
+                <a14:useLocalDpi xmlns:a14="http://schemas.microsoft.com/office/drawing/2010/main" val="0"/>
+              </a:ext>
+            </a:extLst>
+          </a:blip>
+          <a:srcRect/>
+          <a:stretch>
+            <a:fillRect/>
+          </a:stretch>
+        </p:blipFill>
+        <p:spPr bwMode="auto">
+          <a:xfrm>
+            <a:off x="10178281" y="320040"/>
+            <a:ext cx="1692155" cy="924304"/>
+          </a:xfrm>
+          <a:prstGeom prst="rect">
+            <a:avLst/>
+          </a:prstGeom>
+          <a:noFill/>
+          <a:ln>
+            <a:noFill/>
+          </a:ln>
+        </p:spPr>
+      </p:pic>
+      <p:sp>
+        <p:nvSpPr>
+          <p:cNvPr id="12" name="Titel 1">
+            <a:extLst>
+              <a:ext uri="{FF2B5EF4-FFF2-40B4-BE49-F238E27FC236}">
+                <a16:creationId xmlns:a16="http://schemas.microsoft.com/office/drawing/2014/main" id="{E000FD21-03A8-4523-B088-D596EF47B706}"/>
+              </a:ext>
+            </a:extLst>
+          </p:cNvPr>
+          <p:cNvSpPr>
+            <a:spLocks noGrp="1"/>
+          </p:cNvSpPr>
+          <p:nvPr>
+            <p:ph type="title"/>
+          </p:nvPr>
+        </p:nvSpPr>
+        <p:spPr>
+          <a:xfrm>
+            <a:off x="838200" y="365125"/>
+            <a:ext cx="10515600" cy="1325563"/>
+          </a:xfrm>
+        </p:spPr>
+        <p:txBody>
+          <a:bodyPr>
+            <a:normAutofit/>
+          </a:bodyPr>
+          <a:lstStyle/>
+          <a:p>
+            <a:r>
+              <a:rPr lang="de-DE" sz="2800" b="1" dirty="0">
+                <a:solidFill>
+                  <a:srgbClr val="0070C0"/>
+                </a:solidFill>
+              </a:rPr>
+              <a:t>2.4. Kommunikation und Steuerung</a:t>
+            </a:r>
+          </a:p>
+        </p:txBody>
+      </p:sp>
+      <p:grpSp>
+        <p:nvGrpSpPr>
+          <p:cNvPr id="14" name="Gruppieren 13">
+            <a:extLst>
+              <a:ext uri="{FF2B5EF4-FFF2-40B4-BE49-F238E27FC236}">
+                <a16:creationId xmlns:a16="http://schemas.microsoft.com/office/drawing/2014/main" id="{97E9CAB0-63D1-45A7-B4CA-97F3F7F95C02}"/>
+              </a:ext>
+            </a:extLst>
+          </p:cNvPr>
+          <p:cNvGrpSpPr/>
+          <p:nvPr/>
+        </p:nvGrpSpPr>
+        <p:grpSpPr>
+          <a:xfrm>
+            <a:off x="838200" y="6356350"/>
+            <a:ext cx="10515600" cy="365125"/>
+            <a:chOff x="838200" y="6356350"/>
+            <a:chExt cx="10515600" cy="365125"/>
+          </a:xfrm>
+        </p:grpSpPr>
+        <p:sp>
+          <p:nvSpPr>
+            <p:cNvPr id="15" name="Datumsplatzhalter 3">
+              <a:extLst>
+                <a:ext uri="{FF2B5EF4-FFF2-40B4-BE49-F238E27FC236}">
+                  <a16:creationId xmlns:a16="http://schemas.microsoft.com/office/drawing/2014/main" id="{C9244B5A-2431-4CAE-A98D-55C698A99305}"/>
+                </a:ext>
+              </a:extLst>
+            </p:cNvPr>
+            <p:cNvSpPr txBox="1">
+              <a:spLocks/>
+            </p:cNvSpPr>
+            <p:nvPr/>
+          </p:nvSpPr>
+          <p:spPr>
+            <a:xfrm>
+              <a:off x="838200" y="6356350"/>
+              <a:ext cx="2743200" cy="365125"/>
+            </a:xfrm>
+            <a:prstGeom prst="rect">
+              <a:avLst/>
+            </a:prstGeom>
+          </p:spPr>
+          <p:txBody>
+            <a:bodyPr vert="horz" lIns="91440" tIns="45720" rIns="91440" bIns="45720" rtlCol="0" anchor="ctr"/>
+            <a:lstStyle>
+              <a:defPPr>
+                <a:defRPr lang="de-DE"/>
+              </a:defPPr>
+              <a:lvl1pPr marL="0" algn="l" defTabSz="914400" rtl="0" eaLnBrk="1" latinLnBrk="0" hangingPunct="1">
+                <a:defRPr sz="1200" kern="1200">
+                  <a:solidFill>
+                    <a:schemeClr val="tx1">
+                      <a:tint val="75000"/>
+                    </a:schemeClr>
+                  </a:solidFill>
+                  <a:latin typeface="+mn-lt"/>
+                  <a:ea typeface="+mn-ea"/>
+                  <a:cs typeface="+mn-cs"/>
+                </a:defRPr>
+              </a:lvl1pPr>
+              <a:lvl2pPr marL="457200" algn="l" defTabSz="914400" rtl="0" eaLnBrk="1" latinLnBrk="0" hangingPunct="1">
+                <a:defRPr sz="1800" kern="1200">
+                  <a:solidFill>
+                    <a:schemeClr val="tx1"/>
+                  </a:solidFill>
+                  <a:latin typeface="+mn-lt"/>
+                  <a:ea typeface="+mn-ea"/>
+                  <a:cs typeface="+mn-cs"/>
+                </a:defRPr>
+              </a:lvl2pPr>
+              <a:lvl3pPr marL="914400" algn="l" defTabSz="914400" rtl="0" eaLnBrk="1" latinLnBrk="0" hangingPunct="1">
+                <a:defRPr sz="1800" kern="1200">
+                  <a:solidFill>
+                    <a:schemeClr val="tx1"/>
+                  </a:solidFill>
+                  <a:latin typeface="+mn-lt"/>
+                  <a:ea typeface="+mn-ea"/>
+                  <a:cs typeface="+mn-cs"/>
+                </a:defRPr>
+              </a:lvl3pPr>
+              <a:lvl4pPr marL="1371600" algn="l" defTabSz="914400" rtl="0" eaLnBrk="1" latinLnBrk="0" hangingPunct="1">
+                <a:defRPr sz="1800" kern="1200">
+                  <a:solidFill>
+                    <a:schemeClr val="tx1"/>
+                  </a:solidFill>
+                  <a:latin typeface="+mn-lt"/>
+                  <a:ea typeface="+mn-ea"/>
+                  <a:cs typeface="+mn-cs"/>
+                </a:defRPr>
+              </a:lvl4pPr>
+              <a:lvl5pPr marL="1828800" algn="l" defTabSz="914400" rtl="0" eaLnBrk="1" latinLnBrk="0" hangingPunct="1">
+                <a:defRPr sz="1800" kern="1200">
+                  <a:solidFill>
+                    <a:schemeClr val="tx1"/>
+                  </a:solidFill>
+                  <a:latin typeface="+mn-lt"/>
+                  <a:ea typeface="+mn-ea"/>
+                  <a:cs typeface="+mn-cs"/>
+                </a:defRPr>
+              </a:lvl5pPr>
+              <a:lvl6pPr marL="2286000" algn="l" defTabSz="914400" rtl="0" eaLnBrk="1" latinLnBrk="0" hangingPunct="1">
+                <a:defRPr sz="1800" kern="1200">
+                  <a:solidFill>
+                    <a:schemeClr val="tx1"/>
+                  </a:solidFill>
+                  <a:latin typeface="+mn-lt"/>
+                  <a:ea typeface="+mn-ea"/>
+                  <a:cs typeface="+mn-cs"/>
+                </a:defRPr>
+              </a:lvl6pPr>
+              <a:lvl7pPr marL="2743200" algn="l" defTabSz="914400" rtl="0" eaLnBrk="1" latinLnBrk="0" hangingPunct="1">
+                <a:defRPr sz="1800" kern="1200">
+                  <a:solidFill>
+                    <a:schemeClr val="tx1"/>
+                  </a:solidFill>
+                  <a:latin typeface="+mn-lt"/>
+                  <a:ea typeface="+mn-ea"/>
+                  <a:cs typeface="+mn-cs"/>
+                </a:defRPr>
+              </a:lvl7pPr>
+              <a:lvl8pPr marL="3200400" algn="l" defTabSz="914400" rtl="0" eaLnBrk="1" latinLnBrk="0" hangingPunct="1">
+                <a:defRPr sz="1800" kern="1200">
+                  <a:solidFill>
+                    <a:schemeClr val="tx1"/>
+                  </a:solidFill>
+                  <a:latin typeface="+mn-lt"/>
+                  <a:ea typeface="+mn-ea"/>
+                  <a:cs typeface="+mn-cs"/>
+                </a:defRPr>
+              </a:lvl8pPr>
+              <a:lvl9pPr marL="3657600" algn="l" defTabSz="914400" rtl="0" eaLnBrk="1" latinLnBrk="0" hangingPunct="1">
+                <a:defRPr sz="1800" kern="1200">
+                  <a:solidFill>
+                    <a:schemeClr val="tx1"/>
+                  </a:solidFill>
+                  <a:latin typeface="+mn-lt"/>
+                  <a:ea typeface="+mn-ea"/>
+                  <a:cs typeface="+mn-cs"/>
+                </a:defRPr>
+              </a:lvl9pPr>
+            </a:lstStyle>
+            <a:p>
+              <a:fld id="{ABB89C0B-1ABD-444B-925C-4E47B2F277F6}" type="datetimeFigureOut">
+                <a:rPr lang="de-DE" smtClean="0"/>
+                <a:pPr/>
+                <a:t>22.07.2019</a:t>
+              </a:fld>
+              <a:endParaRPr lang="de-DE" dirty="0"/>
+            </a:p>
+          </p:txBody>
+        </p:sp>
+        <p:sp>
+          <p:nvSpPr>
+            <p:cNvPr id="16" name="Fußzeilenplatzhalter 4">
+              <a:extLst>
+                <a:ext uri="{FF2B5EF4-FFF2-40B4-BE49-F238E27FC236}">
+                  <a16:creationId xmlns:a16="http://schemas.microsoft.com/office/drawing/2014/main" id="{F6EA4FBD-918A-4CA8-A607-25EE6F85F4F9}"/>
+                </a:ext>
+              </a:extLst>
+            </p:cNvPr>
+            <p:cNvSpPr txBox="1">
+              <a:spLocks/>
+            </p:cNvSpPr>
+            <p:nvPr/>
+          </p:nvSpPr>
+          <p:spPr>
+            <a:xfrm>
+              <a:off x="3060932" y="6356350"/>
+              <a:ext cx="6070134" cy="365125"/>
+            </a:xfrm>
+            <a:prstGeom prst="rect">
+              <a:avLst/>
+            </a:prstGeom>
+          </p:spPr>
+          <p:txBody>
+            <a:bodyPr vert="horz" lIns="91440" tIns="45720" rIns="91440" bIns="45720" rtlCol="0" anchor="ctr"/>
+            <a:lstStyle>
+              <a:defPPr>
+                <a:defRPr lang="de-DE"/>
+              </a:defPPr>
+              <a:lvl1pPr marL="0" algn="ctr" defTabSz="914400" rtl="0" eaLnBrk="1" latinLnBrk="0" hangingPunct="1">
+                <a:defRPr sz="1200" kern="1200">
+                  <a:solidFill>
+                    <a:schemeClr val="tx1">
+                      <a:tint val="75000"/>
+                    </a:schemeClr>
+                  </a:solidFill>
+                  <a:latin typeface="+mn-lt"/>
+                  <a:ea typeface="+mn-ea"/>
+                  <a:cs typeface="+mn-cs"/>
+                </a:defRPr>
+              </a:lvl1pPr>
+              <a:lvl2pPr marL="457200" algn="l" defTabSz="914400" rtl="0" eaLnBrk="1" latinLnBrk="0" hangingPunct="1">
+                <a:defRPr sz="1800" kern="1200">
+                  <a:solidFill>
+                    <a:schemeClr val="tx1"/>
+                  </a:solidFill>
+                  <a:latin typeface="+mn-lt"/>
+                  <a:ea typeface="+mn-ea"/>
+                  <a:cs typeface="+mn-cs"/>
+                </a:defRPr>
+              </a:lvl2pPr>
+              <a:lvl3pPr marL="914400" algn="l" defTabSz="914400" rtl="0" eaLnBrk="1" latinLnBrk="0" hangingPunct="1">
+                <a:defRPr sz="1800" kern="1200">
+                  <a:solidFill>
+                    <a:schemeClr val="tx1"/>
+                  </a:solidFill>
+                  <a:latin typeface="+mn-lt"/>
+                  <a:ea typeface="+mn-ea"/>
+                  <a:cs typeface="+mn-cs"/>
+                </a:defRPr>
+              </a:lvl3pPr>
+              <a:lvl4pPr marL="1371600" algn="l" defTabSz="914400" rtl="0" eaLnBrk="1" latinLnBrk="0" hangingPunct="1">
+                <a:defRPr sz="1800" kern="1200">
+                  <a:solidFill>
+                    <a:schemeClr val="tx1"/>
+                  </a:solidFill>
+                  <a:latin typeface="+mn-lt"/>
+                  <a:ea typeface="+mn-ea"/>
+                  <a:cs typeface="+mn-cs"/>
+                </a:defRPr>
+              </a:lvl4pPr>
+              <a:lvl5pPr marL="1828800" algn="l" defTabSz="914400" rtl="0" eaLnBrk="1" latinLnBrk="0" hangingPunct="1">
+                <a:defRPr sz="1800" kern="1200">
+                  <a:solidFill>
+                    <a:schemeClr val="tx1"/>
+                  </a:solidFill>
+                  <a:latin typeface="+mn-lt"/>
+                  <a:ea typeface="+mn-ea"/>
+                  <a:cs typeface="+mn-cs"/>
+                </a:defRPr>
+              </a:lvl5pPr>
+              <a:lvl6pPr marL="2286000" algn="l" defTabSz="914400" rtl="0" eaLnBrk="1" latinLnBrk="0" hangingPunct="1">
+                <a:defRPr sz="1800" kern="1200">
+                  <a:solidFill>
+                    <a:schemeClr val="tx1"/>
+                  </a:solidFill>
+                  <a:latin typeface="+mn-lt"/>
+                  <a:ea typeface="+mn-ea"/>
+                  <a:cs typeface="+mn-cs"/>
+                </a:defRPr>
+              </a:lvl6pPr>
+              <a:lvl7pPr marL="2743200" algn="l" defTabSz="914400" rtl="0" eaLnBrk="1" latinLnBrk="0" hangingPunct="1">
+                <a:defRPr sz="1800" kern="1200">
+                  <a:solidFill>
+                    <a:schemeClr val="tx1"/>
+                  </a:solidFill>
+                  <a:latin typeface="+mn-lt"/>
+                  <a:ea typeface="+mn-ea"/>
+                  <a:cs typeface="+mn-cs"/>
+                </a:defRPr>
+              </a:lvl7pPr>
+              <a:lvl8pPr marL="3200400" algn="l" defTabSz="914400" rtl="0" eaLnBrk="1" latinLnBrk="0" hangingPunct="1">
+                <a:defRPr sz="1800" kern="1200">
+                  <a:solidFill>
+                    <a:schemeClr val="tx1"/>
+                  </a:solidFill>
+                  <a:latin typeface="+mn-lt"/>
+                  <a:ea typeface="+mn-ea"/>
+                  <a:cs typeface="+mn-cs"/>
+                </a:defRPr>
+              </a:lvl8pPr>
+              <a:lvl9pPr marL="3657600" algn="l" defTabSz="914400" rtl="0" eaLnBrk="1" latinLnBrk="0" hangingPunct="1">
+                <a:defRPr sz="1800" kern="1200">
+                  <a:solidFill>
+                    <a:schemeClr val="tx1"/>
+                  </a:solidFill>
+                  <a:latin typeface="+mn-lt"/>
+                  <a:ea typeface="+mn-ea"/>
+                  <a:cs typeface="+mn-cs"/>
+                </a:defRPr>
+              </a:lvl9pPr>
+            </a:lstStyle>
+            <a:p>
+              <a:r>
+                <a:rPr lang="de-DE" dirty="0"/>
+                <a:t>Praktikum Produktionstechnik</a:t>
+              </a:r>
+            </a:p>
+          </p:txBody>
+        </p:sp>
+        <p:sp>
+          <p:nvSpPr>
+            <p:cNvPr id="17" name="Foliennummernplatzhalter 5">
+              <a:extLst>
+                <a:ext uri="{FF2B5EF4-FFF2-40B4-BE49-F238E27FC236}">
+                  <a16:creationId xmlns:a16="http://schemas.microsoft.com/office/drawing/2014/main" id="{9EFEF7BB-69E5-46D8-AE1D-218A2CD8B308}"/>
+                </a:ext>
+              </a:extLst>
+            </p:cNvPr>
+            <p:cNvSpPr txBox="1">
+              <a:spLocks/>
+            </p:cNvSpPr>
+            <p:nvPr/>
+          </p:nvSpPr>
+          <p:spPr>
+            <a:xfrm>
+              <a:off x="8610600" y="6356350"/>
+              <a:ext cx="2743200" cy="365125"/>
+            </a:xfrm>
+            <a:prstGeom prst="rect">
+              <a:avLst/>
+            </a:prstGeom>
+          </p:spPr>
+          <p:txBody>
+            <a:bodyPr vert="horz" lIns="91440" tIns="45720" rIns="91440" bIns="45720" rtlCol="0" anchor="ctr"/>
+            <a:lstStyle>
+              <a:defPPr>
+                <a:defRPr lang="de-DE"/>
+              </a:defPPr>
+              <a:lvl1pPr marL="0" algn="r" defTabSz="914400" rtl="0" eaLnBrk="1" latinLnBrk="0" hangingPunct="1">
+                <a:defRPr sz="1200" kern="1200">
+                  <a:solidFill>
+                    <a:schemeClr val="tx1">
+                      <a:tint val="75000"/>
+                    </a:schemeClr>
+                  </a:solidFill>
+                  <a:latin typeface="+mn-lt"/>
+                  <a:ea typeface="+mn-ea"/>
+                  <a:cs typeface="+mn-cs"/>
+                </a:defRPr>
+              </a:lvl1pPr>
+              <a:lvl2pPr marL="457200" algn="l" defTabSz="914400" rtl="0" eaLnBrk="1" latinLnBrk="0" hangingPunct="1">
+                <a:defRPr sz="1800" kern="1200">
+                  <a:solidFill>
+                    <a:schemeClr val="tx1"/>
+                  </a:solidFill>
+                  <a:latin typeface="+mn-lt"/>
+                  <a:ea typeface="+mn-ea"/>
+                  <a:cs typeface="+mn-cs"/>
+                </a:defRPr>
+              </a:lvl2pPr>
+              <a:lvl3pPr marL="914400" algn="l" defTabSz="914400" rtl="0" eaLnBrk="1" latinLnBrk="0" hangingPunct="1">
+                <a:defRPr sz="1800" kern="1200">
+                  <a:solidFill>
+                    <a:schemeClr val="tx1"/>
+                  </a:solidFill>
+                  <a:latin typeface="+mn-lt"/>
+                  <a:ea typeface="+mn-ea"/>
+                  <a:cs typeface="+mn-cs"/>
+                </a:defRPr>
+              </a:lvl3pPr>
+              <a:lvl4pPr marL="1371600" algn="l" defTabSz="914400" rtl="0" eaLnBrk="1" latinLnBrk="0" hangingPunct="1">
+                <a:defRPr sz="1800" kern="1200">
+                  <a:solidFill>
+                    <a:schemeClr val="tx1"/>
+                  </a:solidFill>
+                  <a:latin typeface="+mn-lt"/>
+                  <a:ea typeface="+mn-ea"/>
+                  <a:cs typeface="+mn-cs"/>
+                </a:defRPr>
+              </a:lvl4pPr>
+              <a:lvl5pPr marL="1828800" algn="l" defTabSz="914400" rtl="0" eaLnBrk="1" latinLnBrk="0" hangingPunct="1">
+                <a:defRPr sz="1800" kern="1200">
+                  <a:solidFill>
+                    <a:schemeClr val="tx1"/>
+                  </a:solidFill>
+                  <a:latin typeface="+mn-lt"/>
+                  <a:ea typeface="+mn-ea"/>
+                  <a:cs typeface="+mn-cs"/>
+                </a:defRPr>
+              </a:lvl5pPr>
+              <a:lvl6pPr marL="2286000" algn="l" defTabSz="914400" rtl="0" eaLnBrk="1" latinLnBrk="0" hangingPunct="1">
+                <a:defRPr sz="1800" kern="1200">
+                  <a:solidFill>
+                    <a:schemeClr val="tx1"/>
+                  </a:solidFill>
+                  <a:latin typeface="+mn-lt"/>
+                  <a:ea typeface="+mn-ea"/>
+                  <a:cs typeface="+mn-cs"/>
+                </a:defRPr>
+              </a:lvl6pPr>
+              <a:lvl7pPr marL="2743200" algn="l" defTabSz="914400" rtl="0" eaLnBrk="1" latinLnBrk="0" hangingPunct="1">
+                <a:defRPr sz="1800" kern="1200">
+                  <a:solidFill>
+                    <a:schemeClr val="tx1"/>
+                  </a:solidFill>
+                  <a:latin typeface="+mn-lt"/>
+                  <a:ea typeface="+mn-ea"/>
+                  <a:cs typeface="+mn-cs"/>
+                </a:defRPr>
+              </a:lvl7pPr>
+              <a:lvl8pPr marL="3200400" algn="l" defTabSz="914400" rtl="0" eaLnBrk="1" latinLnBrk="0" hangingPunct="1">
+                <a:defRPr sz="1800" kern="1200">
+                  <a:solidFill>
+                    <a:schemeClr val="tx1"/>
+                  </a:solidFill>
+                  <a:latin typeface="+mn-lt"/>
+                  <a:ea typeface="+mn-ea"/>
+                  <a:cs typeface="+mn-cs"/>
+                </a:defRPr>
+              </a:lvl8pPr>
+              <a:lvl9pPr marL="3657600" algn="l" defTabSz="914400" rtl="0" eaLnBrk="1" latinLnBrk="0" hangingPunct="1">
+                <a:defRPr sz="1800" kern="1200">
+                  <a:solidFill>
+                    <a:schemeClr val="tx1"/>
+                  </a:solidFill>
+                  <a:latin typeface="+mn-lt"/>
+                  <a:ea typeface="+mn-ea"/>
+                  <a:cs typeface="+mn-cs"/>
+                </a:defRPr>
+              </a:lvl9pPr>
+            </a:lstStyle>
+            <a:p>
+              <a:fld id="{75CEC8DD-A46B-4CAA-B4E1-6A1B652C2BF4}" type="slidenum">
+                <a:rPr lang="de-DE" smtClean="0"/>
+                <a:pPr/>
+                <a:t>10</a:t>
+              </a:fld>
+              <a:endParaRPr lang="de-DE"/>
+            </a:p>
+          </p:txBody>
+        </p:sp>
+      </p:grpSp>
+      <p:sp>
+        <p:nvSpPr>
+          <p:cNvPr id="2" name="Textfeld 1">
+            <a:extLst>
+              <a:ext uri="{FF2B5EF4-FFF2-40B4-BE49-F238E27FC236}">
+                <a16:creationId xmlns:a16="http://schemas.microsoft.com/office/drawing/2014/main" id="{6B338126-8575-4D86-BA1C-AB18A8574040}"/>
+              </a:ext>
+            </a:extLst>
+          </p:cNvPr>
+          <p:cNvSpPr txBox="1"/>
+          <p:nvPr/>
+        </p:nvSpPr>
+        <p:spPr>
+          <a:xfrm>
+            <a:off x="581443" y="1874601"/>
+            <a:ext cx="2247481" cy="2308324"/>
+          </a:xfrm>
+          <a:prstGeom prst="rect">
+            <a:avLst/>
+          </a:prstGeom>
+          <a:noFill/>
+        </p:spPr>
+        <p:txBody>
+          <a:bodyPr wrap="square" rtlCol="0">
+            <a:spAutoFit/>
+          </a:bodyPr>
+          <a:lstStyle/>
+          <a:p>
+            <a:r>
+              <a:rPr lang="de-DE" dirty="0"/>
+              <a:t>Dieses Konzept wurde jedoch aufgegeben, da die Steuerung einfacher über einen Webserver mit Sockets</a:t>
+            </a:r>
+            <a:br>
+              <a:rPr lang="de-DE" dirty="0"/>
+            </a:br>
+            <a:r>
+              <a:rPr lang="de-DE" dirty="0"/>
+              <a:t>realisiert werden kann:</a:t>
+            </a:r>
+          </a:p>
+        </p:txBody>
+      </p:sp>
+      <p:pic>
+        <p:nvPicPr>
+          <p:cNvPr id="3" name="Grafik 2">
+            <a:extLst>
+              <a:ext uri="{FF2B5EF4-FFF2-40B4-BE49-F238E27FC236}">
+                <a16:creationId xmlns:a16="http://schemas.microsoft.com/office/drawing/2014/main" id="{53ED6005-07DF-4F5F-A7BE-FA9625D86D60}"/>
+              </a:ext>
+            </a:extLst>
+          </p:cNvPr>
+          <p:cNvPicPr>
+            <a:picLocks noChangeAspect="1"/>
+          </p:cNvPicPr>
+          <p:nvPr/>
+        </p:nvPicPr>
+        <p:blipFill>
+          <a:blip r:embed="rId3"/>
+          <a:stretch>
+            <a:fillRect/>
+          </a:stretch>
+        </p:blipFill>
+        <p:spPr>
+          <a:xfrm>
+            <a:off x="3056684" y="1535272"/>
+            <a:ext cx="8553872" cy="4811553"/>
+          </a:xfrm>
+          <a:prstGeom prst="rect">
+            <a:avLst/>
+          </a:prstGeom>
+          <a:ln>
+            <a:solidFill>
+              <a:schemeClr val="tx1"/>
+            </a:solidFill>
+          </a:ln>
+        </p:spPr>
+      </p:pic>
+    </p:spTree>
+    <p:extLst>
+      <p:ext uri="{BB962C8B-B14F-4D97-AF65-F5344CB8AC3E}">
+        <p14:creationId xmlns:p14="http://schemas.microsoft.com/office/powerpoint/2010/main" val="359420697"/>
+      </p:ext>
+    </p:extLst>
+  </p:cSld>
+  <p:clrMapOvr>
+    <a:masterClrMapping/>
+  </p:clrMapOvr>
+</p:sld>
+</file>
+
+<file path=ppt/slides/slide11.xml><?xml version="1.0" encoding="utf-8"?>
+<p:sld xmlns:a="http://schemas.openxmlformats.org/drawingml/2006/main" xmlns:r="http://schemas.openxmlformats.org/officeDocument/2006/relationships" xmlns:p="http://schemas.openxmlformats.org/presentationml/2006/main">
+  <p:cSld>
     <p:bg>
       <p:bgRef idx="1001">
         <a:schemeClr val="bg1"/>
@@ -5652,19 +6269,12 @@
           <a:lstStyle/>
           <a:p>
             <a:r>
-              <a:rPr lang="de-DE" sz="2800" dirty="0"/>
-              <a:t>2.4. Merkmale und Schlüsseltechnologien</a:t>
-            </a:r>
-            <a:br>
-              <a:rPr lang="de-DE" sz="2800" dirty="0"/>
-            </a:br>
-            <a:r>
-              <a:rPr lang="de-DE" sz="2800" dirty="0"/>
-              <a:t>	</a:t>
-            </a:r>
-            <a:r>
-              <a:rPr lang="de-DE" sz="2800" b="1" i="1" dirty="0"/>
-              <a:t>Kommunikation und Steuerung</a:t>
+              <a:rPr lang="de-DE" sz="2800" b="1" dirty="0">
+                <a:solidFill>
+                  <a:srgbClr val="0070C0"/>
+                </a:solidFill>
+              </a:rPr>
+              <a:t>2.4. Kommunikation und Steuerung</a:t>
             </a:r>
           </a:p>
         </p:txBody>
@@ -5815,7 +6425,7 @@
               <a:fld id="{ABB89C0B-1ABD-444B-925C-4E47B2F277F6}" type="datetimeFigureOut">
                 <a:rPr lang="de-DE" smtClean="0"/>
                 <a:pPr/>
-                <a:t>18.07.2019</a:t>
+                <a:t>22.07.2019</a:t>
               </a:fld>
               <a:endParaRPr lang="de-DE" dirty="0"/>
             </a:p>
@@ -6077,7 +6687,7 @@
               <a:fld id="{75CEC8DD-A46B-4CAA-B4E1-6A1B652C2BF4}" type="slidenum">
                 <a:rPr lang="de-DE" smtClean="0"/>
                 <a:pPr/>
-                <a:t>10</a:t>
+                <a:t>11</a:t>
               </a:fld>
               <a:endParaRPr lang="de-DE"/>
             </a:p>
@@ -6167,7 +6777,301 @@
 </p:sld>
 </file>
 
-<file path=ppt/slides/slide11.xml><?xml version="1.0" encoding="utf-8"?>
+<file path=ppt/slides/slide12.xml><?xml version="1.0" encoding="utf-8"?>
+<p:sld xmlns:a="http://schemas.openxmlformats.org/drawingml/2006/main" xmlns:r="http://schemas.openxmlformats.org/officeDocument/2006/relationships" xmlns:p="http://schemas.openxmlformats.org/presentationml/2006/main">
+  <p:cSld>
+    <p:spTree>
+      <p:nvGrpSpPr>
+        <p:cNvPr id="1" name=""/>
+        <p:cNvGrpSpPr/>
+        <p:nvPr/>
+      </p:nvGrpSpPr>
+      <p:grpSpPr>
+        <a:xfrm>
+          <a:off x="0" y="0"/>
+          <a:ext cx="0" cy="0"/>
+          <a:chOff x="0" y="0"/>
+          <a:chExt cx="0" cy="0"/>
+        </a:xfrm>
+      </p:grpSpPr>
+      <p:sp>
+        <p:nvSpPr>
+          <p:cNvPr id="8" name="Rechteck 7">
+            <a:extLst>
+              <a:ext uri="{FF2B5EF4-FFF2-40B4-BE49-F238E27FC236}">
+                <a16:creationId xmlns:a16="http://schemas.microsoft.com/office/drawing/2014/main" id="{922F5DE1-9B06-4849-82ED-EBBFCA7BAAD2}"/>
+              </a:ext>
+            </a:extLst>
+          </p:cNvPr>
+          <p:cNvSpPr/>
+          <p:nvPr/>
+        </p:nvSpPr>
+        <p:spPr>
+          <a:xfrm>
+            <a:off x="446532" y="320041"/>
+            <a:ext cx="11423904" cy="6217920"/>
+          </a:xfrm>
+          <a:prstGeom prst="rect">
+            <a:avLst/>
+          </a:prstGeom>
+          <a:solidFill>
+            <a:schemeClr val="bg2"/>
+          </a:solidFill>
+          <a:ln>
+            <a:noFill/>
+          </a:ln>
+        </p:spPr>
+        <p:style>
+          <a:lnRef idx="2">
+            <a:schemeClr val="accent1">
+              <a:shade val="50000"/>
+            </a:schemeClr>
+          </a:lnRef>
+          <a:fillRef idx="1">
+            <a:schemeClr val="accent1"/>
+          </a:fillRef>
+          <a:effectRef idx="0">
+            <a:schemeClr val="accent1"/>
+          </a:effectRef>
+          <a:fontRef idx="minor">
+            <a:schemeClr val="lt1"/>
+          </a:fontRef>
+        </p:style>
+        <p:txBody>
+          <a:bodyPr rtlCol="0" anchor="ctr"/>
+          <a:lstStyle/>
+          <a:p>
+            <a:pPr algn="ctr"/>
+            <a:endParaRPr lang="de-DE"/>
+          </a:p>
+        </p:txBody>
+      </p:sp>
+      <p:pic>
+        <p:nvPicPr>
+          <p:cNvPr id="5" name="Grafik 4" descr="Logo Ingenieursinformatik">
+            <a:extLst>
+              <a:ext uri="{FF2B5EF4-FFF2-40B4-BE49-F238E27FC236}">
+                <a16:creationId xmlns:a16="http://schemas.microsoft.com/office/drawing/2014/main" id="{C7305AFF-E11D-4DCD-8267-676CA63FE316}"/>
+              </a:ext>
+            </a:extLst>
+          </p:cNvPr>
+          <p:cNvPicPr/>
+          <p:nvPr/>
+        </p:nvPicPr>
+        <p:blipFill>
+          <a:blip r:embed="rId2" cstate="print">
+            <a:extLst>
+              <a:ext uri="{28A0092B-C50C-407E-A947-70E740481C1C}">
+                <a14:useLocalDpi xmlns:a14="http://schemas.microsoft.com/office/drawing/2010/main" val="0"/>
+              </a:ext>
+            </a:extLst>
+          </a:blip>
+          <a:srcRect/>
+          <a:stretch>
+            <a:fillRect/>
+          </a:stretch>
+        </p:blipFill>
+        <p:spPr bwMode="auto">
+          <a:xfrm>
+            <a:off x="10178281" y="320040"/>
+            <a:ext cx="1692155" cy="924304"/>
+          </a:xfrm>
+          <a:prstGeom prst="rect">
+            <a:avLst/>
+          </a:prstGeom>
+          <a:noFill/>
+          <a:ln>
+            <a:noFill/>
+          </a:ln>
+        </p:spPr>
+      </p:pic>
+      <p:sp>
+        <p:nvSpPr>
+          <p:cNvPr id="7" name="Textfeld 6">
+            <a:extLst>
+              <a:ext uri="{FF2B5EF4-FFF2-40B4-BE49-F238E27FC236}">
+                <a16:creationId xmlns:a16="http://schemas.microsoft.com/office/drawing/2014/main" id="{7A58918C-FE39-4077-9C9E-1E8974CDADBF}"/>
+              </a:ext>
+            </a:extLst>
+          </p:cNvPr>
+          <p:cNvSpPr txBox="1"/>
+          <p:nvPr/>
+        </p:nvSpPr>
+        <p:spPr>
+          <a:xfrm>
+            <a:off x="762000" y="782192"/>
+            <a:ext cx="9982200" cy="3697615"/>
+          </a:xfrm>
+          <a:prstGeom prst="rect">
+            <a:avLst/>
+          </a:prstGeom>
+          <a:noFill/>
+        </p:spPr>
+        <p:txBody>
+          <a:bodyPr wrap="square" rtlCol="0">
+            <a:spAutoFit/>
+          </a:bodyPr>
+          <a:lstStyle/>
+          <a:p>
+            <a:r>
+              <a:rPr lang="de-DE" sz="2800" dirty="0">
+                <a:ln w="0"/>
+                <a:solidFill>
+                  <a:schemeClr val="accent1"/>
+                </a:solidFill>
+                <a:effectLst>
+                  <a:outerShdw blurRad="38100" dist="25400" dir="5400000" algn="ctr" rotWithShape="0">
+                    <a:srgbClr val="6E747A">
+                      <a:alpha val="43000"/>
+                    </a:srgbClr>
+                  </a:outerShdw>
+                </a:effectLst>
+                <a:latin typeface="Segoe UI Emoji" panose="020B0502040204020203" pitchFamily="34" charset="0"/>
+                <a:ea typeface="Segoe UI Emoji" panose="020B0502040204020203" pitchFamily="34" charset="0"/>
+              </a:rPr>
+              <a:t>3. Entwicklungsprozess (via V-Modell)</a:t>
+            </a:r>
+          </a:p>
+          <a:p>
+            <a:endParaRPr lang="de-DE" sz="2400" b="1" dirty="0">
+              <a:latin typeface="Segoe UI Emoji" panose="020B0502040204020203" pitchFamily="34" charset="0"/>
+              <a:ea typeface="Segoe UI Emoji" panose="020B0502040204020203" pitchFamily="34" charset="0"/>
+            </a:endParaRPr>
+          </a:p>
+          <a:p>
+            <a:endParaRPr lang="de-DE" sz="2400" b="1" dirty="0">
+              <a:latin typeface="Segoe UI Emoji" panose="020B0502040204020203" pitchFamily="34" charset="0"/>
+              <a:ea typeface="Segoe UI Emoji" panose="020B0502040204020203" pitchFamily="34" charset="0"/>
+            </a:endParaRPr>
+          </a:p>
+          <a:p>
+            <a:pPr lvl="1">
+              <a:lnSpc>
+                <a:spcPct val="170000"/>
+              </a:lnSpc>
+            </a:pPr>
+            <a:r>
+              <a:rPr lang="de-DE" sz="2400" dirty="0">
+                <a:solidFill>
+                  <a:srgbClr val="0070C0"/>
+                </a:solidFill>
+              </a:rPr>
+              <a:t>3.1 Planung</a:t>
+            </a:r>
+          </a:p>
+          <a:p>
+            <a:pPr lvl="1">
+              <a:lnSpc>
+                <a:spcPct val="170000"/>
+              </a:lnSpc>
+            </a:pPr>
+            <a:r>
+              <a:rPr lang="de-DE" sz="2400" dirty="0">
+                <a:solidFill>
+                  <a:srgbClr val="0070C0"/>
+                </a:solidFill>
+              </a:rPr>
+              <a:t>3.2 Anforderungsermittlung</a:t>
+            </a:r>
+          </a:p>
+          <a:p>
+            <a:pPr lvl="1">
+              <a:lnSpc>
+                <a:spcPct val="170000"/>
+              </a:lnSpc>
+            </a:pPr>
+            <a:r>
+              <a:rPr lang="de-DE" sz="2400" dirty="0">
+                <a:solidFill>
+                  <a:srgbClr val="0070C0"/>
+                </a:solidFill>
+              </a:rPr>
+              <a:t>3.3 Systementwurf</a:t>
+            </a:r>
+          </a:p>
+          <a:p>
+            <a:pPr lvl="1">
+              <a:lnSpc>
+                <a:spcPct val="170000"/>
+              </a:lnSpc>
+            </a:pPr>
+            <a:r>
+              <a:rPr lang="de-DE" sz="2400" dirty="0">
+                <a:solidFill>
+                  <a:srgbClr val="0070C0"/>
+                </a:solidFill>
+              </a:rPr>
+              <a:t>3.4 </a:t>
+            </a:r>
+            <a:r>
+              <a:rPr lang="de-DE" sz="2400" dirty="0" err="1">
+                <a:solidFill>
+                  <a:srgbClr val="0070C0"/>
+                </a:solidFill>
+              </a:rPr>
+              <a:t>OmniMove</a:t>
+            </a:r>
+            <a:r>
+              <a:rPr lang="de-DE" sz="2400" dirty="0">
+                <a:solidFill>
+                  <a:srgbClr val="0070C0"/>
+                </a:solidFill>
+              </a:rPr>
+              <a:t> Test &amp; Validierung</a:t>
+            </a:r>
+          </a:p>
+        </p:txBody>
+      </p:sp>
+      <p:cxnSp>
+        <p:nvCxnSpPr>
+          <p:cNvPr id="11" name="Gerader Verbinder 10">
+            <a:extLst>
+              <a:ext uri="{FF2B5EF4-FFF2-40B4-BE49-F238E27FC236}">
+                <a16:creationId xmlns:a16="http://schemas.microsoft.com/office/drawing/2014/main" id="{4F3BA21B-AA43-4A89-A44B-E0BB69B2C800}"/>
+              </a:ext>
+            </a:extLst>
+          </p:cNvPr>
+          <p:cNvCxnSpPr/>
+          <p:nvPr/>
+        </p:nvCxnSpPr>
+        <p:spPr>
+          <a:xfrm>
+            <a:off x="571500" y="1466850"/>
+            <a:ext cx="6619875" cy="0"/>
+          </a:xfrm>
+          <a:prstGeom prst="line">
+            <a:avLst/>
+          </a:prstGeom>
+        </p:spPr>
+        <p:style>
+          <a:lnRef idx="1">
+            <a:schemeClr val="dk1"/>
+          </a:lnRef>
+          <a:fillRef idx="0">
+            <a:schemeClr val="dk1"/>
+          </a:fillRef>
+          <a:effectRef idx="0">
+            <a:schemeClr val="dk1"/>
+          </a:effectRef>
+          <a:fontRef idx="minor">
+            <a:schemeClr val="tx1"/>
+          </a:fontRef>
+        </p:style>
+      </p:cxnSp>
+    </p:spTree>
+    <p:extLst>
+      <p:ext uri="{BB962C8B-B14F-4D97-AF65-F5344CB8AC3E}">
+        <p14:creationId xmlns:p14="http://schemas.microsoft.com/office/powerpoint/2010/main" val="4256584404"/>
+      </p:ext>
+    </p:extLst>
+  </p:cSld>
+  <p:clrMapOvr>
+    <a:masterClrMapping/>
+  </p:clrMapOvr>
+</p:sld>
+</file>
+
+<file path=ppt/slides/slide13.xml><?xml version="1.0" encoding="utf-8"?>
 <p:sld xmlns:a="http://schemas.openxmlformats.org/drawingml/2006/main" xmlns:r="http://schemas.openxmlformats.org/officeDocument/2006/relationships" xmlns:p="http://schemas.openxmlformats.org/presentationml/2006/main">
   <p:cSld>
     <p:spTree>
@@ -6330,7 +7234,7 @@
               <a:fld id="{ABB89C0B-1ABD-444B-925C-4E47B2F277F6}" type="datetimeFigureOut">
                 <a:rPr lang="de-DE" smtClean="0"/>
                 <a:pPr/>
-                <a:t>18.07.2019</a:t>
+                <a:t>22.07.2019</a:t>
               </a:fld>
               <a:endParaRPr lang="de-DE" dirty="0"/>
             </a:p>
@@ -6592,7 +7496,7 @@
               <a:fld id="{75CEC8DD-A46B-4CAA-B4E1-6A1B652C2BF4}" type="slidenum">
                 <a:rPr lang="de-DE" smtClean="0"/>
                 <a:pPr/>
-                <a:t>11</a:t>
+                <a:t>13</a:t>
               </a:fld>
               <a:endParaRPr lang="de-DE"/>
             </a:p>
@@ -6667,10 +7571,18 @@
           <a:lstStyle/>
           <a:p>
             <a:r>
-              <a:rPr lang="de-DE" sz="2800" dirty="0"/>
-              <a:t>3.1 Entwicklungsprozess (via V-Modell)</a:t>
+              <a:rPr lang="de-DE" sz="2800" b="1" dirty="0">
+                <a:solidFill>
+                  <a:srgbClr val="0070C0"/>
+                </a:solidFill>
+              </a:rPr>
+              <a:t>3.1 Planung</a:t>
             </a:r>
-            <a:endParaRPr lang="de-DE" sz="2800" b="1" i="1" dirty="0"/>
+            <a:endParaRPr lang="de-DE" sz="2800" b="1" i="1" dirty="0">
+              <a:solidFill>
+                <a:srgbClr val="0070C0"/>
+              </a:solidFill>
+            </a:endParaRPr>
           </a:p>
         </p:txBody>
       </p:sp>
@@ -6890,7 +7802,7 @@
 </p:sld>
 </file>
 
-<file path=ppt/slides/slide12.xml><?xml version="1.0" encoding="utf-8"?>
+<file path=ppt/slides/slide14.xml><?xml version="1.0" encoding="utf-8"?>
 <p:sld xmlns:a="http://schemas.openxmlformats.org/drawingml/2006/main" xmlns:r="http://schemas.openxmlformats.org/officeDocument/2006/relationships" xmlns:p="http://schemas.openxmlformats.org/presentationml/2006/main">
   <p:cSld>
     <p:spTree>
@@ -7053,7 +7965,7 @@
               <a:fld id="{ABB89C0B-1ABD-444B-925C-4E47B2F277F6}" type="datetimeFigureOut">
                 <a:rPr lang="de-DE" smtClean="0"/>
                 <a:pPr/>
-                <a:t>18.07.2019</a:t>
+                <a:t>22.07.2019</a:t>
               </a:fld>
               <a:endParaRPr lang="de-DE" dirty="0"/>
             </a:p>
@@ -7315,7 +8227,7 @@
               <a:fld id="{75CEC8DD-A46B-4CAA-B4E1-6A1B652C2BF4}" type="slidenum">
                 <a:rPr lang="de-DE" smtClean="0"/>
                 <a:pPr/>
-                <a:t>12</a:t>
+                <a:t>14</a:t>
               </a:fld>
               <a:endParaRPr lang="de-DE"/>
             </a:p>
@@ -7390,10 +8302,18 @@
           <a:lstStyle/>
           <a:p>
             <a:r>
-              <a:rPr lang="de-DE" sz="2800" dirty="0"/>
-              <a:t>3.1 Planung des Projekts </a:t>
+              <a:rPr lang="de-DE" sz="2800" b="1" dirty="0">
+                <a:solidFill>
+                  <a:srgbClr val="0070C0"/>
+                </a:solidFill>
+              </a:rPr>
+              <a:t>3.1 Planung </a:t>
             </a:r>
-            <a:endParaRPr lang="de-DE" sz="2800" b="1" i="1" dirty="0"/>
+            <a:endParaRPr lang="de-DE" sz="2800" b="1" i="1" dirty="0">
+              <a:solidFill>
+                <a:srgbClr val="0070C0"/>
+              </a:solidFill>
+            </a:endParaRPr>
           </a:p>
         </p:txBody>
       </p:sp>
@@ -13903,7 +14823,7 @@
 </p:sld>
 </file>
 
-<file path=ppt/slides/slide13.xml><?xml version="1.0" encoding="utf-8"?>
+<file path=ppt/slides/slide15.xml><?xml version="1.0" encoding="utf-8"?>
 <p:sld xmlns:a="http://schemas.openxmlformats.org/drawingml/2006/main" xmlns:r="http://schemas.openxmlformats.org/officeDocument/2006/relationships" xmlns:p="http://schemas.openxmlformats.org/presentationml/2006/main">
   <p:cSld>
     <p:spTree>
@@ -14066,7 +14986,7 @@
               <a:fld id="{ABB89C0B-1ABD-444B-925C-4E47B2F277F6}" type="datetimeFigureOut">
                 <a:rPr lang="de-DE" smtClean="0"/>
                 <a:pPr/>
-                <a:t>18.07.2019</a:t>
+                <a:t>22.07.2019</a:t>
               </a:fld>
               <a:endParaRPr lang="de-DE" dirty="0"/>
             </a:p>
@@ -14328,7 +15248,7 @@
               <a:fld id="{75CEC8DD-A46B-4CAA-B4E1-6A1B652C2BF4}" type="slidenum">
                 <a:rPr lang="de-DE" smtClean="0"/>
                 <a:pPr/>
-                <a:t>13</a:t>
+                <a:t>15</a:t>
               </a:fld>
               <a:endParaRPr lang="de-DE"/>
             </a:p>
@@ -14403,10 +15323,13 @@
           <a:lstStyle/>
           <a:p>
             <a:r>
-              <a:rPr lang="de-DE" sz="2800" dirty="0"/>
-              <a:t>3.2 Entwicklungsprozess (via V-Modell)</a:t>
+              <a:rPr lang="de-DE" sz="2800" b="1" dirty="0">
+                <a:solidFill>
+                  <a:srgbClr val="0070C0"/>
+                </a:solidFill>
+              </a:rPr>
+              <a:t>3.2 Anforderungsermittlung</a:t>
             </a:r>
-            <a:endParaRPr lang="de-DE" sz="2800" b="1" i="1" dirty="0"/>
           </a:p>
         </p:txBody>
       </p:sp>
@@ -14626,7 +15549,7 @@
 </p:sld>
 </file>
 
-<file path=ppt/slides/slide14.xml><?xml version="1.0" encoding="utf-8"?>
+<file path=ppt/slides/slide16.xml><?xml version="1.0" encoding="utf-8"?>
 <p:sld xmlns:a="http://schemas.openxmlformats.org/drawingml/2006/main" xmlns:r="http://schemas.openxmlformats.org/officeDocument/2006/relationships" xmlns:p="http://schemas.openxmlformats.org/presentationml/2006/main">
   <p:cSld>
     <p:spTree>
@@ -14828,7 +15751,7 @@
               <a:fld id="{ABB89C0B-1ABD-444B-925C-4E47B2F277F6}" type="datetimeFigureOut">
                 <a:rPr lang="de-DE" smtClean="0"/>
                 <a:pPr/>
-                <a:t>18.07.2019</a:t>
+                <a:t>22.07.2019</a:t>
               </a:fld>
               <a:endParaRPr lang="de-DE" dirty="0"/>
             </a:p>
@@ -15090,7 +16013,7 @@
               <a:fld id="{75CEC8DD-A46B-4CAA-B4E1-6A1B652C2BF4}" type="slidenum">
                 <a:rPr lang="de-DE" smtClean="0"/>
                 <a:pPr/>
-                <a:t>14</a:t>
+                <a:t>16</a:t>
               </a:fld>
               <a:endParaRPr lang="de-DE"/>
             </a:p>
@@ -15126,10 +16049,18 @@
           <a:lstStyle/>
           <a:p>
             <a:r>
-              <a:rPr lang="de-DE" sz="2800" dirty="0"/>
+              <a:rPr lang="de-DE" sz="2800" b="1" dirty="0">
+                <a:solidFill>
+                  <a:srgbClr val="0070C0"/>
+                </a:solidFill>
+              </a:rPr>
               <a:t>3.2 Anforderungsermittlung</a:t>
             </a:r>
-            <a:endParaRPr lang="de-DE" sz="2800" b="1" i="1" dirty="0"/>
+            <a:endParaRPr lang="de-DE" sz="2800" b="1" i="1" dirty="0">
+              <a:solidFill>
+                <a:srgbClr val="0070C0"/>
+              </a:solidFill>
+            </a:endParaRPr>
           </a:p>
         </p:txBody>
       </p:sp>
@@ -15715,7 +16646,7 @@
 </p:sld>
 </file>
 
-<file path=ppt/slides/slide15.xml><?xml version="1.0" encoding="utf-8"?>
+<file path=ppt/slides/slide17.xml><?xml version="1.0" encoding="utf-8"?>
 <p:sld xmlns:a="http://schemas.openxmlformats.org/drawingml/2006/main" xmlns:r="http://schemas.openxmlformats.org/officeDocument/2006/relationships" xmlns:p="http://schemas.openxmlformats.org/presentationml/2006/main">
   <p:cSld>
     <p:spTree>
@@ -15878,7 +16809,7 @@
               <a:fld id="{ABB89C0B-1ABD-444B-925C-4E47B2F277F6}" type="datetimeFigureOut">
                 <a:rPr lang="de-DE" smtClean="0"/>
                 <a:pPr/>
-                <a:t>18.07.2019</a:t>
+                <a:t>22.07.2019</a:t>
               </a:fld>
               <a:endParaRPr lang="de-DE" dirty="0"/>
             </a:p>
@@ -16140,7 +17071,7 @@
               <a:fld id="{75CEC8DD-A46B-4CAA-B4E1-6A1B652C2BF4}" type="slidenum">
                 <a:rPr lang="de-DE" smtClean="0"/>
                 <a:pPr/>
-                <a:t>15</a:t>
+                <a:t>17</a:t>
               </a:fld>
               <a:endParaRPr lang="de-DE"/>
             </a:p>
@@ -16215,10 +17146,18 @@
           <a:lstStyle/>
           <a:p>
             <a:r>
-              <a:rPr lang="de-DE" sz="2800" dirty="0"/>
-              <a:t>3.3 Entwicklungsprozess (via V-Modell)</a:t>
+              <a:rPr lang="de-DE" sz="2800" b="1" dirty="0">
+                <a:solidFill>
+                  <a:srgbClr val="0070C0"/>
+                </a:solidFill>
+              </a:rPr>
+              <a:t>3.3 Systementwurf</a:t>
             </a:r>
-            <a:endParaRPr lang="de-DE" sz="2800" b="1" i="1" dirty="0"/>
+            <a:endParaRPr lang="de-DE" sz="2800" b="1" i="1" dirty="0">
+              <a:solidFill>
+                <a:srgbClr val="0070C0"/>
+              </a:solidFill>
+            </a:endParaRPr>
           </a:p>
         </p:txBody>
       </p:sp>
@@ -16611,7 +17550,7 @@
 </p:sld>
 </file>
 
-<file path=ppt/slides/slide16.xml><?xml version="1.0" encoding="utf-8"?>
+<file path=ppt/slides/slide18.xml><?xml version="1.0" encoding="utf-8"?>
 <p:sld xmlns:a="http://schemas.openxmlformats.org/drawingml/2006/main" xmlns:r="http://schemas.openxmlformats.org/officeDocument/2006/relationships" xmlns:p="http://schemas.openxmlformats.org/presentationml/2006/main">
   <p:cSld>
     <p:spTree>
@@ -16657,26 +17596,24 @@
           <a:lstStyle/>
           <a:p>
             <a:r>
-              <a:rPr lang="de-DE" sz="2400" b="1" dirty="0"/>
+              <a:rPr lang="de-DE" sz="2400" b="1" dirty="0">
+                <a:solidFill>
+                  <a:srgbClr val="0070C0"/>
+                </a:solidFill>
+              </a:rPr>
               <a:t>OmniMove: Gesamt- und Teilfunktionen </a:t>
             </a:r>
             <a:r>
               <a:rPr lang="de-DE" sz="2000" b="1" dirty="0">
                 <a:solidFill>
-                  <a:schemeClr val="tx1">
-                    <a:lumMod val="65000"/>
-                    <a:lumOff val="35000"/>
-                  </a:schemeClr>
+                  <a:srgbClr val="0070C0"/>
                 </a:solidFill>
               </a:rPr>
               <a:t>(wichtigste Subsysteme)</a:t>
             </a:r>
             <a:endParaRPr lang="de-DE" sz="2400" b="1" dirty="0">
               <a:solidFill>
-                <a:schemeClr val="tx1">
-                  <a:lumMod val="65000"/>
-                  <a:lumOff val="35000"/>
-                </a:schemeClr>
+                <a:srgbClr val="0070C0"/>
               </a:solidFill>
             </a:endParaRPr>
           </a:p>
@@ -17879,7 +18816,7 @@
 </p:sld>
 </file>
 
-<file path=ppt/slides/slide17.xml><?xml version="1.0" encoding="utf-8"?>
+<file path=ppt/slides/slide19.xml><?xml version="1.0" encoding="utf-8"?>
 <p:sld xmlns:a="http://schemas.openxmlformats.org/drawingml/2006/main" xmlns:r="http://schemas.openxmlformats.org/officeDocument/2006/relationships" xmlns:p="http://schemas.openxmlformats.org/presentationml/2006/main">
   <p:cSld>
     <p:spTree>
@@ -18042,7 +18979,7 @@
               <a:fld id="{ABB89C0B-1ABD-444B-925C-4E47B2F277F6}" type="datetimeFigureOut">
                 <a:rPr lang="de-DE" smtClean="0"/>
                 <a:pPr/>
-                <a:t>18.07.2019</a:t>
+                <a:t>22.07.2019</a:t>
               </a:fld>
               <a:endParaRPr lang="de-DE" dirty="0"/>
             </a:p>
@@ -18304,7 +19241,7 @@
               <a:fld id="{75CEC8DD-A46B-4CAA-B4E1-6A1B652C2BF4}" type="slidenum">
                 <a:rPr lang="de-DE" smtClean="0"/>
                 <a:pPr/>
-                <a:t>17</a:t>
+                <a:t>19</a:t>
               </a:fld>
               <a:endParaRPr lang="de-DE"/>
             </a:p>
@@ -18379,10 +19316,18 @@
           <a:lstStyle/>
           <a:p>
             <a:r>
-              <a:rPr lang="de-DE" sz="2800" dirty="0"/>
-              <a:t>3.4 Entwicklungsprozess (via V-Modell)</a:t>
+              <a:rPr lang="de-DE" sz="2800" b="1" dirty="0">
+                <a:solidFill>
+                  <a:srgbClr val="0070C0"/>
+                </a:solidFill>
+              </a:rPr>
+              <a:t>3.4 Test &amp; Validierung</a:t>
             </a:r>
-            <a:endParaRPr lang="de-DE" sz="2800" b="1" i="1" dirty="0"/>
+            <a:endParaRPr lang="de-DE" sz="2800" b="1" i="1" dirty="0">
+              <a:solidFill>
+                <a:srgbClr val="0070C0"/>
+              </a:solidFill>
+            </a:endParaRPr>
           </a:p>
         </p:txBody>
       </p:sp>
@@ -18948,526 +19893,6 @@
 </p:sld>
 </file>
 
-<file path=ppt/slides/slide18.xml><?xml version="1.0" encoding="utf-8"?>
-<p:sld xmlns:a="http://schemas.openxmlformats.org/drawingml/2006/main" xmlns:r="http://schemas.openxmlformats.org/officeDocument/2006/relationships" xmlns:p="http://schemas.openxmlformats.org/presentationml/2006/main">
-  <p:cSld>
-    <p:spTree>
-      <p:nvGrpSpPr>
-        <p:cNvPr id="1" name=""/>
-        <p:cNvGrpSpPr/>
-        <p:nvPr/>
-      </p:nvGrpSpPr>
-      <p:grpSpPr>
-        <a:xfrm>
-          <a:off x="0" y="0"/>
-          <a:ext cx="0" cy="0"/>
-          <a:chOff x="0" y="0"/>
-          <a:chExt cx="0" cy="0"/>
-        </a:xfrm>
-      </p:grpSpPr>
-      <p:grpSp>
-        <p:nvGrpSpPr>
-          <p:cNvPr id="4" name="Gruppieren 3">
-            <a:extLst>
-              <a:ext uri="{FF2B5EF4-FFF2-40B4-BE49-F238E27FC236}">
-                <a16:creationId xmlns:a16="http://schemas.microsoft.com/office/drawing/2014/main" id="{18D08059-8049-414A-B958-7A9841F3CD9A}"/>
-              </a:ext>
-            </a:extLst>
-          </p:cNvPr>
-          <p:cNvGrpSpPr/>
-          <p:nvPr/>
-        </p:nvGrpSpPr>
-        <p:grpSpPr>
-          <a:xfrm>
-            <a:off x="838200" y="6356350"/>
-            <a:ext cx="10515600" cy="365125"/>
-            <a:chOff x="838200" y="6356350"/>
-            <a:chExt cx="10515600" cy="365125"/>
-          </a:xfrm>
-        </p:grpSpPr>
-        <p:sp>
-          <p:nvSpPr>
-            <p:cNvPr id="5" name="Datumsplatzhalter 3">
-              <a:extLst>
-                <a:ext uri="{FF2B5EF4-FFF2-40B4-BE49-F238E27FC236}">
-                  <a16:creationId xmlns:a16="http://schemas.microsoft.com/office/drawing/2014/main" id="{3ABE0E0F-DB90-43F7-9B5F-C51CEB17F6B7}"/>
-                </a:ext>
-              </a:extLst>
-            </p:cNvPr>
-            <p:cNvSpPr txBox="1">
-              <a:spLocks/>
-            </p:cNvSpPr>
-            <p:nvPr/>
-          </p:nvSpPr>
-          <p:spPr>
-            <a:xfrm>
-              <a:off x="838200" y="6356350"/>
-              <a:ext cx="2743200" cy="365125"/>
-            </a:xfrm>
-            <a:prstGeom prst="rect">
-              <a:avLst/>
-            </a:prstGeom>
-          </p:spPr>
-          <p:txBody>
-            <a:bodyPr vert="horz" lIns="91440" tIns="45720" rIns="91440" bIns="45720" rtlCol="0" anchor="ctr"/>
-            <a:lstStyle>
-              <a:defPPr>
-                <a:defRPr lang="de-DE"/>
-              </a:defPPr>
-              <a:lvl1pPr marL="0" algn="l" defTabSz="914400" rtl="0" eaLnBrk="1" latinLnBrk="0" hangingPunct="1">
-                <a:defRPr sz="1200" kern="1200">
-                  <a:solidFill>
-                    <a:schemeClr val="tx1">
-                      <a:tint val="75000"/>
-                    </a:schemeClr>
-                  </a:solidFill>
-                  <a:latin typeface="+mn-lt"/>
-                  <a:ea typeface="+mn-ea"/>
-                  <a:cs typeface="+mn-cs"/>
-                </a:defRPr>
-              </a:lvl1pPr>
-              <a:lvl2pPr marL="457200" algn="l" defTabSz="914400" rtl="0" eaLnBrk="1" latinLnBrk="0" hangingPunct="1">
-                <a:defRPr sz="1800" kern="1200">
-                  <a:solidFill>
-                    <a:schemeClr val="tx1"/>
-                  </a:solidFill>
-                  <a:latin typeface="+mn-lt"/>
-                  <a:ea typeface="+mn-ea"/>
-                  <a:cs typeface="+mn-cs"/>
-                </a:defRPr>
-              </a:lvl2pPr>
-              <a:lvl3pPr marL="914400" algn="l" defTabSz="914400" rtl="0" eaLnBrk="1" latinLnBrk="0" hangingPunct="1">
-                <a:defRPr sz="1800" kern="1200">
-                  <a:solidFill>
-                    <a:schemeClr val="tx1"/>
-                  </a:solidFill>
-                  <a:latin typeface="+mn-lt"/>
-                  <a:ea typeface="+mn-ea"/>
-                  <a:cs typeface="+mn-cs"/>
-                </a:defRPr>
-              </a:lvl3pPr>
-              <a:lvl4pPr marL="1371600" algn="l" defTabSz="914400" rtl="0" eaLnBrk="1" latinLnBrk="0" hangingPunct="1">
-                <a:defRPr sz="1800" kern="1200">
-                  <a:solidFill>
-                    <a:schemeClr val="tx1"/>
-                  </a:solidFill>
-                  <a:latin typeface="+mn-lt"/>
-                  <a:ea typeface="+mn-ea"/>
-                  <a:cs typeface="+mn-cs"/>
-                </a:defRPr>
-              </a:lvl4pPr>
-              <a:lvl5pPr marL="1828800" algn="l" defTabSz="914400" rtl="0" eaLnBrk="1" latinLnBrk="0" hangingPunct="1">
-                <a:defRPr sz="1800" kern="1200">
-                  <a:solidFill>
-                    <a:schemeClr val="tx1"/>
-                  </a:solidFill>
-                  <a:latin typeface="+mn-lt"/>
-                  <a:ea typeface="+mn-ea"/>
-                  <a:cs typeface="+mn-cs"/>
-                </a:defRPr>
-              </a:lvl5pPr>
-              <a:lvl6pPr marL="2286000" algn="l" defTabSz="914400" rtl="0" eaLnBrk="1" latinLnBrk="0" hangingPunct="1">
-                <a:defRPr sz="1800" kern="1200">
-                  <a:solidFill>
-                    <a:schemeClr val="tx1"/>
-                  </a:solidFill>
-                  <a:latin typeface="+mn-lt"/>
-                  <a:ea typeface="+mn-ea"/>
-                  <a:cs typeface="+mn-cs"/>
-                </a:defRPr>
-              </a:lvl6pPr>
-              <a:lvl7pPr marL="2743200" algn="l" defTabSz="914400" rtl="0" eaLnBrk="1" latinLnBrk="0" hangingPunct="1">
-                <a:defRPr sz="1800" kern="1200">
-                  <a:solidFill>
-                    <a:schemeClr val="tx1"/>
-                  </a:solidFill>
-                  <a:latin typeface="+mn-lt"/>
-                  <a:ea typeface="+mn-ea"/>
-                  <a:cs typeface="+mn-cs"/>
-                </a:defRPr>
-              </a:lvl7pPr>
-              <a:lvl8pPr marL="3200400" algn="l" defTabSz="914400" rtl="0" eaLnBrk="1" latinLnBrk="0" hangingPunct="1">
-                <a:defRPr sz="1800" kern="1200">
-                  <a:solidFill>
-                    <a:schemeClr val="tx1"/>
-                  </a:solidFill>
-                  <a:latin typeface="+mn-lt"/>
-                  <a:ea typeface="+mn-ea"/>
-                  <a:cs typeface="+mn-cs"/>
-                </a:defRPr>
-              </a:lvl8pPr>
-              <a:lvl9pPr marL="3657600" algn="l" defTabSz="914400" rtl="0" eaLnBrk="1" latinLnBrk="0" hangingPunct="1">
-                <a:defRPr sz="1800" kern="1200">
-                  <a:solidFill>
-                    <a:schemeClr val="tx1"/>
-                  </a:solidFill>
-                  <a:latin typeface="+mn-lt"/>
-                  <a:ea typeface="+mn-ea"/>
-                  <a:cs typeface="+mn-cs"/>
-                </a:defRPr>
-              </a:lvl9pPr>
-            </a:lstStyle>
-            <a:p>
-              <a:fld id="{ABB89C0B-1ABD-444B-925C-4E47B2F277F6}" type="datetimeFigureOut">
-                <a:rPr lang="de-DE" smtClean="0"/>
-                <a:pPr/>
-                <a:t>18.07.2019</a:t>
-              </a:fld>
-              <a:endParaRPr lang="de-DE" dirty="0"/>
-            </a:p>
-          </p:txBody>
-        </p:sp>
-        <p:sp>
-          <p:nvSpPr>
-            <p:cNvPr id="6" name="Fußzeilenplatzhalter 4">
-              <a:extLst>
-                <a:ext uri="{FF2B5EF4-FFF2-40B4-BE49-F238E27FC236}">
-                  <a16:creationId xmlns:a16="http://schemas.microsoft.com/office/drawing/2014/main" id="{DB8FE8DA-BE41-429E-B7D1-4850CF5B4A71}"/>
-                </a:ext>
-              </a:extLst>
-            </p:cNvPr>
-            <p:cNvSpPr txBox="1">
-              <a:spLocks/>
-            </p:cNvSpPr>
-            <p:nvPr/>
-          </p:nvSpPr>
-          <p:spPr>
-            <a:xfrm>
-              <a:off x="3060932" y="6356350"/>
-              <a:ext cx="6070134" cy="365125"/>
-            </a:xfrm>
-            <a:prstGeom prst="rect">
-              <a:avLst/>
-            </a:prstGeom>
-          </p:spPr>
-          <p:txBody>
-            <a:bodyPr vert="horz" lIns="91440" tIns="45720" rIns="91440" bIns="45720" rtlCol="0" anchor="ctr"/>
-            <a:lstStyle>
-              <a:defPPr>
-                <a:defRPr lang="de-DE"/>
-              </a:defPPr>
-              <a:lvl1pPr marL="0" algn="ctr" defTabSz="914400" rtl="0" eaLnBrk="1" latinLnBrk="0" hangingPunct="1">
-                <a:defRPr sz="1200" kern="1200">
-                  <a:solidFill>
-                    <a:schemeClr val="tx1">
-                      <a:tint val="75000"/>
-                    </a:schemeClr>
-                  </a:solidFill>
-                  <a:latin typeface="+mn-lt"/>
-                  <a:ea typeface="+mn-ea"/>
-                  <a:cs typeface="+mn-cs"/>
-                </a:defRPr>
-              </a:lvl1pPr>
-              <a:lvl2pPr marL="457200" algn="l" defTabSz="914400" rtl="0" eaLnBrk="1" latinLnBrk="0" hangingPunct="1">
-                <a:defRPr sz="1800" kern="1200">
-                  <a:solidFill>
-                    <a:schemeClr val="tx1"/>
-                  </a:solidFill>
-                  <a:latin typeface="+mn-lt"/>
-                  <a:ea typeface="+mn-ea"/>
-                  <a:cs typeface="+mn-cs"/>
-                </a:defRPr>
-              </a:lvl2pPr>
-              <a:lvl3pPr marL="914400" algn="l" defTabSz="914400" rtl="0" eaLnBrk="1" latinLnBrk="0" hangingPunct="1">
-                <a:defRPr sz="1800" kern="1200">
-                  <a:solidFill>
-                    <a:schemeClr val="tx1"/>
-                  </a:solidFill>
-                  <a:latin typeface="+mn-lt"/>
-                  <a:ea typeface="+mn-ea"/>
-                  <a:cs typeface="+mn-cs"/>
-                </a:defRPr>
-              </a:lvl3pPr>
-              <a:lvl4pPr marL="1371600" algn="l" defTabSz="914400" rtl="0" eaLnBrk="1" latinLnBrk="0" hangingPunct="1">
-                <a:defRPr sz="1800" kern="1200">
-                  <a:solidFill>
-                    <a:schemeClr val="tx1"/>
-                  </a:solidFill>
-                  <a:latin typeface="+mn-lt"/>
-                  <a:ea typeface="+mn-ea"/>
-                  <a:cs typeface="+mn-cs"/>
-                </a:defRPr>
-              </a:lvl4pPr>
-              <a:lvl5pPr marL="1828800" algn="l" defTabSz="914400" rtl="0" eaLnBrk="1" latinLnBrk="0" hangingPunct="1">
-                <a:defRPr sz="1800" kern="1200">
-                  <a:solidFill>
-                    <a:schemeClr val="tx1"/>
-                  </a:solidFill>
-                  <a:latin typeface="+mn-lt"/>
-                  <a:ea typeface="+mn-ea"/>
-                  <a:cs typeface="+mn-cs"/>
-                </a:defRPr>
-              </a:lvl5pPr>
-              <a:lvl6pPr marL="2286000" algn="l" defTabSz="914400" rtl="0" eaLnBrk="1" latinLnBrk="0" hangingPunct="1">
-                <a:defRPr sz="1800" kern="1200">
-                  <a:solidFill>
-                    <a:schemeClr val="tx1"/>
-                  </a:solidFill>
-                  <a:latin typeface="+mn-lt"/>
-                  <a:ea typeface="+mn-ea"/>
-                  <a:cs typeface="+mn-cs"/>
-                </a:defRPr>
-              </a:lvl6pPr>
-              <a:lvl7pPr marL="2743200" algn="l" defTabSz="914400" rtl="0" eaLnBrk="1" latinLnBrk="0" hangingPunct="1">
-                <a:defRPr sz="1800" kern="1200">
-                  <a:solidFill>
-                    <a:schemeClr val="tx1"/>
-                  </a:solidFill>
-                  <a:latin typeface="+mn-lt"/>
-                  <a:ea typeface="+mn-ea"/>
-                  <a:cs typeface="+mn-cs"/>
-                </a:defRPr>
-              </a:lvl7pPr>
-              <a:lvl8pPr marL="3200400" algn="l" defTabSz="914400" rtl="0" eaLnBrk="1" latinLnBrk="0" hangingPunct="1">
-                <a:defRPr sz="1800" kern="1200">
-                  <a:solidFill>
-                    <a:schemeClr val="tx1"/>
-                  </a:solidFill>
-                  <a:latin typeface="+mn-lt"/>
-                  <a:ea typeface="+mn-ea"/>
-                  <a:cs typeface="+mn-cs"/>
-                </a:defRPr>
-              </a:lvl8pPr>
-              <a:lvl9pPr marL="3657600" algn="l" defTabSz="914400" rtl="0" eaLnBrk="1" latinLnBrk="0" hangingPunct="1">
-                <a:defRPr sz="1800" kern="1200">
-                  <a:solidFill>
-                    <a:schemeClr val="tx1"/>
-                  </a:solidFill>
-                  <a:latin typeface="+mn-lt"/>
-                  <a:ea typeface="+mn-ea"/>
-                  <a:cs typeface="+mn-cs"/>
-                </a:defRPr>
-              </a:lvl9pPr>
-            </a:lstStyle>
-            <a:p>
-              <a:r>
-                <a:rPr lang="de-DE" dirty="0"/>
-                <a:t>Praktikum Produktionstechnik</a:t>
-              </a:r>
-            </a:p>
-          </p:txBody>
-        </p:sp>
-        <p:sp>
-          <p:nvSpPr>
-            <p:cNvPr id="7" name="Foliennummernplatzhalter 5">
-              <a:extLst>
-                <a:ext uri="{FF2B5EF4-FFF2-40B4-BE49-F238E27FC236}">
-                  <a16:creationId xmlns:a16="http://schemas.microsoft.com/office/drawing/2014/main" id="{C08B045B-D202-4ECB-9910-D6EF3E5EE0D2}"/>
-                </a:ext>
-              </a:extLst>
-            </p:cNvPr>
-            <p:cNvSpPr txBox="1">
-              <a:spLocks/>
-            </p:cNvSpPr>
-            <p:nvPr/>
-          </p:nvSpPr>
-          <p:spPr>
-            <a:xfrm>
-              <a:off x="8610600" y="6356350"/>
-              <a:ext cx="2743200" cy="365125"/>
-            </a:xfrm>
-            <a:prstGeom prst="rect">
-              <a:avLst/>
-            </a:prstGeom>
-          </p:spPr>
-          <p:txBody>
-            <a:bodyPr vert="horz" lIns="91440" tIns="45720" rIns="91440" bIns="45720" rtlCol="0" anchor="ctr"/>
-            <a:lstStyle>
-              <a:defPPr>
-                <a:defRPr lang="de-DE"/>
-              </a:defPPr>
-              <a:lvl1pPr marL="0" algn="r" defTabSz="914400" rtl="0" eaLnBrk="1" latinLnBrk="0" hangingPunct="1">
-                <a:defRPr sz="1200" kern="1200">
-                  <a:solidFill>
-                    <a:schemeClr val="tx1">
-                      <a:tint val="75000"/>
-                    </a:schemeClr>
-                  </a:solidFill>
-                  <a:latin typeface="+mn-lt"/>
-                  <a:ea typeface="+mn-ea"/>
-                  <a:cs typeface="+mn-cs"/>
-                </a:defRPr>
-              </a:lvl1pPr>
-              <a:lvl2pPr marL="457200" algn="l" defTabSz="914400" rtl="0" eaLnBrk="1" latinLnBrk="0" hangingPunct="1">
-                <a:defRPr sz="1800" kern="1200">
-                  <a:solidFill>
-                    <a:schemeClr val="tx1"/>
-                  </a:solidFill>
-                  <a:latin typeface="+mn-lt"/>
-                  <a:ea typeface="+mn-ea"/>
-                  <a:cs typeface="+mn-cs"/>
-                </a:defRPr>
-              </a:lvl2pPr>
-              <a:lvl3pPr marL="914400" algn="l" defTabSz="914400" rtl="0" eaLnBrk="1" latinLnBrk="0" hangingPunct="1">
-                <a:defRPr sz="1800" kern="1200">
-                  <a:solidFill>
-                    <a:schemeClr val="tx1"/>
-                  </a:solidFill>
-                  <a:latin typeface="+mn-lt"/>
-                  <a:ea typeface="+mn-ea"/>
-                  <a:cs typeface="+mn-cs"/>
-                </a:defRPr>
-              </a:lvl3pPr>
-              <a:lvl4pPr marL="1371600" algn="l" defTabSz="914400" rtl="0" eaLnBrk="1" latinLnBrk="0" hangingPunct="1">
-                <a:defRPr sz="1800" kern="1200">
-                  <a:solidFill>
-                    <a:schemeClr val="tx1"/>
-                  </a:solidFill>
-                  <a:latin typeface="+mn-lt"/>
-                  <a:ea typeface="+mn-ea"/>
-                  <a:cs typeface="+mn-cs"/>
-                </a:defRPr>
-              </a:lvl4pPr>
-              <a:lvl5pPr marL="1828800" algn="l" defTabSz="914400" rtl="0" eaLnBrk="1" latinLnBrk="0" hangingPunct="1">
-                <a:defRPr sz="1800" kern="1200">
-                  <a:solidFill>
-                    <a:schemeClr val="tx1"/>
-                  </a:solidFill>
-                  <a:latin typeface="+mn-lt"/>
-                  <a:ea typeface="+mn-ea"/>
-                  <a:cs typeface="+mn-cs"/>
-                </a:defRPr>
-              </a:lvl5pPr>
-              <a:lvl6pPr marL="2286000" algn="l" defTabSz="914400" rtl="0" eaLnBrk="1" latinLnBrk="0" hangingPunct="1">
-                <a:defRPr sz="1800" kern="1200">
-                  <a:solidFill>
-                    <a:schemeClr val="tx1"/>
-                  </a:solidFill>
-                  <a:latin typeface="+mn-lt"/>
-                  <a:ea typeface="+mn-ea"/>
-                  <a:cs typeface="+mn-cs"/>
-                </a:defRPr>
-              </a:lvl6pPr>
-              <a:lvl7pPr marL="2743200" algn="l" defTabSz="914400" rtl="0" eaLnBrk="1" latinLnBrk="0" hangingPunct="1">
-                <a:defRPr sz="1800" kern="1200">
-                  <a:solidFill>
-                    <a:schemeClr val="tx1"/>
-                  </a:solidFill>
-                  <a:latin typeface="+mn-lt"/>
-                  <a:ea typeface="+mn-ea"/>
-                  <a:cs typeface="+mn-cs"/>
-                </a:defRPr>
-              </a:lvl7pPr>
-              <a:lvl8pPr marL="3200400" algn="l" defTabSz="914400" rtl="0" eaLnBrk="1" latinLnBrk="0" hangingPunct="1">
-                <a:defRPr sz="1800" kern="1200">
-                  <a:solidFill>
-                    <a:schemeClr val="tx1"/>
-                  </a:solidFill>
-                  <a:latin typeface="+mn-lt"/>
-                  <a:ea typeface="+mn-ea"/>
-                  <a:cs typeface="+mn-cs"/>
-                </a:defRPr>
-              </a:lvl8pPr>
-              <a:lvl9pPr marL="3657600" algn="l" defTabSz="914400" rtl="0" eaLnBrk="1" latinLnBrk="0" hangingPunct="1">
-                <a:defRPr sz="1800" kern="1200">
-                  <a:solidFill>
-                    <a:schemeClr val="tx1"/>
-                  </a:solidFill>
-                  <a:latin typeface="+mn-lt"/>
-                  <a:ea typeface="+mn-ea"/>
-                  <a:cs typeface="+mn-cs"/>
-                </a:defRPr>
-              </a:lvl9pPr>
-            </a:lstStyle>
-            <a:p>
-              <a:fld id="{75CEC8DD-A46B-4CAA-B4E1-6A1B652C2BF4}" type="slidenum">
-                <a:rPr lang="de-DE" smtClean="0"/>
-                <a:pPr/>
-                <a:t>18</a:t>
-              </a:fld>
-              <a:endParaRPr lang="de-DE"/>
-            </a:p>
-          </p:txBody>
-        </p:sp>
-      </p:grpSp>
-      <p:pic>
-        <p:nvPicPr>
-          <p:cNvPr id="8" name="Grafik 7" descr="Logo Ingenieursinformatik">
-            <a:extLst>
-              <a:ext uri="{FF2B5EF4-FFF2-40B4-BE49-F238E27FC236}">
-                <a16:creationId xmlns:a16="http://schemas.microsoft.com/office/drawing/2014/main" id="{F5868D2B-F5D2-47E8-8FD9-6D9B2986087D}"/>
-              </a:ext>
-            </a:extLst>
-          </p:cNvPr>
-          <p:cNvPicPr/>
-          <p:nvPr/>
-        </p:nvPicPr>
-        <p:blipFill>
-          <a:blip r:embed="rId2" cstate="print">
-            <a:extLst>
-              <a:ext uri="{28A0092B-C50C-407E-A947-70E740481C1C}">
-                <a14:useLocalDpi xmlns:a14="http://schemas.microsoft.com/office/drawing/2010/main" val="0"/>
-              </a:ext>
-            </a:extLst>
-          </a:blip>
-          <a:srcRect/>
-          <a:stretch>
-            <a:fillRect/>
-          </a:stretch>
-        </p:blipFill>
-        <p:spPr bwMode="auto">
-          <a:xfrm>
-            <a:off x="10178281" y="320040"/>
-            <a:ext cx="1692155" cy="924304"/>
-          </a:xfrm>
-          <a:prstGeom prst="rect">
-            <a:avLst/>
-          </a:prstGeom>
-          <a:noFill/>
-          <a:ln>
-            <a:noFill/>
-          </a:ln>
-        </p:spPr>
-      </p:pic>
-      <p:sp>
-        <p:nvSpPr>
-          <p:cNvPr id="12" name="Titel 1">
-            <a:extLst>
-              <a:ext uri="{FF2B5EF4-FFF2-40B4-BE49-F238E27FC236}">
-                <a16:creationId xmlns:a16="http://schemas.microsoft.com/office/drawing/2014/main" id="{E000FD21-03A8-4523-B088-D596EF47B706}"/>
-              </a:ext>
-            </a:extLst>
-          </p:cNvPr>
-          <p:cNvSpPr>
-            <a:spLocks noGrp="1"/>
-          </p:cNvSpPr>
-          <p:nvPr>
-            <p:ph type="title"/>
-          </p:nvPr>
-        </p:nvSpPr>
-        <p:spPr>
-          <a:xfrm>
-            <a:off x="838200" y="365125"/>
-            <a:ext cx="10515600" cy="1325563"/>
-          </a:xfrm>
-        </p:spPr>
-        <p:txBody>
-          <a:bodyPr>
-            <a:normAutofit/>
-          </a:bodyPr>
-          <a:lstStyle/>
-          <a:p>
-            <a:r>
-              <a:rPr lang="de-DE" sz="2800" dirty="0"/>
-              <a:t>4 Quellen</a:t>
-            </a:r>
-            <a:endParaRPr lang="de-DE" sz="2800" b="1" i="1" dirty="0"/>
-          </a:p>
-        </p:txBody>
-      </p:sp>
-    </p:spTree>
-    <p:extLst>
-      <p:ext uri="{BB962C8B-B14F-4D97-AF65-F5344CB8AC3E}">
-        <p14:creationId xmlns:p14="http://schemas.microsoft.com/office/powerpoint/2010/main" val="556710781"/>
-      </p:ext>
-    </p:extLst>
-  </p:cSld>
-  <p:clrMapOvr>
-    <a:masterClrMapping/>
-  </p:clrMapOvr>
-</p:sld>
-</file>
-
 <file path=ppt/slides/slide2.xml><?xml version="1.0" encoding="utf-8"?>
 <p:sld xmlns:a="http://schemas.openxmlformats.org/drawingml/2006/main" xmlns:r="http://schemas.openxmlformats.org/officeDocument/2006/relationships" xmlns:p="http://schemas.openxmlformats.org/presentationml/2006/main">
   <p:cSld>
@@ -19689,14 +20114,14 @@
               <a:buAutoNum type="arabicPeriod"/>
             </a:pPr>
             <a:r>
-              <a:rPr lang="de-DE" sz="1800" dirty="0"/>
+              <a:rPr lang="de-DE" sz="2200" dirty="0"/>
               <a:t>Vorführung mit </a:t>
             </a:r>
             <a:r>
-              <a:rPr lang="de-DE" sz="1800" dirty="0" err="1"/>
+              <a:rPr lang="de-DE" sz="2200" dirty="0" err="1"/>
               <a:t>OmniMove</a:t>
             </a:r>
-            <a:endParaRPr lang="de-DE" sz="1800" dirty="0"/>
+            <a:endParaRPr lang="de-DE" sz="2200" dirty="0"/>
           </a:p>
           <a:p>
             <a:pPr marL="514350" indent="-514350">
@@ -19707,64 +20132,8 @@
               <a:buAutoNum type="arabicPeriod"/>
             </a:pPr>
             <a:r>
-              <a:rPr lang="de-DE" sz="1800" dirty="0"/>
+              <a:rPr lang="de-DE" sz="2200" dirty="0"/>
               <a:t>Merkmale und Schlüsseltechnologien</a:t>
-            </a:r>
-          </a:p>
-          <a:p>
-            <a:pPr marL="971550" lvl="1" indent="-514350">
-              <a:lnSpc>
-                <a:spcPct val="170000"/>
-              </a:lnSpc>
-              <a:buFont typeface="+mj-lt"/>
-              <a:buAutoNum type="arabicPeriod"/>
-            </a:pPr>
-            <a:r>
-              <a:rPr lang="de-DE" sz="1500" dirty="0"/>
-              <a:t>Gesamtübersicht</a:t>
-            </a:r>
-          </a:p>
-          <a:p>
-            <a:pPr marL="971550" lvl="1" indent="-514350">
-              <a:lnSpc>
-                <a:spcPct val="170000"/>
-              </a:lnSpc>
-              <a:buFont typeface="+mj-lt"/>
-              <a:buAutoNum type="arabicPeriod"/>
-            </a:pPr>
-            <a:r>
-              <a:rPr lang="de-DE" sz="1500" dirty="0" err="1"/>
-              <a:t>Mecanum</a:t>
-            </a:r>
-            <a:r>
-              <a:rPr lang="de-DE" sz="1500" dirty="0"/>
-              <a:t> Räder &amp; Planetengetriebe</a:t>
-            </a:r>
-          </a:p>
-          <a:p>
-            <a:pPr marL="971550" lvl="1" indent="-514350">
-              <a:lnSpc>
-                <a:spcPct val="170000"/>
-              </a:lnSpc>
-              <a:buFont typeface="+mj-lt"/>
-              <a:buAutoNum type="arabicPeriod"/>
-            </a:pPr>
-            <a:r>
-              <a:rPr lang="de-DE" sz="1500" dirty="0"/>
-              <a:t>Planetengetriebe</a:t>
-            </a:r>
-          </a:p>
-          <a:p>
-            <a:pPr marL="971550" lvl="1" indent="-514350">
-              <a:lnSpc>
-                <a:spcPct val="170000"/>
-              </a:lnSpc>
-              <a:buFont typeface="+mj-lt"/>
-              <a:buAutoNum type="arabicPeriod"/>
-            </a:pPr>
-            <a:r>
-              <a:rPr lang="de-DE" sz="1500" dirty="0"/>
-              <a:t>Kommunikation und Steuerung</a:t>
             </a:r>
           </a:p>
           <a:p>
@@ -19776,64 +20145,8 @@
               <a:buAutoNum type="arabicPeriod"/>
             </a:pPr>
             <a:r>
-              <a:rPr lang="de-DE" sz="1800" dirty="0"/>
+              <a:rPr lang="de-DE" sz="2200" dirty="0"/>
               <a:t>Entwicklungsprozess (via V-Modell)</a:t>
-            </a:r>
-          </a:p>
-          <a:p>
-            <a:pPr marL="971550" lvl="1" indent="-514350">
-              <a:lnSpc>
-                <a:spcPct val="170000"/>
-              </a:lnSpc>
-              <a:buFont typeface="+mj-lt"/>
-              <a:buAutoNum type="arabicPeriod"/>
-            </a:pPr>
-            <a:r>
-              <a:rPr lang="de-DE" sz="1500" dirty="0"/>
-              <a:t>Planung</a:t>
-            </a:r>
-          </a:p>
-          <a:p>
-            <a:pPr marL="971550" lvl="1" indent="-514350">
-              <a:lnSpc>
-                <a:spcPct val="170000"/>
-              </a:lnSpc>
-              <a:buFont typeface="+mj-lt"/>
-              <a:buAutoNum type="arabicPeriod"/>
-            </a:pPr>
-            <a:r>
-              <a:rPr lang="de-DE" sz="1500" dirty="0"/>
-              <a:t>Anforderungsermittlung</a:t>
-            </a:r>
-          </a:p>
-          <a:p>
-            <a:pPr marL="971550" lvl="1" indent="-514350">
-              <a:lnSpc>
-                <a:spcPct val="170000"/>
-              </a:lnSpc>
-              <a:buFont typeface="+mj-lt"/>
-              <a:buAutoNum type="arabicPeriod"/>
-            </a:pPr>
-            <a:r>
-              <a:rPr lang="de-DE" sz="1500" dirty="0"/>
-              <a:t>Systementwurf</a:t>
-            </a:r>
-          </a:p>
-          <a:p>
-            <a:pPr marL="971550" lvl="1" indent="-514350">
-              <a:lnSpc>
-                <a:spcPct val="170000"/>
-              </a:lnSpc>
-              <a:buFont typeface="+mj-lt"/>
-              <a:buAutoNum type="arabicPeriod"/>
-            </a:pPr>
-            <a:r>
-              <a:rPr lang="de-DE" sz="1500" dirty="0" err="1"/>
-              <a:t>OmniMove</a:t>
-            </a:r>
-            <a:r>
-              <a:rPr lang="de-DE" sz="1500" dirty="0"/>
-              <a:t> Test &amp; Validierung</a:t>
             </a:r>
           </a:p>
           <a:p>
@@ -19845,7 +20158,24 @@
               <a:buAutoNum type="arabicPeriod"/>
             </a:pPr>
             <a:r>
-              <a:rPr lang="de-DE" sz="1800" dirty="0"/>
+              <a:rPr lang="de-DE" sz="2200" dirty="0" err="1"/>
+              <a:t>Erweiterungs</a:t>
+            </a:r>
+            <a:r>
+              <a:rPr lang="de-DE" sz="2200" dirty="0"/>
+              <a:t> – und Verbesserungsmöglichkeiten</a:t>
+            </a:r>
+          </a:p>
+          <a:p>
+            <a:pPr marL="514350" indent="-514350">
+              <a:lnSpc>
+                <a:spcPct val="170000"/>
+              </a:lnSpc>
+              <a:buFont typeface="+mj-lt"/>
+              <a:buAutoNum type="arabicPeriod"/>
+            </a:pPr>
+            <a:r>
+              <a:rPr lang="de-DE" sz="2200" dirty="0"/>
               <a:t>Quellen</a:t>
             </a:r>
           </a:p>
@@ -19903,6 +20233,2118 @@
 </p:sld>
 </file>
 
+<file path=ppt/slides/slide20.xml><?xml version="1.0" encoding="utf-8"?>
+<p:sld xmlns:a="http://schemas.openxmlformats.org/drawingml/2006/main" xmlns:r="http://schemas.openxmlformats.org/officeDocument/2006/relationships" xmlns:p="http://schemas.openxmlformats.org/presentationml/2006/main">
+  <p:cSld>
+    <p:spTree>
+      <p:nvGrpSpPr>
+        <p:cNvPr id="1" name=""/>
+        <p:cNvGrpSpPr/>
+        <p:nvPr/>
+      </p:nvGrpSpPr>
+      <p:grpSpPr>
+        <a:xfrm>
+          <a:off x="0" y="0"/>
+          <a:ext cx="0" cy="0"/>
+          <a:chOff x="0" y="0"/>
+          <a:chExt cx="0" cy="0"/>
+        </a:xfrm>
+      </p:grpSpPr>
+      <p:grpSp>
+        <p:nvGrpSpPr>
+          <p:cNvPr id="4" name="Gruppieren 3">
+            <a:extLst>
+              <a:ext uri="{FF2B5EF4-FFF2-40B4-BE49-F238E27FC236}">
+                <a16:creationId xmlns:a16="http://schemas.microsoft.com/office/drawing/2014/main" id="{18D08059-8049-414A-B958-7A9841F3CD9A}"/>
+              </a:ext>
+            </a:extLst>
+          </p:cNvPr>
+          <p:cNvGrpSpPr/>
+          <p:nvPr/>
+        </p:nvGrpSpPr>
+        <p:grpSpPr>
+          <a:xfrm>
+            <a:off x="838200" y="6356350"/>
+            <a:ext cx="10515600" cy="365125"/>
+            <a:chOff x="838200" y="6356350"/>
+            <a:chExt cx="10515600" cy="365125"/>
+          </a:xfrm>
+        </p:grpSpPr>
+        <p:sp>
+          <p:nvSpPr>
+            <p:cNvPr id="5" name="Datumsplatzhalter 3">
+              <a:extLst>
+                <a:ext uri="{FF2B5EF4-FFF2-40B4-BE49-F238E27FC236}">
+                  <a16:creationId xmlns:a16="http://schemas.microsoft.com/office/drawing/2014/main" id="{3ABE0E0F-DB90-43F7-9B5F-C51CEB17F6B7}"/>
+                </a:ext>
+              </a:extLst>
+            </p:cNvPr>
+            <p:cNvSpPr txBox="1">
+              <a:spLocks/>
+            </p:cNvSpPr>
+            <p:nvPr/>
+          </p:nvSpPr>
+          <p:spPr>
+            <a:xfrm>
+              <a:off x="838200" y="6356350"/>
+              <a:ext cx="2743200" cy="365125"/>
+            </a:xfrm>
+            <a:prstGeom prst="rect">
+              <a:avLst/>
+            </a:prstGeom>
+          </p:spPr>
+          <p:txBody>
+            <a:bodyPr vert="horz" lIns="91440" tIns="45720" rIns="91440" bIns="45720" rtlCol="0" anchor="ctr"/>
+            <a:lstStyle>
+              <a:defPPr>
+                <a:defRPr lang="de-DE"/>
+              </a:defPPr>
+              <a:lvl1pPr marL="0" algn="l" defTabSz="914400" rtl="0" eaLnBrk="1" latinLnBrk="0" hangingPunct="1">
+                <a:defRPr sz="1200" kern="1200">
+                  <a:solidFill>
+                    <a:schemeClr val="tx1">
+                      <a:tint val="75000"/>
+                    </a:schemeClr>
+                  </a:solidFill>
+                  <a:latin typeface="+mn-lt"/>
+                  <a:ea typeface="+mn-ea"/>
+                  <a:cs typeface="+mn-cs"/>
+                </a:defRPr>
+              </a:lvl1pPr>
+              <a:lvl2pPr marL="457200" algn="l" defTabSz="914400" rtl="0" eaLnBrk="1" latinLnBrk="0" hangingPunct="1">
+                <a:defRPr sz="1800" kern="1200">
+                  <a:solidFill>
+                    <a:schemeClr val="tx1"/>
+                  </a:solidFill>
+                  <a:latin typeface="+mn-lt"/>
+                  <a:ea typeface="+mn-ea"/>
+                  <a:cs typeface="+mn-cs"/>
+                </a:defRPr>
+              </a:lvl2pPr>
+              <a:lvl3pPr marL="914400" algn="l" defTabSz="914400" rtl="0" eaLnBrk="1" latinLnBrk="0" hangingPunct="1">
+                <a:defRPr sz="1800" kern="1200">
+                  <a:solidFill>
+                    <a:schemeClr val="tx1"/>
+                  </a:solidFill>
+                  <a:latin typeface="+mn-lt"/>
+                  <a:ea typeface="+mn-ea"/>
+                  <a:cs typeface="+mn-cs"/>
+                </a:defRPr>
+              </a:lvl3pPr>
+              <a:lvl4pPr marL="1371600" algn="l" defTabSz="914400" rtl="0" eaLnBrk="1" latinLnBrk="0" hangingPunct="1">
+                <a:defRPr sz="1800" kern="1200">
+                  <a:solidFill>
+                    <a:schemeClr val="tx1"/>
+                  </a:solidFill>
+                  <a:latin typeface="+mn-lt"/>
+                  <a:ea typeface="+mn-ea"/>
+                  <a:cs typeface="+mn-cs"/>
+                </a:defRPr>
+              </a:lvl4pPr>
+              <a:lvl5pPr marL="1828800" algn="l" defTabSz="914400" rtl="0" eaLnBrk="1" latinLnBrk="0" hangingPunct="1">
+                <a:defRPr sz="1800" kern="1200">
+                  <a:solidFill>
+                    <a:schemeClr val="tx1"/>
+                  </a:solidFill>
+                  <a:latin typeface="+mn-lt"/>
+                  <a:ea typeface="+mn-ea"/>
+                  <a:cs typeface="+mn-cs"/>
+                </a:defRPr>
+              </a:lvl5pPr>
+              <a:lvl6pPr marL="2286000" algn="l" defTabSz="914400" rtl="0" eaLnBrk="1" latinLnBrk="0" hangingPunct="1">
+                <a:defRPr sz="1800" kern="1200">
+                  <a:solidFill>
+                    <a:schemeClr val="tx1"/>
+                  </a:solidFill>
+                  <a:latin typeface="+mn-lt"/>
+                  <a:ea typeface="+mn-ea"/>
+                  <a:cs typeface="+mn-cs"/>
+                </a:defRPr>
+              </a:lvl6pPr>
+              <a:lvl7pPr marL="2743200" algn="l" defTabSz="914400" rtl="0" eaLnBrk="1" latinLnBrk="0" hangingPunct="1">
+                <a:defRPr sz="1800" kern="1200">
+                  <a:solidFill>
+                    <a:schemeClr val="tx1"/>
+                  </a:solidFill>
+                  <a:latin typeface="+mn-lt"/>
+                  <a:ea typeface="+mn-ea"/>
+                  <a:cs typeface="+mn-cs"/>
+                </a:defRPr>
+              </a:lvl7pPr>
+              <a:lvl8pPr marL="3200400" algn="l" defTabSz="914400" rtl="0" eaLnBrk="1" latinLnBrk="0" hangingPunct="1">
+                <a:defRPr sz="1800" kern="1200">
+                  <a:solidFill>
+                    <a:schemeClr val="tx1"/>
+                  </a:solidFill>
+                  <a:latin typeface="+mn-lt"/>
+                  <a:ea typeface="+mn-ea"/>
+                  <a:cs typeface="+mn-cs"/>
+                </a:defRPr>
+              </a:lvl8pPr>
+              <a:lvl9pPr marL="3657600" algn="l" defTabSz="914400" rtl="0" eaLnBrk="1" latinLnBrk="0" hangingPunct="1">
+                <a:defRPr sz="1800" kern="1200">
+                  <a:solidFill>
+                    <a:schemeClr val="tx1"/>
+                  </a:solidFill>
+                  <a:latin typeface="+mn-lt"/>
+                  <a:ea typeface="+mn-ea"/>
+                  <a:cs typeface="+mn-cs"/>
+                </a:defRPr>
+              </a:lvl9pPr>
+            </a:lstStyle>
+            <a:p>
+              <a:fld id="{ABB89C0B-1ABD-444B-925C-4E47B2F277F6}" type="datetimeFigureOut">
+                <a:rPr lang="de-DE" smtClean="0"/>
+                <a:pPr/>
+                <a:t>22.07.2019</a:t>
+              </a:fld>
+              <a:endParaRPr lang="de-DE" dirty="0"/>
+            </a:p>
+          </p:txBody>
+        </p:sp>
+        <p:sp>
+          <p:nvSpPr>
+            <p:cNvPr id="6" name="Fußzeilenplatzhalter 4">
+              <a:extLst>
+                <a:ext uri="{FF2B5EF4-FFF2-40B4-BE49-F238E27FC236}">
+                  <a16:creationId xmlns:a16="http://schemas.microsoft.com/office/drawing/2014/main" id="{DB8FE8DA-BE41-429E-B7D1-4850CF5B4A71}"/>
+                </a:ext>
+              </a:extLst>
+            </p:cNvPr>
+            <p:cNvSpPr txBox="1">
+              <a:spLocks/>
+            </p:cNvSpPr>
+            <p:nvPr/>
+          </p:nvSpPr>
+          <p:spPr>
+            <a:xfrm>
+              <a:off x="3060932" y="6356350"/>
+              <a:ext cx="6070134" cy="365125"/>
+            </a:xfrm>
+            <a:prstGeom prst="rect">
+              <a:avLst/>
+            </a:prstGeom>
+          </p:spPr>
+          <p:txBody>
+            <a:bodyPr vert="horz" lIns="91440" tIns="45720" rIns="91440" bIns="45720" rtlCol="0" anchor="ctr"/>
+            <a:lstStyle>
+              <a:defPPr>
+                <a:defRPr lang="de-DE"/>
+              </a:defPPr>
+              <a:lvl1pPr marL="0" algn="ctr" defTabSz="914400" rtl="0" eaLnBrk="1" latinLnBrk="0" hangingPunct="1">
+                <a:defRPr sz="1200" kern="1200">
+                  <a:solidFill>
+                    <a:schemeClr val="tx1">
+                      <a:tint val="75000"/>
+                    </a:schemeClr>
+                  </a:solidFill>
+                  <a:latin typeface="+mn-lt"/>
+                  <a:ea typeface="+mn-ea"/>
+                  <a:cs typeface="+mn-cs"/>
+                </a:defRPr>
+              </a:lvl1pPr>
+              <a:lvl2pPr marL="457200" algn="l" defTabSz="914400" rtl="0" eaLnBrk="1" latinLnBrk="0" hangingPunct="1">
+                <a:defRPr sz="1800" kern="1200">
+                  <a:solidFill>
+                    <a:schemeClr val="tx1"/>
+                  </a:solidFill>
+                  <a:latin typeface="+mn-lt"/>
+                  <a:ea typeface="+mn-ea"/>
+                  <a:cs typeface="+mn-cs"/>
+                </a:defRPr>
+              </a:lvl2pPr>
+              <a:lvl3pPr marL="914400" algn="l" defTabSz="914400" rtl="0" eaLnBrk="1" latinLnBrk="0" hangingPunct="1">
+                <a:defRPr sz="1800" kern="1200">
+                  <a:solidFill>
+                    <a:schemeClr val="tx1"/>
+                  </a:solidFill>
+                  <a:latin typeface="+mn-lt"/>
+                  <a:ea typeface="+mn-ea"/>
+                  <a:cs typeface="+mn-cs"/>
+                </a:defRPr>
+              </a:lvl3pPr>
+              <a:lvl4pPr marL="1371600" algn="l" defTabSz="914400" rtl="0" eaLnBrk="1" latinLnBrk="0" hangingPunct="1">
+                <a:defRPr sz="1800" kern="1200">
+                  <a:solidFill>
+                    <a:schemeClr val="tx1"/>
+                  </a:solidFill>
+                  <a:latin typeface="+mn-lt"/>
+                  <a:ea typeface="+mn-ea"/>
+                  <a:cs typeface="+mn-cs"/>
+                </a:defRPr>
+              </a:lvl4pPr>
+              <a:lvl5pPr marL="1828800" algn="l" defTabSz="914400" rtl="0" eaLnBrk="1" latinLnBrk="0" hangingPunct="1">
+                <a:defRPr sz="1800" kern="1200">
+                  <a:solidFill>
+                    <a:schemeClr val="tx1"/>
+                  </a:solidFill>
+                  <a:latin typeface="+mn-lt"/>
+                  <a:ea typeface="+mn-ea"/>
+                  <a:cs typeface="+mn-cs"/>
+                </a:defRPr>
+              </a:lvl5pPr>
+              <a:lvl6pPr marL="2286000" algn="l" defTabSz="914400" rtl="0" eaLnBrk="1" latinLnBrk="0" hangingPunct="1">
+                <a:defRPr sz="1800" kern="1200">
+                  <a:solidFill>
+                    <a:schemeClr val="tx1"/>
+                  </a:solidFill>
+                  <a:latin typeface="+mn-lt"/>
+                  <a:ea typeface="+mn-ea"/>
+                  <a:cs typeface="+mn-cs"/>
+                </a:defRPr>
+              </a:lvl6pPr>
+              <a:lvl7pPr marL="2743200" algn="l" defTabSz="914400" rtl="0" eaLnBrk="1" latinLnBrk="0" hangingPunct="1">
+                <a:defRPr sz="1800" kern="1200">
+                  <a:solidFill>
+                    <a:schemeClr val="tx1"/>
+                  </a:solidFill>
+                  <a:latin typeface="+mn-lt"/>
+                  <a:ea typeface="+mn-ea"/>
+                  <a:cs typeface="+mn-cs"/>
+                </a:defRPr>
+              </a:lvl7pPr>
+              <a:lvl8pPr marL="3200400" algn="l" defTabSz="914400" rtl="0" eaLnBrk="1" latinLnBrk="0" hangingPunct="1">
+                <a:defRPr sz="1800" kern="1200">
+                  <a:solidFill>
+                    <a:schemeClr val="tx1"/>
+                  </a:solidFill>
+                  <a:latin typeface="+mn-lt"/>
+                  <a:ea typeface="+mn-ea"/>
+                  <a:cs typeface="+mn-cs"/>
+                </a:defRPr>
+              </a:lvl8pPr>
+              <a:lvl9pPr marL="3657600" algn="l" defTabSz="914400" rtl="0" eaLnBrk="1" latinLnBrk="0" hangingPunct="1">
+                <a:defRPr sz="1800" kern="1200">
+                  <a:solidFill>
+                    <a:schemeClr val="tx1"/>
+                  </a:solidFill>
+                  <a:latin typeface="+mn-lt"/>
+                  <a:ea typeface="+mn-ea"/>
+                  <a:cs typeface="+mn-cs"/>
+                </a:defRPr>
+              </a:lvl9pPr>
+            </a:lstStyle>
+            <a:p>
+              <a:r>
+                <a:rPr lang="de-DE" dirty="0"/>
+                <a:t>Praktikum Produktionstechnik</a:t>
+              </a:r>
+            </a:p>
+          </p:txBody>
+        </p:sp>
+        <p:sp>
+          <p:nvSpPr>
+            <p:cNvPr id="7" name="Foliennummernplatzhalter 5">
+              <a:extLst>
+                <a:ext uri="{FF2B5EF4-FFF2-40B4-BE49-F238E27FC236}">
+                  <a16:creationId xmlns:a16="http://schemas.microsoft.com/office/drawing/2014/main" id="{C08B045B-D202-4ECB-9910-D6EF3E5EE0D2}"/>
+                </a:ext>
+              </a:extLst>
+            </p:cNvPr>
+            <p:cNvSpPr txBox="1">
+              <a:spLocks/>
+            </p:cNvSpPr>
+            <p:nvPr/>
+          </p:nvSpPr>
+          <p:spPr>
+            <a:xfrm>
+              <a:off x="8610600" y="6356350"/>
+              <a:ext cx="2743200" cy="365125"/>
+            </a:xfrm>
+            <a:prstGeom prst="rect">
+              <a:avLst/>
+            </a:prstGeom>
+          </p:spPr>
+          <p:txBody>
+            <a:bodyPr vert="horz" lIns="91440" tIns="45720" rIns="91440" bIns="45720" rtlCol="0" anchor="ctr"/>
+            <a:lstStyle>
+              <a:defPPr>
+                <a:defRPr lang="de-DE"/>
+              </a:defPPr>
+              <a:lvl1pPr marL="0" algn="r" defTabSz="914400" rtl="0" eaLnBrk="1" latinLnBrk="0" hangingPunct="1">
+                <a:defRPr sz="1200" kern="1200">
+                  <a:solidFill>
+                    <a:schemeClr val="tx1">
+                      <a:tint val="75000"/>
+                    </a:schemeClr>
+                  </a:solidFill>
+                  <a:latin typeface="+mn-lt"/>
+                  <a:ea typeface="+mn-ea"/>
+                  <a:cs typeface="+mn-cs"/>
+                </a:defRPr>
+              </a:lvl1pPr>
+              <a:lvl2pPr marL="457200" algn="l" defTabSz="914400" rtl="0" eaLnBrk="1" latinLnBrk="0" hangingPunct="1">
+                <a:defRPr sz="1800" kern="1200">
+                  <a:solidFill>
+                    <a:schemeClr val="tx1"/>
+                  </a:solidFill>
+                  <a:latin typeface="+mn-lt"/>
+                  <a:ea typeface="+mn-ea"/>
+                  <a:cs typeface="+mn-cs"/>
+                </a:defRPr>
+              </a:lvl2pPr>
+              <a:lvl3pPr marL="914400" algn="l" defTabSz="914400" rtl="0" eaLnBrk="1" latinLnBrk="0" hangingPunct="1">
+                <a:defRPr sz="1800" kern="1200">
+                  <a:solidFill>
+                    <a:schemeClr val="tx1"/>
+                  </a:solidFill>
+                  <a:latin typeface="+mn-lt"/>
+                  <a:ea typeface="+mn-ea"/>
+                  <a:cs typeface="+mn-cs"/>
+                </a:defRPr>
+              </a:lvl3pPr>
+              <a:lvl4pPr marL="1371600" algn="l" defTabSz="914400" rtl="0" eaLnBrk="1" latinLnBrk="0" hangingPunct="1">
+                <a:defRPr sz="1800" kern="1200">
+                  <a:solidFill>
+                    <a:schemeClr val="tx1"/>
+                  </a:solidFill>
+                  <a:latin typeface="+mn-lt"/>
+                  <a:ea typeface="+mn-ea"/>
+                  <a:cs typeface="+mn-cs"/>
+                </a:defRPr>
+              </a:lvl4pPr>
+              <a:lvl5pPr marL="1828800" algn="l" defTabSz="914400" rtl="0" eaLnBrk="1" latinLnBrk="0" hangingPunct="1">
+                <a:defRPr sz="1800" kern="1200">
+                  <a:solidFill>
+                    <a:schemeClr val="tx1"/>
+                  </a:solidFill>
+                  <a:latin typeface="+mn-lt"/>
+                  <a:ea typeface="+mn-ea"/>
+                  <a:cs typeface="+mn-cs"/>
+                </a:defRPr>
+              </a:lvl5pPr>
+              <a:lvl6pPr marL="2286000" algn="l" defTabSz="914400" rtl="0" eaLnBrk="1" latinLnBrk="0" hangingPunct="1">
+                <a:defRPr sz="1800" kern="1200">
+                  <a:solidFill>
+                    <a:schemeClr val="tx1"/>
+                  </a:solidFill>
+                  <a:latin typeface="+mn-lt"/>
+                  <a:ea typeface="+mn-ea"/>
+                  <a:cs typeface="+mn-cs"/>
+                </a:defRPr>
+              </a:lvl6pPr>
+              <a:lvl7pPr marL="2743200" algn="l" defTabSz="914400" rtl="0" eaLnBrk="1" latinLnBrk="0" hangingPunct="1">
+                <a:defRPr sz="1800" kern="1200">
+                  <a:solidFill>
+                    <a:schemeClr val="tx1"/>
+                  </a:solidFill>
+                  <a:latin typeface="+mn-lt"/>
+                  <a:ea typeface="+mn-ea"/>
+                  <a:cs typeface="+mn-cs"/>
+                </a:defRPr>
+              </a:lvl7pPr>
+              <a:lvl8pPr marL="3200400" algn="l" defTabSz="914400" rtl="0" eaLnBrk="1" latinLnBrk="0" hangingPunct="1">
+                <a:defRPr sz="1800" kern="1200">
+                  <a:solidFill>
+                    <a:schemeClr val="tx1"/>
+                  </a:solidFill>
+                  <a:latin typeface="+mn-lt"/>
+                  <a:ea typeface="+mn-ea"/>
+                  <a:cs typeface="+mn-cs"/>
+                </a:defRPr>
+              </a:lvl8pPr>
+              <a:lvl9pPr marL="3657600" algn="l" defTabSz="914400" rtl="0" eaLnBrk="1" latinLnBrk="0" hangingPunct="1">
+                <a:defRPr sz="1800" kern="1200">
+                  <a:solidFill>
+                    <a:schemeClr val="tx1"/>
+                  </a:solidFill>
+                  <a:latin typeface="+mn-lt"/>
+                  <a:ea typeface="+mn-ea"/>
+                  <a:cs typeface="+mn-cs"/>
+                </a:defRPr>
+              </a:lvl9pPr>
+            </a:lstStyle>
+            <a:p>
+              <a:fld id="{75CEC8DD-A46B-4CAA-B4E1-6A1B652C2BF4}" type="slidenum">
+                <a:rPr lang="de-DE" smtClean="0"/>
+                <a:pPr/>
+                <a:t>20</a:t>
+              </a:fld>
+              <a:endParaRPr lang="de-DE"/>
+            </a:p>
+          </p:txBody>
+        </p:sp>
+      </p:grpSp>
+      <p:pic>
+        <p:nvPicPr>
+          <p:cNvPr id="8" name="Grafik 7" descr="Logo Ingenieursinformatik">
+            <a:extLst>
+              <a:ext uri="{FF2B5EF4-FFF2-40B4-BE49-F238E27FC236}">
+                <a16:creationId xmlns:a16="http://schemas.microsoft.com/office/drawing/2014/main" id="{F5868D2B-F5D2-47E8-8FD9-6D9B2986087D}"/>
+              </a:ext>
+            </a:extLst>
+          </p:cNvPr>
+          <p:cNvPicPr/>
+          <p:nvPr/>
+        </p:nvPicPr>
+        <p:blipFill>
+          <a:blip r:embed="rId2" cstate="print">
+            <a:extLst>
+              <a:ext uri="{28A0092B-C50C-407E-A947-70E740481C1C}">
+                <a14:useLocalDpi xmlns:a14="http://schemas.microsoft.com/office/drawing/2010/main" val="0"/>
+              </a:ext>
+            </a:extLst>
+          </a:blip>
+          <a:srcRect/>
+          <a:stretch>
+            <a:fillRect/>
+          </a:stretch>
+        </p:blipFill>
+        <p:spPr bwMode="auto">
+          <a:xfrm>
+            <a:off x="10178281" y="320040"/>
+            <a:ext cx="1692155" cy="924304"/>
+          </a:xfrm>
+          <a:prstGeom prst="rect">
+            <a:avLst/>
+          </a:prstGeom>
+          <a:noFill/>
+          <a:ln>
+            <a:noFill/>
+          </a:ln>
+        </p:spPr>
+      </p:pic>
+      <p:sp>
+        <p:nvSpPr>
+          <p:cNvPr id="12" name="Titel 1">
+            <a:extLst>
+              <a:ext uri="{FF2B5EF4-FFF2-40B4-BE49-F238E27FC236}">
+                <a16:creationId xmlns:a16="http://schemas.microsoft.com/office/drawing/2014/main" id="{E000FD21-03A8-4523-B088-D596EF47B706}"/>
+              </a:ext>
+            </a:extLst>
+          </p:cNvPr>
+          <p:cNvSpPr>
+            <a:spLocks noGrp="1"/>
+          </p:cNvSpPr>
+          <p:nvPr>
+            <p:ph type="title"/>
+          </p:nvPr>
+        </p:nvSpPr>
+        <p:spPr>
+          <a:xfrm>
+            <a:off x="838200" y="365125"/>
+            <a:ext cx="10515600" cy="1325563"/>
+          </a:xfrm>
+        </p:spPr>
+        <p:txBody>
+          <a:bodyPr>
+            <a:normAutofit/>
+          </a:bodyPr>
+          <a:lstStyle/>
+          <a:p>
+            <a:r>
+              <a:rPr lang="de-DE" sz="2800" b="1" dirty="0">
+                <a:solidFill>
+                  <a:srgbClr val="0070C0"/>
+                </a:solidFill>
+              </a:rPr>
+              <a:t>3.4 Test &amp; Validierung (Video)</a:t>
+            </a:r>
+            <a:endParaRPr lang="de-DE" sz="2800" b="1" i="1" dirty="0">
+              <a:solidFill>
+                <a:srgbClr val="0070C0"/>
+              </a:solidFill>
+            </a:endParaRPr>
+          </a:p>
+        </p:txBody>
+      </p:sp>
+    </p:spTree>
+    <p:extLst>
+      <p:ext uri="{BB962C8B-B14F-4D97-AF65-F5344CB8AC3E}">
+        <p14:creationId xmlns:p14="http://schemas.microsoft.com/office/powerpoint/2010/main" val="2302982158"/>
+      </p:ext>
+    </p:extLst>
+  </p:cSld>
+  <p:clrMapOvr>
+    <a:masterClrMapping/>
+  </p:clrMapOvr>
+</p:sld>
+</file>
+
+<file path=ppt/slides/slide21.xml><?xml version="1.0" encoding="utf-8"?>
+<p:sld xmlns:a="http://schemas.openxmlformats.org/drawingml/2006/main" xmlns:r="http://schemas.openxmlformats.org/officeDocument/2006/relationships" xmlns:p="http://schemas.openxmlformats.org/presentationml/2006/main">
+  <p:cSld>
+    <p:spTree>
+      <p:nvGrpSpPr>
+        <p:cNvPr id="1" name=""/>
+        <p:cNvGrpSpPr/>
+        <p:nvPr/>
+      </p:nvGrpSpPr>
+      <p:grpSpPr>
+        <a:xfrm>
+          <a:off x="0" y="0"/>
+          <a:ext cx="0" cy="0"/>
+          <a:chOff x="0" y="0"/>
+          <a:chExt cx="0" cy="0"/>
+        </a:xfrm>
+      </p:grpSpPr>
+      <p:grpSp>
+        <p:nvGrpSpPr>
+          <p:cNvPr id="4" name="Gruppieren 3">
+            <a:extLst>
+              <a:ext uri="{FF2B5EF4-FFF2-40B4-BE49-F238E27FC236}">
+                <a16:creationId xmlns:a16="http://schemas.microsoft.com/office/drawing/2014/main" id="{18D08059-8049-414A-B958-7A9841F3CD9A}"/>
+              </a:ext>
+            </a:extLst>
+          </p:cNvPr>
+          <p:cNvGrpSpPr/>
+          <p:nvPr/>
+        </p:nvGrpSpPr>
+        <p:grpSpPr>
+          <a:xfrm>
+            <a:off x="838200" y="6356350"/>
+            <a:ext cx="10515600" cy="365125"/>
+            <a:chOff x="838200" y="6356350"/>
+            <a:chExt cx="10515600" cy="365125"/>
+          </a:xfrm>
+        </p:grpSpPr>
+        <p:sp>
+          <p:nvSpPr>
+            <p:cNvPr id="5" name="Datumsplatzhalter 3">
+              <a:extLst>
+                <a:ext uri="{FF2B5EF4-FFF2-40B4-BE49-F238E27FC236}">
+                  <a16:creationId xmlns:a16="http://schemas.microsoft.com/office/drawing/2014/main" id="{3ABE0E0F-DB90-43F7-9B5F-C51CEB17F6B7}"/>
+                </a:ext>
+              </a:extLst>
+            </p:cNvPr>
+            <p:cNvSpPr txBox="1">
+              <a:spLocks/>
+            </p:cNvSpPr>
+            <p:nvPr/>
+          </p:nvSpPr>
+          <p:spPr>
+            <a:xfrm>
+              <a:off x="838200" y="6356350"/>
+              <a:ext cx="2743200" cy="365125"/>
+            </a:xfrm>
+            <a:prstGeom prst="rect">
+              <a:avLst/>
+            </a:prstGeom>
+          </p:spPr>
+          <p:txBody>
+            <a:bodyPr vert="horz" lIns="91440" tIns="45720" rIns="91440" bIns="45720" rtlCol="0" anchor="ctr"/>
+            <a:lstStyle>
+              <a:defPPr>
+                <a:defRPr lang="de-DE"/>
+              </a:defPPr>
+              <a:lvl1pPr marL="0" algn="l" defTabSz="914400" rtl="0" eaLnBrk="1" latinLnBrk="0" hangingPunct="1">
+                <a:defRPr sz="1200" kern="1200">
+                  <a:solidFill>
+                    <a:schemeClr val="tx1">
+                      <a:tint val="75000"/>
+                    </a:schemeClr>
+                  </a:solidFill>
+                  <a:latin typeface="+mn-lt"/>
+                  <a:ea typeface="+mn-ea"/>
+                  <a:cs typeface="+mn-cs"/>
+                </a:defRPr>
+              </a:lvl1pPr>
+              <a:lvl2pPr marL="457200" algn="l" defTabSz="914400" rtl="0" eaLnBrk="1" latinLnBrk="0" hangingPunct="1">
+                <a:defRPr sz="1800" kern="1200">
+                  <a:solidFill>
+                    <a:schemeClr val="tx1"/>
+                  </a:solidFill>
+                  <a:latin typeface="+mn-lt"/>
+                  <a:ea typeface="+mn-ea"/>
+                  <a:cs typeface="+mn-cs"/>
+                </a:defRPr>
+              </a:lvl2pPr>
+              <a:lvl3pPr marL="914400" algn="l" defTabSz="914400" rtl="0" eaLnBrk="1" latinLnBrk="0" hangingPunct="1">
+                <a:defRPr sz="1800" kern="1200">
+                  <a:solidFill>
+                    <a:schemeClr val="tx1"/>
+                  </a:solidFill>
+                  <a:latin typeface="+mn-lt"/>
+                  <a:ea typeface="+mn-ea"/>
+                  <a:cs typeface="+mn-cs"/>
+                </a:defRPr>
+              </a:lvl3pPr>
+              <a:lvl4pPr marL="1371600" algn="l" defTabSz="914400" rtl="0" eaLnBrk="1" latinLnBrk="0" hangingPunct="1">
+                <a:defRPr sz="1800" kern="1200">
+                  <a:solidFill>
+                    <a:schemeClr val="tx1"/>
+                  </a:solidFill>
+                  <a:latin typeface="+mn-lt"/>
+                  <a:ea typeface="+mn-ea"/>
+                  <a:cs typeface="+mn-cs"/>
+                </a:defRPr>
+              </a:lvl4pPr>
+              <a:lvl5pPr marL="1828800" algn="l" defTabSz="914400" rtl="0" eaLnBrk="1" latinLnBrk="0" hangingPunct="1">
+                <a:defRPr sz="1800" kern="1200">
+                  <a:solidFill>
+                    <a:schemeClr val="tx1"/>
+                  </a:solidFill>
+                  <a:latin typeface="+mn-lt"/>
+                  <a:ea typeface="+mn-ea"/>
+                  <a:cs typeface="+mn-cs"/>
+                </a:defRPr>
+              </a:lvl5pPr>
+              <a:lvl6pPr marL="2286000" algn="l" defTabSz="914400" rtl="0" eaLnBrk="1" latinLnBrk="0" hangingPunct="1">
+                <a:defRPr sz="1800" kern="1200">
+                  <a:solidFill>
+                    <a:schemeClr val="tx1"/>
+                  </a:solidFill>
+                  <a:latin typeface="+mn-lt"/>
+                  <a:ea typeface="+mn-ea"/>
+                  <a:cs typeface="+mn-cs"/>
+                </a:defRPr>
+              </a:lvl6pPr>
+              <a:lvl7pPr marL="2743200" algn="l" defTabSz="914400" rtl="0" eaLnBrk="1" latinLnBrk="0" hangingPunct="1">
+                <a:defRPr sz="1800" kern="1200">
+                  <a:solidFill>
+                    <a:schemeClr val="tx1"/>
+                  </a:solidFill>
+                  <a:latin typeface="+mn-lt"/>
+                  <a:ea typeface="+mn-ea"/>
+                  <a:cs typeface="+mn-cs"/>
+                </a:defRPr>
+              </a:lvl7pPr>
+              <a:lvl8pPr marL="3200400" algn="l" defTabSz="914400" rtl="0" eaLnBrk="1" latinLnBrk="0" hangingPunct="1">
+                <a:defRPr sz="1800" kern="1200">
+                  <a:solidFill>
+                    <a:schemeClr val="tx1"/>
+                  </a:solidFill>
+                  <a:latin typeface="+mn-lt"/>
+                  <a:ea typeface="+mn-ea"/>
+                  <a:cs typeface="+mn-cs"/>
+                </a:defRPr>
+              </a:lvl8pPr>
+              <a:lvl9pPr marL="3657600" algn="l" defTabSz="914400" rtl="0" eaLnBrk="1" latinLnBrk="0" hangingPunct="1">
+                <a:defRPr sz="1800" kern="1200">
+                  <a:solidFill>
+                    <a:schemeClr val="tx1"/>
+                  </a:solidFill>
+                  <a:latin typeface="+mn-lt"/>
+                  <a:ea typeface="+mn-ea"/>
+                  <a:cs typeface="+mn-cs"/>
+                </a:defRPr>
+              </a:lvl9pPr>
+            </a:lstStyle>
+            <a:p>
+              <a:fld id="{ABB89C0B-1ABD-444B-925C-4E47B2F277F6}" type="datetimeFigureOut">
+                <a:rPr lang="de-DE" smtClean="0"/>
+                <a:pPr/>
+                <a:t>22.07.2019</a:t>
+              </a:fld>
+              <a:endParaRPr lang="de-DE" dirty="0"/>
+            </a:p>
+          </p:txBody>
+        </p:sp>
+        <p:sp>
+          <p:nvSpPr>
+            <p:cNvPr id="6" name="Fußzeilenplatzhalter 4">
+              <a:extLst>
+                <a:ext uri="{FF2B5EF4-FFF2-40B4-BE49-F238E27FC236}">
+                  <a16:creationId xmlns:a16="http://schemas.microsoft.com/office/drawing/2014/main" id="{DB8FE8DA-BE41-429E-B7D1-4850CF5B4A71}"/>
+                </a:ext>
+              </a:extLst>
+            </p:cNvPr>
+            <p:cNvSpPr txBox="1">
+              <a:spLocks/>
+            </p:cNvSpPr>
+            <p:nvPr/>
+          </p:nvSpPr>
+          <p:spPr>
+            <a:xfrm>
+              <a:off x="3060932" y="6356350"/>
+              <a:ext cx="6070134" cy="365125"/>
+            </a:xfrm>
+            <a:prstGeom prst="rect">
+              <a:avLst/>
+            </a:prstGeom>
+          </p:spPr>
+          <p:txBody>
+            <a:bodyPr vert="horz" lIns="91440" tIns="45720" rIns="91440" bIns="45720" rtlCol="0" anchor="ctr"/>
+            <a:lstStyle>
+              <a:defPPr>
+                <a:defRPr lang="de-DE"/>
+              </a:defPPr>
+              <a:lvl1pPr marL="0" algn="ctr" defTabSz="914400" rtl="0" eaLnBrk="1" latinLnBrk="0" hangingPunct="1">
+                <a:defRPr sz="1200" kern="1200">
+                  <a:solidFill>
+                    <a:schemeClr val="tx1">
+                      <a:tint val="75000"/>
+                    </a:schemeClr>
+                  </a:solidFill>
+                  <a:latin typeface="+mn-lt"/>
+                  <a:ea typeface="+mn-ea"/>
+                  <a:cs typeface="+mn-cs"/>
+                </a:defRPr>
+              </a:lvl1pPr>
+              <a:lvl2pPr marL="457200" algn="l" defTabSz="914400" rtl="0" eaLnBrk="1" latinLnBrk="0" hangingPunct="1">
+                <a:defRPr sz="1800" kern="1200">
+                  <a:solidFill>
+                    <a:schemeClr val="tx1"/>
+                  </a:solidFill>
+                  <a:latin typeface="+mn-lt"/>
+                  <a:ea typeface="+mn-ea"/>
+                  <a:cs typeface="+mn-cs"/>
+                </a:defRPr>
+              </a:lvl2pPr>
+              <a:lvl3pPr marL="914400" algn="l" defTabSz="914400" rtl="0" eaLnBrk="1" latinLnBrk="0" hangingPunct="1">
+                <a:defRPr sz="1800" kern="1200">
+                  <a:solidFill>
+                    <a:schemeClr val="tx1"/>
+                  </a:solidFill>
+                  <a:latin typeface="+mn-lt"/>
+                  <a:ea typeface="+mn-ea"/>
+                  <a:cs typeface="+mn-cs"/>
+                </a:defRPr>
+              </a:lvl3pPr>
+              <a:lvl4pPr marL="1371600" algn="l" defTabSz="914400" rtl="0" eaLnBrk="1" latinLnBrk="0" hangingPunct="1">
+                <a:defRPr sz="1800" kern="1200">
+                  <a:solidFill>
+                    <a:schemeClr val="tx1"/>
+                  </a:solidFill>
+                  <a:latin typeface="+mn-lt"/>
+                  <a:ea typeface="+mn-ea"/>
+                  <a:cs typeface="+mn-cs"/>
+                </a:defRPr>
+              </a:lvl4pPr>
+              <a:lvl5pPr marL="1828800" algn="l" defTabSz="914400" rtl="0" eaLnBrk="1" latinLnBrk="0" hangingPunct="1">
+                <a:defRPr sz="1800" kern="1200">
+                  <a:solidFill>
+                    <a:schemeClr val="tx1"/>
+                  </a:solidFill>
+                  <a:latin typeface="+mn-lt"/>
+                  <a:ea typeface="+mn-ea"/>
+                  <a:cs typeface="+mn-cs"/>
+                </a:defRPr>
+              </a:lvl5pPr>
+              <a:lvl6pPr marL="2286000" algn="l" defTabSz="914400" rtl="0" eaLnBrk="1" latinLnBrk="0" hangingPunct="1">
+                <a:defRPr sz="1800" kern="1200">
+                  <a:solidFill>
+                    <a:schemeClr val="tx1"/>
+                  </a:solidFill>
+                  <a:latin typeface="+mn-lt"/>
+                  <a:ea typeface="+mn-ea"/>
+                  <a:cs typeface="+mn-cs"/>
+                </a:defRPr>
+              </a:lvl6pPr>
+              <a:lvl7pPr marL="2743200" algn="l" defTabSz="914400" rtl="0" eaLnBrk="1" latinLnBrk="0" hangingPunct="1">
+                <a:defRPr sz="1800" kern="1200">
+                  <a:solidFill>
+                    <a:schemeClr val="tx1"/>
+                  </a:solidFill>
+                  <a:latin typeface="+mn-lt"/>
+                  <a:ea typeface="+mn-ea"/>
+                  <a:cs typeface="+mn-cs"/>
+                </a:defRPr>
+              </a:lvl7pPr>
+              <a:lvl8pPr marL="3200400" algn="l" defTabSz="914400" rtl="0" eaLnBrk="1" latinLnBrk="0" hangingPunct="1">
+                <a:defRPr sz="1800" kern="1200">
+                  <a:solidFill>
+                    <a:schemeClr val="tx1"/>
+                  </a:solidFill>
+                  <a:latin typeface="+mn-lt"/>
+                  <a:ea typeface="+mn-ea"/>
+                  <a:cs typeface="+mn-cs"/>
+                </a:defRPr>
+              </a:lvl8pPr>
+              <a:lvl9pPr marL="3657600" algn="l" defTabSz="914400" rtl="0" eaLnBrk="1" latinLnBrk="0" hangingPunct="1">
+                <a:defRPr sz="1800" kern="1200">
+                  <a:solidFill>
+                    <a:schemeClr val="tx1"/>
+                  </a:solidFill>
+                  <a:latin typeface="+mn-lt"/>
+                  <a:ea typeface="+mn-ea"/>
+                  <a:cs typeface="+mn-cs"/>
+                </a:defRPr>
+              </a:lvl9pPr>
+            </a:lstStyle>
+            <a:p>
+              <a:r>
+                <a:rPr lang="de-DE" dirty="0"/>
+                <a:t>Praktikum Produktionstechnik</a:t>
+              </a:r>
+            </a:p>
+          </p:txBody>
+        </p:sp>
+        <p:sp>
+          <p:nvSpPr>
+            <p:cNvPr id="7" name="Foliennummernplatzhalter 5">
+              <a:extLst>
+                <a:ext uri="{FF2B5EF4-FFF2-40B4-BE49-F238E27FC236}">
+                  <a16:creationId xmlns:a16="http://schemas.microsoft.com/office/drawing/2014/main" id="{C08B045B-D202-4ECB-9910-D6EF3E5EE0D2}"/>
+                </a:ext>
+              </a:extLst>
+            </p:cNvPr>
+            <p:cNvSpPr txBox="1">
+              <a:spLocks/>
+            </p:cNvSpPr>
+            <p:nvPr/>
+          </p:nvSpPr>
+          <p:spPr>
+            <a:xfrm>
+              <a:off x="8610600" y="6356350"/>
+              <a:ext cx="2743200" cy="365125"/>
+            </a:xfrm>
+            <a:prstGeom prst="rect">
+              <a:avLst/>
+            </a:prstGeom>
+          </p:spPr>
+          <p:txBody>
+            <a:bodyPr vert="horz" lIns="91440" tIns="45720" rIns="91440" bIns="45720" rtlCol="0" anchor="ctr"/>
+            <a:lstStyle>
+              <a:defPPr>
+                <a:defRPr lang="de-DE"/>
+              </a:defPPr>
+              <a:lvl1pPr marL="0" algn="r" defTabSz="914400" rtl="0" eaLnBrk="1" latinLnBrk="0" hangingPunct="1">
+                <a:defRPr sz="1200" kern="1200">
+                  <a:solidFill>
+                    <a:schemeClr val="tx1">
+                      <a:tint val="75000"/>
+                    </a:schemeClr>
+                  </a:solidFill>
+                  <a:latin typeface="+mn-lt"/>
+                  <a:ea typeface="+mn-ea"/>
+                  <a:cs typeface="+mn-cs"/>
+                </a:defRPr>
+              </a:lvl1pPr>
+              <a:lvl2pPr marL="457200" algn="l" defTabSz="914400" rtl="0" eaLnBrk="1" latinLnBrk="0" hangingPunct="1">
+                <a:defRPr sz="1800" kern="1200">
+                  <a:solidFill>
+                    <a:schemeClr val="tx1"/>
+                  </a:solidFill>
+                  <a:latin typeface="+mn-lt"/>
+                  <a:ea typeface="+mn-ea"/>
+                  <a:cs typeface="+mn-cs"/>
+                </a:defRPr>
+              </a:lvl2pPr>
+              <a:lvl3pPr marL="914400" algn="l" defTabSz="914400" rtl="0" eaLnBrk="1" latinLnBrk="0" hangingPunct="1">
+                <a:defRPr sz="1800" kern="1200">
+                  <a:solidFill>
+                    <a:schemeClr val="tx1"/>
+                  </a:solidFill>
+                  <a:latin typeface="+mn-lt"/>
+                  <a:ea typeface="+mn-ea"/>
+                  <a:cs typeface="+mn-cs"/>
+                </a:defRPr>
+              </a:lvl3pPr>
+              <a:lvl4pPr marL="1371600" algn="l" defTabSz="914400" rtl="0" eaLnBrk="1" latinLnBrk="0" hangingPunct="1">
+                <a:defRPr sz="1800" kern="1200">
+                  <a:solidFill>
+                    <a:schemeClr val="tx1"/>
+                  </a:solidFill>
+                  <a:latin typeface="+mn-lt"/>
+                  <a:ea typeface="+mn-ea"/>
+                  <a:cs typeface="+mn-cs"/>
+                </a:defRPr>
+              </a:lvl4pPr>
+              <a:lvl5pPr marL="1828800" algn="l" defTabSz="914400" rtl="0" eaLnBrk="1" latinLnBrk="0" hangingPunct="1">
+                <a:defRPr sz="1800" kern="1200">
+                  <a:solidFill>
+                    <a:schemeClr val="tx1"/>
+                  </a:solidFill>
+                  <a:latin typeface="+mn-lt"/>
+                  <a:ea typeface="+mn-ea"/>
+                  <a:cs typeface="+mn-cs"/>
+                </a:defRPr>
+              </a:lvl5pPr>
+              <a:lvl6pPr marL="2286000" algn="l" defTabSz="914400" rtl="0" eaLnBrk="1" latinLnBrk="0" hangingPunct="1">
+                <a:defRPr sz="1800" kern="1200">
+                  <a:solidFill>
+                    <a:schemeClr val="tx1"/>
+                  </a:solidFill>
+                  <a:latin typeface="+mn-lt"/>
+                  <a:ea typeface="+mn-ea"/>
+                  <a:cs typeface="+mn-cs"/>
+                </a:defRPr>
+              </a:lvl6pPr>
+              <a:lvl7pPr marL="2743200" algn="l" defTabSz="914400" rtl="0" eaLnBrk="1" latinLnBrk="0" hangingPunct="1">
+                <a:defRPr sz="1800" kern="1200">
+                  <a:solidFill>
+                    <a:schemeClr val="tx1"/>
+                  </a:solidFill>
+                  <a:latin typeface="+mn-lt"/>
+                  <a:ea typeface="+mn-ea"/>
+                  <a:cs typeface="+mn-cs"/>
+                </a:defRPr>
+              </a:lvl7pPr>
+              <a:lvl8pPr marL="3200400" algn="l" defTabSz="914400" rtl="0" eaLnBrk="1" latinLnBrk="0" hangingPunct="1">
+                <a:defRPr sz="1800" kern="1200">
+                  <a:solidFill>
+                    <a:schemeClr val="tx1"/>
+                  </a:solidFill>
+                  <a:latin typeface="+mn-lt"/>
+                  <a:ea typeface="+mn-ea"/>
+                  <a:cs typeface="+mn-cs"/>
+                </a:defRPr>
+              </a:lvl8pPr>
+              <a:lvl9pPr marL="3657600" algn="l" defTabSz="914400" rtl="0" eaLnBrk="1" latinLnBrk="0" hangingPunct="1">
+                <a:defRPr sz="1800" kern="1200">
+                  <a:solidFill>
+                    <a:schemeClr val="tx1"/>
+                  </a:solidFill>
+                  <a:latin typeface="+mn-lt"/>
+                  <a:ea typeface="+mn-ea"/>
+                  <a:cs typeface="+mn-cs"/>
+                </a:defRPr>
+              </a:lvl9pPr>
+            </a:lstStyle>
+            <a:p>
+              <a:fld id="{75CEC8DD-A46B-4CAA-B4E1-6A1B652C2BF4}" type="slidenum">
+                <a:rPr lang="de-DE" smtClean="0"/>
+                <a:pPr/>
+                <a:t>21</a:t>
+              </a:fld>
+              <a:endParaRPr lang="de-DE"/>
+            </a:p>
+          </p:txBody>
+        </p:sp>
+      </p:grpSp>
+      <p:pic>
+        <p:nvPicPr>
+          <p:cNvPr id="8" name="Grafik 7" descr="Logo Ingenieursinformatik">
+            <a:extLst>
+              <a:ext uri="{FF2B5EF4-FFF2-40B4-BE49-F238E27FC236}">
+                <a16:creationId xmlns:a16="http://schemas.microsoft.com/office/drawing/2014/main" id="{F5868D2B-F5D2-47E8-8FD9-6D9B2986087D}"/>
+              </a:ext>
+            </a:extLst>
+          </p:cNvPr>
+          <p:cNvPicPr/>
+          <p:nvPr/>
+        </p:nvPicPr>
+        <p:blipFill>
+          <a:blip r:embed="rId2" cstate="print">
+            <a:extLst>
+              <a:ext uri="{28A0092B-C50C-407E-A947-70E740481C1C}">
+                <a14:useLocalDpi xmlns:a14="http://schemas.microsoft.com/office/drawing/2010/main" val="0"/>
+              </a:ext>
+            </a:extLst>
+          </a:blip>
+          <a:srcRect/>
+          <a:stretch>
+            <a:fillRect/>
+          </a:stretch>
+        </p:blipFill>
+        <p:spPr bwMode="auto">
+          <a:xfrm>
+            <a:off x="10178281" y="320040"/>
+            <a:ext cx="1692155" cy="924304"/>
+          </a:xfrm>
+          <a:prstGeom prst="rect">
+            <a:avLst/>
+          </a:prstGeom>
+          <a:noFill/>
+          <a:ln>
+            <a:noFill/>
+          </a:ln>
+        </p:spPr>
+      </p:pic>
+      <p:sp>
+        <p:nvSpPr>
+          <p:cNvPr id="12" name="Titel 1">
+            <a:extLst>
+              <a:ext uri="{FF2B5EF4-FFF2-40B4-BE49-F238E27FC236}">
+                <a16:creationId xmlns:a16="http://schemas.microsoft.com/office/drawing/2014/main" id="{E000FD21-03A8-4523-B088-D596EF47B706}"/>
+              </a:ext>
+            </a:extLst>
+          </p:cNvPr>
+          <p:cNvSpPr>
+            <a:spLocks noGrp="1"/>
+          </p:cNvSpPr>
+          <p:nvPr>
+            <p:ph type="title"/>
+          </p:nvPr>
+        </p:nvSpPr>
+        <p:spPr>
+          <a:xfrm>
+            <a:off x="838200" y="365125"/>
+            <a:ext cx="10515600" cy="1325563"/>
+          </a:xfrm>
+        </p:spPr>
+        <p:txBody>
+          <a:bodyPr>
+            <a:normAutofit/>
+          </a:bodyPr>
+          <a:lstStyle/>
+          <a:p>
+            <a:r>
+              <a:rPr lang="de-DE" sz="2800" b="1" dirty="0">
+                <a:solidFill>
+                  <a:srgbClr val="0070C0"/>
+                </a:solidFill>
+              </a:rPr>
+              <a:t>4. Erweiterungsmöglichkeiten</a:t>
+            </a:r>
+            <a:endParaRPr lang="de-DE" sz="2800" b="1" i="1" dirty="0">
+              <a:solidFill>
+                <a:srgbClr val="0070C0"/>
+              </a:solidFill>
+            </a:endParaRPr>
+          </a:p>
+        </p:txBody>
+      </p:sp>
+    </p:spTree>
+    <p:extLst>
+      <p:ext uri="{BB962C8B-B14F-4D97-AF65-F5344CB8AC3E}">
+        <p14:creationId xmlns:p14="http://schemas.microsoft.com/office/powerpoint/2010/main" val="1089435784"/>
+      </p:ext>
+    </p:extLst>
+  </p:cSld>
+  <p:clrMapOvr>
+    <a:masterClrMapping/>
+  </p:clrMapOvr>
+</p:sld>
+</file>
+
+<file path=ppt/slides/slide22.xml><?xml version="1.0" encoding="utf-8"?>
+<p:sld xmlns:a="http://schemas.openxmlformats.org/drawingml/2006/main" xmlns:r="http://schemas.openxmlformats.org/officeDocument/2006/relationships" xmlns:p="http://schemas.openxmlformats.org/presentationml/2006/main">
+  <p:cSld>
+    <p:spTree>
+      <p:nvGrpSpPr>
+        <p:cNvPr id="1" name=""/>
+        <p:cNvGrpSpPr/>
+        <p:nvPr/>
+      </p:nvGrpSpPr>
+      <p:grpSpPr>
+        <a:xfrm>
+          <a:off x="0" y="0"/>
+          <a:ext cx="0" cy="0"/>
+          <a:chOff x="0" y="0"/>
+          <a:chExt cx="0" cy="0"/>
+        </a:xfrm>
+      </p:grpSpPr>
+      <p:grpSp>
+        <p:nvGrpSpPr>
+          <p:cNvPr id="4" name="Gruppieren 3">
+            <a:extLst>
+              <a:ext uri="{FF2B5EF4-FFF2-40B4-BE49-F238E27FC236}">
+                <a16:creationId xmlns:a16="http://schemas.microsoft.com/office/drawing/2014/main" id="{18D08059-8049-414A-B958-7A9841F3CD9A}"/>
+              </a:ext>
+            </a:extLst>
+          </p:cNvPr>
+          <p:cNvGrpSpPr/>
+          <p:nvPr/>
+        </p:nvGrpSpPr>
+        <p:grpSpPr>
+          <a:xfrm>
+            <a:off x="838200" y="6356350"/>
+            <a:ext cx="10515600" cy="365125"/>
+            <a:chOff x="838200" y="6356350"/>
+            <a:chExt cx="10515600" cy="365125"/>
+          </a:xfrm>
+        </p:grpSpPr>
+        <p:sp>
+          <p:nvSpPr>
+            <p:cNvPr id="5" name="Datumsplatzhalter 3">
+              <a:extLst>
+                <a:ext uri="{FF2B5EF4-FFF2-40B4-BE49-F238E27FC236}">
+                  <a16:creationId xmlns:a16="http://schemas.microsoft.com/office/drawing/2014/main" id="{3ABE0E0F-DB90-43F7-9B5F-C51CEB17F6B7}"/>
+                </a:ext>
+              </a:extLst>
+            </p:cNvPr>
+            <p:cNvSpPr txBox="1">
+              <a:spLocks/>
+            </p:cNvSpPr>
+            <p:nvPr/>
+          </p:nvSpPr>
+          <p:spPr>
+            <a:xfrm>
+              <a:off x="838200" y="6356350"/>
+              <a:ext cx="2743200" cy="365125"/>
+            </a:xfrm>
+            <a:prstGeom prst="rect">
+              <a:avLst/>
+            </a:prstGeom>
+          </p:spPr>
+          <p:txBody>
+            <a:bodyPr vert="horz" lIns="91440" tIns="45720" rIns="91440" bIns="45720" rtlCol="0" anchor="ctr"/>
+            <a:lstStyle>
+              <a:defPPr>
+                <a:defRPr lang="de-DE"/>
+              </a:defPPr>
+              <a:lvl1pPr marL="0" algn="l" defTabSz="914400" rtl="0" eaLnBrk="1" latinLnBrk="0" hangingPunct="1">
+                <a:defRPr sz="1200" kern="1200">
+                  <a:solidFill>
+                    <a:schemeClr val="tx1">
+                      <a:tint val="75000"/>
+                    </a:schemeClr>
+                  </a:solidFill>
+                  <a:latin typeface="+mn-lt"/>
+                  <a:ea typeface="+mn-ea"/>
+                  <a:cs typeface="+mn-cs"/>
+                </a:defRPr>
+              </a:lvl1pPr>
+              <a:lvl2pPr marL="457200" algn="l" defTabSz="914400" rtl="0" eaLnBrk="1" latinLnBrk="0" hangingPunct="1">
+                <a:defRPr sz="1800" kern="1200">
+                  <a:solidFill>
+                    <a:schemeClr val="tx1"/>
+                  </a:solidFill>
+                  <a:latin typeface="+mn-lt"/>
+                  <a:ea typeface="+mn-ea"/>
+                  <a:cs typeface="+mn-cs"/>
+                </a:defRPr>
+              </a:lvl2pPr>
+              <a:lvl3pPr marL="914400" algn="l" defTabSz="914400" rtl="0" eaLnBrk="1" latinLnBrk="0" hangingPunct="1">
+                <a:defRPr sz="1800" kern="1200">
+                  <a:solidFill>
+                    <a:schemeClr val="tx1"/>
+                  </a:solidFill>
+                  <a:latin typeface="+mn-lt"/>
+                  <a:ea typeface="+mn-ea"/>
+                  <a:cs typeface="+mn-cs"/>
+                </a:defRPr>
+              </a:lvl3pPr>
+              <a:lvl4pPr marL="1371600" algn="l" defTabSz="914400" rtl="0" eaLnBrk="1" latinLnBrk="0" hangingPunct="1">
+                <a:defRPr sz="1800" kern="1200">
+                  <a:solidFill>
+                    <a:schemeClr val="tx1"/>
+                  </a:solidFill>
+                  <a:latin typeface="+mn-lt"/>
+                  <a:ea typeface="+mn-ea"/>
+                  <a:cs typeface="+mn-cs"/>
+                </a:defRPr>
+              </a:lvl4pPr>
+              <a:lvl5pPr marL="1828800" algn="l" defTabSz="914400" rtl="0" eaLnBrk="1" latinLnBrk="0" hangingPunct="1">
+                <a:defRPr sz="1800" kern="1200">
+                  <a:solidFill>
+                    <a:schemeClr val="tx1"/>
+                  </a:solidFill>
+                  <a:latin typeface="+mn-lt"/>
+                  <a:ea typeface="+mn-ea"/>
+                  <a:cs typeface="+mn-cs"/>
+                </a:defRPr>
+              </a:lvl5pPr>
+              <a:lvl6pPr marL="2286000" algn="l" defTabSz="914400" rtl="0" eaLnBrk="1" latinLnBrk="0" hangingPunct="1">
+                <a:defRPr sz="1800" kern="1200">
+                  <a:solidFill>
+                    <a:schemeClr val="tx1"/>
+                  </a:solidFill>
+                  <a:latin typeface="+mn-lt"/>
+                  <a:ea typeface="+mn-ea"/>
+                  <a:cs typeface="+mn-cs"/>
+                </a:defRPr>
+              </a:lvl6pPr>
+              <a:lvl7pPr marL="2743200" algn="l" defTabSz="914400" rtl="0" eaLnBrk="1" latinLnBrk="0" hangingPunct="1">
+                <a:defRPr sz="1800" kern="1200">
+                  <a:solidFill>
+                    <a:schemeClr val="tx1"/>
+                  </a:solidFill>
+                  <a:latin typeface="+mn-lt"/>
+                  <a:ea typeface="+mn-ea"/>
+                  <a:cs typeface="+mn-cs"/>
+                </a:defRPr>
+              </a:lvl7pPr>
+              <a:lvl8pPr marL="3200400" algn="l" defTabSz="914400" rtl="0" eaLnBrk="1" latinLnBrk="0" hangingPunct="1">
+                <a:defRPr sz="1800" kern="1200">
+                  <a:solidFill>
+                    <a:schemeClr val="tx1"/>
+                  </a:solidFill>
+                  <a:latin typeface="+mn-lt"/>
+                  <a:ea typeface="+mn-ea"/>
+                  <a:cs typeface="+mn-cs"/>
+                </a:defRPr>
+              </a:lvl8pPr>
+              <a:lvl9pPr marL="3657600" algn="l" defTabSz="914400" rtl="0" eaLnBrk="1" latinLnBrk="0" hangingPunct="1">
+                <a:defRPr sz="1800" kern="1200">
+                  <a:solidFill>
+                    <a:schemeClr val="tx1"/>
+                  </a:solidFill>
+                  <a:latin typeface="+mn-lt"/>
+                  <a:ea typeface="+mn-ea"/>
+                  <a:cs typeface="+mn-cs"/>
+                </a:defRPr>
+              </a:lvl9pPr>
+            </a:lstStyle>
+            <a:p>
+              <a:fld id="{ABB89C0B-1ABD-444B-925C-4E47B2F277F6}" type="datetimeFigureOut">
+                <a:rPr lang="de-DE" smtClean="0"/>
+                <a:pPr/>
+                <a:t>22.07.2019</a:t>
+              </a:fld>
+              <a:endParaRPr lang="de-DE" dirty="0"/>
+            </a:p>
+          </p:txBody>
+        </p:sp>
+        <p:sp>
+          <p:nvSpPr>
+            <p:cNvPr id="6" name="Fußzeilenplatzhalter 4">
+              <a:extLst>
+                <a:ext uri="{FF2B5EF4-FFF2-40B4-BE49-F238E27FC236}">
+                  <a16:creationId xmlns:a16="http://schemas.microsoft.com/office/drawing/2014/main" id="{DB8FE8DA-BE41-429E-B7D1-4850CF5B4A71}"/>
+                </a:ext>
+              </a:extLst>
+            </p:cNvPr>
+            <p:cNvSpPr txBox="1">
+              <a:spLocks/>
+            </p:cNvSpPr>
+            <p:nvPr/>
+          </p:nvSpPr>
+          <p:spPr>
+            <a:xfrm>
+              <a:off x="3060932" y="6356350"/>
+              <a:ext cx="6070134" cy="365125"/>
+            </a:xfrm>
+            <a:prstGeom prst="rect">
+              <a:avLst/>
+            </a:prstGeom>
+          </p:spPr>
+          <p:txBody>
+            <a:bodyPr vert="horz" lIns="91440" tIns="45720" rIns="91440" bIns="45720" rtlCol="0" anchor="ctr"/>
+            <a:lstStyle>
+              <a:defPPr>
+                <a:defRPr lang="de-DE"/>
+              </a:defPPr>
+              <a:lvl1pPr marL="0" algn="ctr" defTabSz="914400" rtl="0" eaLnBrk="1" latinLnBrk="0" hangingPunct="1">
+                <a:defRPr sz="1200" kern="1200">
+                  <a:solidFill>
+                    <a:schemeClr val="tx1">
+                      <a:tint val="75000"/>
+                    </a:schemeClr>
+                  </a:solidFill>
+                  <a:latin typeface="+mn-lt"/>
+                  <a:ea typeface="+mn-ea"/>
+                  <a:cs typeface="+mn-cs"/>
+                </a:defRPr>
+              </a:lvl1pPr>
+              <a:lvl2pPr marL="457200" algn="l" defTabSz="914400" rtl="0" eaLnBrk="1" latinLnBrk="0" hangingPunct="1">
+                <a:defRPr sz="1800" kern="1200">
+                  <a:solidFill>
+                    <a:schemeClr val="tx1"/>
+                  </a:solidFill>
+                  <a:latin typeface="+mn-lt"/>
+                  <a:ea typeface="+mn-ea"/>
+                  <a:cs typeface="+mn-cs"/>
+                </a:defRPr>
+              </a:lvl2pPr>
+              <a:lvl3pPr marL="914400" algn="l" defTabSz="914400" rtl="0" eaLnBrk="1" latinLnBrk="0" hangingPunct="1">
+                <a:defRPr sz="1800" kern="1200">
+                  <a:solidFill>
+                    <a:schemeClr val="tx1"/>
+                  </a:solidFill>
+                  <a:latin typeface="+mn-lt"/>
+                  <a:ea typeface="+mn-ea"/>
+                  <a:cs typeface="+mn-cs"/>
+                </a:defRPr>
+              </a:lvl3pPr>
+              <a:lvl4pPr marL="1371600" algn="l" defTabSz="914400" rtl="0" eaLnBrk="1" latinLnBrk="0" hangingPunct="1">
+                <a:defRPr sz="1800" kern="1200">
+                  <a:solidFill>
+                    <a:schemeClr val="tx1"/>
+                  </a:solidFill>
+                  <a:latin typeface="+mn-lt"/>
+                  <a:ea typeface="+mn-ea"/>
+                  <a:cs typeface="+mn-cs"/>
+                </a:defRPr>
+              </a:lvl4pPr>
+              <a:lvl5pPr marL="1828800" algn="l" defTabSz="914400" rtl="0" eaLnBrk="1" latinLnBrk="0" hangingPunct="1">
+                <a:defRPr sz="1800" kern="1200">
+                  <a:solidFill>
+                    <a:schemeClr val="tx1"/>
+                  </a:solidFill>
+                  <a:latin typeface="+mn-lt"/>
+                  <a:ea typeface="+mn-ea"/>
+                  <a:cs typeface="+mn-cs"/>
+                </a:defRPr>
+              </a:lvl5pPr>
+              <a:lvl6pPr marL="2286000" algn="l" defTabSz="914400" rtl="0" eaLnBrk="1" latinLnBrk="0" hangingPunct="1">
+                <a:defRPr sz="1800" kern="1200">
+                  <a:solidFill>
+                    <a:schemeClr val="tx1"/>
+                  </a:solidFill>
+                  <a:latin typeface="+mn-lt"/>
+                  <a:ea typeface="+mn-ea"/>
+                  <a:cs typeface="+mn-cs"/>
+                </a:defRPr>
+              </a:lvl6pPr>
+              <a:lvl7pPr marL="2743200" algn="l" defTabSz="914400" rtl="0" eaLnBrk="1" latinLnBrk="0" hangingPunct="1">
+                <a:defRPr sz="1800" kern="1200">
+                  <a:solidFill>
+                    <a:schemeClr val="tx1"/>
+                  </a:solidFill>
+                  <a:latin typeface="+mn-lt"/>
+                  <a:ea typeface="+mn-ea"/>
+                  <a:cs typeface="+mn-cs"/>
+                </a:defRPr>
+              </a:lvl7pPr>
+              <a:lvl8pPr marL="3200400" algn="l" defTabSz="914400" rtl="0" eaLnBrk="1" latinLnBrk="0" hangingPunct="1">
+                <a:defRPr sz="1800" kern="1200">
+                  <a:solidFill>
+                    <a:schemeClr val="tx1"/>
+                  </a:solidFill>
+                  <a:latin typeface="+mn-lt"/>
+                  <a:ea typeface="+mn-ea"/>
+                  <a:cs typeface="+mn-cs"/>
+                </a:defRPr>
+              </a:lvl8pPr>
+              <a:lvl9pPr marL="3657600" algn="l" defTabSz="914400" rtl="0" eaLnBrk="1" latinLnBrk="0" hangingPunct="1">
+                <a:defRPr sz="1800" kern="1200">
+                  <a:solidFill>
+                    <a:schemeClr val="tx1"/>
+                  </a:solidFill>
+                  <a:latin typeface="+mn-lt"/>
+                  <a:ea typeface="+mn-ea"/>
+                  <a:cs typeface="+mn-cs"/>
+                </a:defRPr>
+              </a:lvl9pPr>
+            </a:lstStyle>
+            <a:p>
+              <a:r>
+                <a:rPr lang="de-DE" dirty="0"/>
+                <a:t>Praktikum Produktionstechnik</a:t>
+              </a:r>
+            </a:p>
+          </p:txBody>
+        </p:sp>
+        <p:sp>
+          <p:nvSpPr>
+            <p:cNvPr id="7" name="Foliennummernplatzhalter 5">
+              <a:extLst>
+                <a:ext uri="{FF2B5EF4-FFF2-40B4-BE49-F238E27FC236}">
+                  <a16:creationId xmlns:a16="http://schemas.microsoft.com/office/drawing/2014/main" id="{C08B045B-D202-4ECB-9910-D6EF3E5EE0D2}"/>
+                </a:ext>
+              </a:extLst>
+            </p:cNvPr>
+            <p:cNvSpPr txBox="1">
+              <a:spLocks/>
+            </p:cNvSpPr>
+            <p:nvPr/>
+          </p:nvSpPr>
+          <p:spPr>
+            <a:xfrm>
+              <a:off x="8610600" y="6356350"/>
+              <a:ext cx="2743200" cy="365125"/>
+            </a:xfrm>
+            <a:prstGeom prst="rect">
+              <a:avLst/>
+            </a:prstGeom>
+          </p:spPr>
+          <p:txBody>
+            <a:bodyPr vert="horz" lIns="91440" tIns="45720" rIns="91440" bIns="45720" rtlCol="0" anchor="ctr"/>
+            <a:lstStyle>
+              <a:defPPr>
+                <a:defRPr lang="de-DE"/>
+              </a:defPPr>
+              <a:lvl1pPr marL="0" algn="r" defTabSz="914400" rtl="0" eaLnBrk="1" latinLnBrk="0" hangingPunct="1">
+                <a:defRPr sz="1200" kern="1200">
+                  <a:solidFill>
+                    <a:schemeClr val="tx1">
+                      <a:tint val="75000"/>
+                    </a:schemeClr>
+                  </a:solidFill>
+                  <a:latin typeface="+mn-lt"/>
+                  <a:ea typeface="+mn-ea"/>
+                  <a:cs typeface="+mn-cs"/>
+                </a:defRPr>
+              </a:lvl1pPr>
+              <a:lvl2pPr marL="457200" algn="l" defTabSz="914400" rtl="0" eaLnBrk="1" latinLnBrk="0" hangingPunct="1">
+                <a:defRPr sz="1800" kern="1200">
+                  <a:solidFill>
+                    <a:schemeClr val="tx1"/>
+                  </a:solidFill>
+                  <a:latin typeface="+mn-lt"/>
+                  <a:ea typeface="+mn-ea"/>
+                  <a:cs typeface="+mn-cs"/>
+                </a:defRPr>
+              </a:lvl2pPr>
+              <a:lvl3pPr marL="914400" algn="l" defTabSz="914400" rtl="0" eaLnBrk="1" latinLnBrk="0" hangingPunct="1">
+                <a:defRPr sz="1800" kern="1200">
+                  <a:solidFill>
+                    <a:schemeClr val="tx1"/>
+                  </a:solidFill>
+                  <a:latin typeface="+mn-lt"/>
+                  <a:ea typeface="+mn-ea"/>
+                  <a:cs typeface="+mn-cs"/>
+                </a:defRPr>
+              </a:lvl3pPr>
+              <a:lvl4pPr marL="1371600" algn="l" defTabSz="914400" rtl="0" eaLnBrk="1" latinLnBrk="0" hangingPunct="1">
+                <a:defRPr sz="1800" kern="1200">
+                  <a:solidFill>
+                    <a:schemeClr val="tx1"/>
+                  </a:solidFill>
+                  <a:latin typeface="+mn-lt"/>
+                  <a:ea typeface="+mn-ea"/>
+                  <a:cs typeface="+mn-cs"/>
+                </a:defRPr>
+              </a:lvl4pPr>
+              <a:lvl5pPr marL="1828800" algn="l" defTabSz="914400" rtl="0" eaLnBrk="1" latinLnBrk="0" hangingPunct="1">
+                <a:defRPr sz="1800" kern="1200">
+                  <a:solidFill>
+                    <a:schemeClr val="tx1"/>
+                  </a:solidFill>
+                  <a:latin typeface="+mn-lt"/>
+                  <a:ea typeface="+mn-ea"/>
+                  <a:cs typeface="+mn-cs"/>
+                </a:defRPr>
+              </a:lvl5pPr>
+              <a:lvl6pPr marL="2286000" algn="l" defTabSz="914400" rtl="0" eaLnBrk="1" latinLnBrk="0" hangingPunct="1">
+                <a:defRPr sz="1800" kern="1200">
+                  <a:solidFill>
+                    <a:schemeClr val="tx1"/>
+                  </a:solidFill>
+                  <a:latin typeface="+mn-lt"/>
+                  <a:ea typeface="+mn-ea"/>
+                  <a:cs typeface="+mn-cs"/>
+                </a:defRPr>
+              </a:lvl6pPr>
+              <a:lvl7pPr marL="2743200" algn="l" defTabSz="914400" rtl="0" eaLnBrk="1" latinLnBrk="0" hangingPunct="1">
+                <a:defRPr sz="1800" kern="1200">
+                  <a:solidFill>
+                    <a:schemeClr val="tx1"/>
+                  </a:solidFill>
+                  <a:latin typeface="+mn-lt"/>
+                  <a:ea typeface="+mn-ea"/>
+                  <a:cs typeface="+mn-cs"/>
+                </a:defRPr>
+              </a:lvl7pPr>
+              <a:lvl8pPr marL="3200400" algn="l" defTabSz="914400" rtl="0" eaLnBrk="1" latinLnBrk="0" hangingPunct="1">
+                <a:defRPr sz="1800" kern="1200">
+                  <a:solidFill>
+                    <a:schemeClr val="tx1"/>
+                  </a:solidFill>
+                  <a:latin typeface="+mn-lt"/>
+                  <a:ea typeface="+mn-ea"/>
+                  <a:cs typeface="+mn-cs"/>
+                </a:defRPr>
+              </a:lvl8pPr>
+              <a:lvl9pPr marL="3657600" algn="l" defTabSz="914400" rtl="0" eaLnBrk="1" latinLnBrk="0" hangingPunct="1">
+                <a:defRPr sz="1800" kern="1200">
+                  <a:solidFill>
+                    <a:schemeClr val="tx1"/>
+                  </a:solidFill>
+                  <a:latin typeface="+mn-lt"/>
+                  <a:ea typeface="+mn-ea"/>
+                  <a:cs typeface="+mn-cs"/>
+                </a:defRPr>
+              </a:lvl9pPr>
+            </a:lstStyle>
+            <a:p>
+              <a:fld id="{75CEC8DD-A46B-4CAA-B4E1-6A1B652C2BF4}" type="slidenum">
+                <a:rPr lang="de-DE" smtClean="0"/>
+                <a:pPr/>
+                <a:t>22</a:t>
+              </a:fld>
+              <a:endParaRPr lang="de-DE"/>
+            </a:p>
+          </p:txBody>
+        </p:sp>
+      </p:grpSp>
+      <p:pic>
+        <p:nvPicPr>
+          <p:cNvPr id="8" name="Grafik 7" descr="Logo Ingenieursinformatik">
+            <a:extLst>
+              <a:ext uri="{FF2B5EF4-FFF2-40B4-BE49-F238E27FC236}">
+                <a16:creationId xmlns:a16="http://schemas.microsoft.com/office/drawing/2014/main" id="{F5868D2B-F5D2-47E8-8FD9-6D9B2986087D}"/>
+              </a:ext>
+            </a:extLst>
+          </p:cNvPr>
+          <p:cNvPicPr/>
+          <p:nvPr/>
+        </p:nvPicPr>
+        <p:blipFill>
+          <a:blip r:embed="rId2" cstate="print">
+            <a:extLst>
+              <a:ext uri="{28A0092B-C50C-407E-A947-70E740481C1C}">
+                <a14:useLocalDpi xmlns:a14="http://schemas.microsoft.com/office/drawing/2010/main" val="0"/>
+              </a:ext>
+            </a:extLst>
+          </a:blip>
+          <a:srcRect/>
+          <a:stretch>
+            <a:fillRect/>
+          </a:stretch>
+        </p:blipFill>
+        <p:spPr bwMode="auto">
+          <a:xfrm>
+            <a:off x="10178281" y="320040"/>
+            <a:ext cx="1692155" cy="924304"/>
+          </a:xfrm>
+          <a:prstGeom prst="rect">
+            <a:avLst/>
+          </a:prstGeom>
+          <a:noFill/>
+          <a:ln>
+            <a:noFill/>
+          </a:ln>
+        </p:spPr>
+      </p:pic>
+      <p:sp>
+        <p:nvSpPr>
+          <p:cNvPr id="12" name="Titel 1">
+            <a:extLst>
+              <a:ext uri="{FF2B5EF4-FFF2-40B4-BE49-F238E27FC236}">
+                <a16:creationId xmlns:a16="http://schemas.microsoft.com/office/drawing/2014/main" id="{E000FD21-03A8-4523-B088-D596EF47B706}"/>
+              </a:ext>
+            </a:extLst>
+          </p:cNvPr>
+          <p:cNvSpPr>
+            <a:spLocks noGrp="1"/>
+          </p:cNvSpPr>
+          <p:nvPr>
+            <p:ph type="title"/>
+          </p:nvPr>
+        </p:nvSpPr>
+        <p:spPr>
+          <a:xfrm>
+            <a:off x="838200" y="365125"/>
+            <a:ext cx="10515600" cy="1325563"/>
+          </a:xfrm>
+        </p:spPr>
+        <p:txBody>
+          <a:bodyPr>
+            <a:normAutofit/>
+          </a:bodyPr>
+          <a:lstStyle/>
+          <a:p>
+            <a:r>
+              <a:rPr lang="de-DE" sz="2800" b="1" dirty="0">
+                <a:solidFill>
+                  <a:srgbClr val="0070C0"/>
+                </a:solidFill>
+              </a:rPr>
+              <a:t>4. Verbesserungsvorschläge</a:t>
+            </a:r>
+            <a:endParaRPr lang="de-DE" sz="2800" b="1" i="1" dirty="0">
+              <a:solidFill>
+                <a:srgbClr val="0070C0"/>
+              </a:solidFill>
+            </a:endParaRPr>
+          </a:p>
+        </p:txBody>
+      </p:sp>
+    </p:spTree>
+    <p:extLst>
+      <p:ext uri="{BB962C8B-B14F-4D97-AF65-F5344CB8AC3E}">
+        <p14:creationId xmlns:p14="http://schemas.microsoft.com/office/powerpoint/2010/main" val="211636759"/>
+      </p:ext>
+    </p:extLst>
+  </p:cSld>
+  <p:clrMapOvr>
+    <a:masterClrMapping/>
+  </p:clrMapOvr>
+</p:sld>
+</file>
+
+<file path=ppt/slides/slide23.xml><?xml version="1.0" encoding="utf-8"?>
+<p:sld xmlns:a="http://schemas.openxmlformats.org/drawingml/2006/main" xmlns:r="http://schemas.openxmlformats.org/officeDocument/2006/relationships" xmlns:p="http://schemas.openxmlformats.org/presentationml/2006/main">
+  <p:cSld>
+    <p:spTree>
+      <p:nvGrpSpPr>
+        <p:cNvPr id="1" name=""/>
+        <p:cNvGrpSpPr/>
+        <p:nvPr/>
+      </p:nvGrpSpPr>
+      <p:grpSpPr>
+        <a:xfrm>
+          <a:off x="0" y="0"/>
+          <a:ext cx="0" cy="0"/>
+          <a:chOff x="0" y="0"/>
+          <a:chExt cx="0" cy="0"/>
+        </a:xfrm>
+      </p:grpSpPr>
+      <p:grpSp>
+        <p:nvGrpSpPr>
+          <p:cNvPr id="4" name="Gruppieren 3">
+            <a:extLst>
+              <a:ext uri="{FF2B5EF4-FFF2-40B4-BE49-F238E27FC236}">
+                <a16:creationId xmlns:a16="http://schemas.microsoft.com/office/drawing/2014/main" id="{18D08059-8049-414A-B958-7A9841F3CD9A}"/>
+              </a:ext>
+            </a:extLst>
+          </p:cNvPr>
+          <p:cNvGrpSpPr/>
+          <p:nvPr/>
+        </p:nvGrpSpPr>
+        <p:grpSpPr>
+          <a:xfrm>
+            <a:off x="838200" y="6356350"/>
+            <a:ext cx="10515600" cy="365125"/>
+            <a:chOff x="838200" y="6356350"/>
+            <a:chExt cx="10515600" cy="365125"/>
+          </a:xfrm>
+        </p:grpSpPr>
+        <p:sp>
+          <p:nvSpPr>
+            <p:cNvPr id="5" name="Datumsplatzhalter 3">
+              <a:extLst>
+                <a:ext uri="{FF2B5EF4-FFF2-40B4-BE49-F238E27FC236}">
+                  <a16:creationId xmlns:a16="http://schemas.microsoft.com/office/drawing/2014/main" id="{3ABE0E0F-DB90-43F7-9B5F-C51CEB17F6B7}"/>
+                </a:ext>
+              </a:extLst>
+            </p:cNvPr>
+            <p:cNvSpPr txBox="1">
+              <a:spLocks/>
+            </p:cNvSpPr>
+            <p:nvPr/>
+          </p:nvSpPr>
+          <p:spPr>
+            <a:xfrm>
+              <a:off x="838200" y="6356350"/>
+              <a:ext cx="2743200" cy="365125"/>
+            </a:xfrm>
+            <a:prstGeom prst="rect">
+              <a:avLst/>
+            </a:prstGeom>
+          </p:spPr>
+          <p:txBody>
+            <a:bodyPr vert="horz" lIns="91440" tIns="45720" rIns="91440" bIns="45720" rtlCol="0" anchor="ctr"/>
+            <a:lstStyle>
+              <a:defPPr>
+                <a:defRPr lang="de-DE"/>
+              </a:defPPr>
+              <a:lvl1pPr marL="0" algn="l" defTabSz="914400" rtl="0" eaLnBrk="1" latinLnBrk="0" hangingPunct="1">
+                <a:defRPr sz="1200" kern="1200">
+                  <a:solidFill>
+                    <a:schemeClr val="tx1">
+                      <a:tint val="75000"/>
+                    </a:schemeClr>
+                  </a:solidFill>
+                  <a:latin typeface="+mn-lt"/>
+                  <a:ea typeface="+mn-ea"/>
+                  <a:cs typeface="+mn-cs"/>
+                </a:defRPr>
+              </a:lvl1pPr>
+              <a:lvl2pPr marL="457200" algn="l" defTabSz="914400" rtl="0" eaLnBrk="1" latinLnBrk="0" hangingPunct="1">
+                <a:defRPr sz="1800" kern="1200">
+                  <a:solidFill>
+                    <a:schemeClr val="tx1"/>
+                  </a:solidFill>
+                  <a:latin typeface="+mn-lt"/>
+                  <a:ea typeface="+mn-ea"/>
+                  <a:cs typeface="+mn-cs"/>
+                </a:defRPr>
+              </a:lvl2pPr>
+              <a:lvl3pPr marL="914400" algn="l" defTabSz="914400" rtl="0" eaLnBrk="1" latinLnBrk="0" hangingPunct="1">
+                <a:defRPr sz="1800" kern="1200">
+                  <a:solidFill>
+                    <a:schemeClr val="tx1"/>
+                  </a:solidFill>
+                  <a:latin typeface="+mn-lt"/>
+                  <a:ea typeface="+mn-ea"/>
+                  <a:cs typeface="+mn-cs"/>
+                </a:defRPr>
+              </a:lvl3pPr>
+              <a:lvl4pPr marL="1371600" algn="l" defTabSz="914400" rtl="0" eaLnBrk="1" latinLnBrk="0" hangingPunct="1">
+                <a:defRPr sz="1800" kern="1200">
+                  <a:solidFill>
+                    <a:schemeClr val="tx1"/>
+                  </a:solidFill>
+                  <a:latin typeface="+mn-lt"/>
+                  <a:ea typeface="+mn-ea"/>
+                  <a:cs typeface="+mn-cs"/>
+                </a:defRPr>
+              </a:lvl4pPr>
+              <a:lvl5pPr marL="1828800" algn="l" defTabSz="914400" rtl="0" eaLnBrk="1" latinLnBrk="0" hangingPunct="1">
+                <a:defRPr sz="1800" kern="1200">
+                  <a:solidFill>
+                    <a:schemeClr val="tx1"/>
+                  </a:solidFill>
+                  <a:latin typeface="+mn-lt"/>
+                  <a:ea typeface="+mn-ea"/>
+                  <a:cs typeface="+mn-cs"/>
+                </a:defRPr>
+              </a:lvl5pPr>
+              <a:lvl6pPr marL="2286000" algn="l" defTabSz="914400" rtl="0" eaLnBrk="1" latinLnBrk="0" hangingPunct="1">
+                <a:defRPr sz="1800" kern="1200">
+                  <a:solidFill>
+                    <a:schemeClr val="tx1"/>
+                  </a:solidFill>
+                  <a:latin typeface="+mn-lt"/>
+                  <a:ea typeface="+mn-ea"/>
+                  <a:cs typeface="+mn-cs"/>
+                </a:defRPr>
+              </a:lvl6pPr>
+              <a:lvl7pPr marL="2743200" algn="l" defTabSz="914400" rtl="0" eaLnBrk="1" latinLnBrk="0" hangingPunct="1">
+                <a:defRPr sz="1800" kern="1200">
+                  <a:solidFill>
+                    <a:schemeClr val="tx1"/>
+                  </a:solidFill>
+                  <a:latin typeface="+mn-lt"/>
+                  <a:ea typeface="+mn-ea"/>
+                  <a:cs typeface="+mn-cs"/>
+                </a:defRPr>
+              </a:lvl7pPr>
+              <a:lvl8pPr marL="3200400" algn="l" defTabSz="914400" rtl="0" eaLnBrk="1" latinLnBrk="0" hangingPunct="1">
+                <a:defRPr sz="1800" kern="1200">
+                  <a:solidFill>
+                    <a:schemeClr val="tx1"/>
+                  </a:solidFill>
+                  <a:latin typeface="+mn-lt"/>
+                  <a:ea typeface="+mn-ea"/>
+                  <a:cs typeface="+mn-cs"/>
+                </a:defRPr>
+              </a:lvl8pPr>
+              <a:lvl9pPr marL="3657600" algn="l" defTabSz="914400" rtl="0" eaLnBrk="1" latinLnBrk="0" hangingPunct="1">
+                <a:defRPr sz="1800" kern="1200">
+                  <a:solidFill>
+                    <a:schemeClr val="tx1"/>
+                  </a:solidFill>
+                  <a:latin typeface="+mn-lt"/>
+                  <a:ea typeface="+mn-ea"/>
+                  <a:cs typeface="+mn-cs"/>
+                </a:defRPr>
+              </a:lvl9pPr>
+            </a:lstStyle>
+            <a:p>
+              <a:fld id="{ABB89C0B-1ABD-444B-925C-4E47B2F277F6}" type="datetimeFigureOut">
+                <a:rPr lang="de-DE" smtClean="0"/>
+                <a:pPr/>
+                <a:t>22.07.2019</a:t>
+              </a:fld>
+              <a:endParaRPr lang="de-DE" dirty="0"/>
+            </a:p>
+          </p:txBody>
+        </p:sp>
+        <p:sp>
+          <p:nvSpPr>
+            <p:cNvPr id="6" name="Fußzeilenplatzhalter 4">
+              <a:extLst>
+                <a:ext uri="{FF2B5EF4-FFF2-40B4-BE49-F238E27FC236}">
+                  <a16:creationId xmlns:a16="http://schemas.microsoft.com/office/drawing/2014/main" id="{DB8FE8DA-BE41-429E-B7D1-4850CF5B4A71}"/>
+                </a:ext>
+              </a:extLst>
+            </p:cNvPr>
+            <p:cNvSpPr txBox="1">
+              <a:spLocks/>
+            </p:cNvSpPr>
+            <p:nvPr/>
+          </p:nvSpPr>
+          <p:spPr>
+            <a:xfrm>
+              <a:off x="3060932" y="6356350"/>
+              <a:ext cx="6070134" cy="365125"/>
+            </a:xfrm>
+            <a:prstGeom prst="rect">
+              <a:avLst/>
+            </a:prstGeom>
+          </p:spPr>
+          <p:txBody>
+            <a:bodyPr vert="horz" lIns="91440" tIns="45720" rIns="91440" bIns="45720" rtlCol="0" anchor="ctr"/>
+            <a:lstStyle>
+              <a:defPPr>
+                <a:defRPr lang="de-DE"/>
+              </a:defPPr>
+              <a:lvl1pPr marL="0" algn="ctr" defTabSz="914400" rtl="0" eaLnBrk="1" latinLnBrk="0" hangingPunct="1">
+                <a:defRPr sz="1200" kern="1200">
+                  <a:solidFill>
+                    <a:schemeClr val="tx1">
+                      <a:tint val="75000"/>
+                    </a:schemeClr>
+                  </a:solidFill>
+                  <a:latin typeface="+mn-lt"/>
+                  <a:ea typeface="+mn-ea"/>
+                  <a:cs typeface="+mn-cs"/>
+                </a:defRPr>
+              </a:lvl1pPr>
+              <a:lvl2pPr marL="457200" algn="l" defTabSz="914400" rtl="0" eaLnBrk="1" latinLnBrk="0" hangingPunct="1">
+                <a:defRPr sz="1800" kern="1200">
+                  <a:solidFill>
+                    <a:schemeClr val="tx1"/>
+                  </a:solidFill>
+                  <a:latin typeface="+mn-lt"/>
+                  <a:ea typeface="+mn-ea"/>
+                  <a:cs typeface="+mn-cs"/>
+                </a:defRPr>
+              </a:lvl2pPr>
+              <a:lvl3pPr marL="914400" algn="l" defTabSz="914400" rtl="0" eaLnBrk="1" latinLnBrk="0" hangingPunct="1">
+                <a:defRPr sz="1800" kern="1200">
+                  <a:solidFill>
+                    <a:schemeClr val="tx1"/>
+                  </a:solidFill>
+                  <a:latin typeface="+mn-lt"/>
+                  <a:ea typeface="+mn-ea"/>
+                  <a:cs typeface="+mn-cs"/>
+                </a:defRPr>
+              </a:lvl3pPr>
+              <a:lvl4pPr marL="1371600" algn="l" defTabSz="914400" rtl="0" eaLnBrk="1" latinLnBrk="0" hangingPunct="1">
+                <a:defRPr sz="1800" kern="1200">
+                  <a:solidFill>
+                    <a:schemeClr val="tx1"/>
+                  </a:solidFill>
+                  <a:latin typeface="+mn-lt"/>
+                  <a:ea typeface="+mn-ea"/>
+                  <a:cs typeface="+mn-cs"/>
+                </a:defRPr>
+              </a:lvl4pPr>
+              <a:lvl5pPr marL="1828800" algn="l" defTabSz="914400" rtl="0" eaLnBrk="1" latinLnBrk="0" hangingPunct="1">
+                <a:defRPr sz="1800" kern="1200">
+                  <a:solidFill>
+                    <a:schemeClr val="tx1"/>
+                  </a:solidFill>
+                  <a:latin typeface="+mn-lt"/>
+                  <a:ea typeface="+mn-ea"/>
+                  <a:cs typeface="+mn-cs"/>
+                </a:defRPr>
+              </a:lvl5pPr>
+              <a:lvl6pPr marL="2286000" algn="l" defTabSz="914400" rtl="0" eaLnBrk="1" latinLnBrk="0" hangingPunct="1">
+                <a:defRPr sz="1800" kern="1200">
+                  <a:solidFill>
+                    <a:schemeClr val="tx1"/>
+                  </a:solidFill>
+                  <a:latin typeface="+mn-lt"/>
+                  <a:ea typeface="+mn-ea"/>
+                  <a:cs typeface="+mn-cs"/>
+                </a:defRPr>
+              </a:lvl6pPr>
+              <a:lvl7pPr marL="2743200" algn="l" defTabSz="914400" rtl="0" eaLnBrk="1" latinLnBrk="0" hangingPunct="1">
+                <a:defRPr sz="1800" kern="1200">
+                  <a:solidFill>
+                    <a:schemeClr val="tx1"/>
+                  </a:solidFill>
+                  <a:latin typeface="+mn-lt"/>
+                  <a:ea typeface="+mn-ea"/>
+                  <a:cs typeface="+mn-cs"/>
+                </a:defRPr>
+              </a:lvl7pPr>
+              <a:lvl8pPr marL="3200400" algn="l" defTabSz="914400" rtl="0" eaLnBrk="1" latinLnBrk="0" hangingPunct="1">
+                <a:defRPr sz="1800" kern="1200">
+                  <a:solidFill>
+                    <a:schemeClr val="tx1"/>
+                  </a:solidFill>
+                  <a:latin typeface="+mn-lt"/>
+                  <a:ea typeface="+mn-ea"/>
+                  <a:cs typeface="+mn-cs"/>
+                </a:defRPr>
+              </a:lvl8pPr>
+              <a:lvl9pPr marL="3657600" algn="l" defTabSz="914400" rtl="0" eaLnBrk="1" latinLnBrk="0" hangingPunct="1">
+                <a:defRPr sz="1800" kern="1200">
+                  <a:solidFill>
+                    <a:schemeClr val="tx1"/>
+                  </a:solidFill>
+                  <a:latin typeface="+mn-lt"/>
+                  <a:ea typeface="+mn-ea"/>
+                  <a:cs typeface="+mn-cs"/>
+                </a:defRPr>
+              </a:lvl9pPr>
+            </a:lstStyle>
+            <a:p>
+              <a:r>
+                <a:rPr lang="de-DE" dirty="0"/>
+                <a:t>Praktikum Produktionstechnik</a:t>
+              </a:r>
+            </a:p>
+          </p:txBody>
+        </p:sp>
+        <p:sp>
+          <p:nvSpPr>
+            <p:cNvPr id="7" name="Foliennummernplatzhalter 5">
+              <a:extLst>
+                <a:ext uri="{FF2B5EF4-FFF2-40B4-BE49-F238E27FC236}">
+                  <a16:creationId xmlns:a16="http://schemas.microsoft.com/office/drawing/2014/main" id="{C08B045B-D202-4ECB-9910-D6EF3E5EE0D2}"/>
+                </a:ext>
+              </a:extLst>
+            </p:cNvPr>
+            <p:cNvSpPr txBox="1">
+              <a:spLocks/>
+            </p:cNvSpPr>
+            <p:nvPr/>
+          </p:nvSpPr>
+          <p:spPr>
+            <a:xfrm>
+              <a:off x="8610600" y="6356350"/>
+              <a:ext cx="2743200" cy="365125"/>
+            </a:xfrm>
+            <a:prstGeom prst="rect">
+              <a:avLst/>
+            </a:prstGeom>
+          </p:spPr>
+          <p:txBody>
+            <a:bodyPr vert="horz" lIns="91440" tIns="45720" rIns="91440" bIns="45720" rtlCol="0" anchor="ctr"/>
+            <a:lstStyle>
+              <a:defPPr>
+                <a:defRPr lang="de-DE"/>
+              </a:defPPr>
+              <a:lvl1pPr marL="0" algn="r" defTabSz="914400" rtl="0" eaLnBrk="1" latinLnBrk="0" hangingPunct="1">
+                <a:defRPr sz="1200" kern="1200">
+                  <a:solidFill>
+                    <a:schemeClr val="tx1">
+                      <a:tint val="75000"/>
+                    </a:schemeClr>
+                  </a:solidFill>
+                  <a:latin typeface="+mn-lt"/>
+                  <a:ea typeface="+mn-ea"/>
+                  <a:cs typeface="+mn-cs"/>
+                </a:defRPr>
+              </a:lvl1pPr>
+              <a:lvl2pPr marL="457200" algn="l" defTabSz="914400" rtl="0" eaLnBrk="1" latinLnBrk="0" hangingPunct="1">
+                <a:defRPr sz="1800" kern="1200">
+                  <a:solidFill>
+                    <a:schemeClr val="tx1"/>
+                  </a:solidFill>
+                  <a:latin typeface="+mn-lt"/>
+                  <a:ea typeface="+mn-ea"/>
+                  <a:cs typeface="+mn-cs"/>
+                </a:defRPr>
+              </a:lvl2pPr>
+              <a:lvl3pPr marL="914400" algn="l" defTabSz="914400" rtl="0" eaLnBrk="1" latinLnBrk="0" hangingPunct="1">
+                <a:defRPr sz="1800" kern="1200">
+                  <a:solidFill>
+                    <a:schemeClr val="tx1"/>
+                  </a:solidFill>
+                  <a:latin typeface="+mn-lt"/>
+                  <a:ea typeface="+mn-ea"/>
+                  <a:cs typeface="+mn-cs"/>
+                </a:defRPr>
+              </a:lvl3pPr>
+              <a:lvl4pPr marL="1371600" algn="l" defTabSz="914400" rtl="0" eaLnBrk="1" latinLnBrk="0" hangingPunct="1">
+                <a:defRPr sz="1800" kern="1200">
+                  <a:solidFill>
+                    <a:schemeClr val="tx1"/>
+                  </a:solidFill>
+                  <a:latin typeface="+mn-lt"/>
+                  <a:ea typeface="+mn-ea"/>
+                  <a:cs typeface="+mn-cs"/>
+                </a:defRPr>
+              </a:lvl4pPr>
+              <a:lvl5pPr marL="1828800" algn="l" defTabSz="914400" rtl="0" eaLnBrk="1" latinLnBrk="0" hangingPunct="1">
+                <a:defRPr sz="1800" kern="1200">
+                  <a:solidFill>
+                    <a:schemeClr val="tx1"/>
+                  </a:solidFill>
+                  <a:latin typeface="+mn-lt"/>
+                  <a:ea typeface="+mn-ea"/>
+                  <a:cs typeface="+mn-cs"/>
+                </a:defRPr>
+              </a:lvl5pPr>
+              <a:lvl6pPr marL="2286000" algn="l" defTabSz="914400" rtl="0" eaLnBrk="1" latinLnBrk="0" hangingPunct="1">
+                <a:defRPr sz="1800" kern="1200">
+                  <a:solidFill>
+                    <a:schemeClr val="tx1"/>
+                  </a:solidFill>
+                  <a:latin typeface="+mn-lt"/>
+                  <a:ea typeface="+mn-ea"/>
+                  <a:cs typeface="+mn-cs"/>
+                </a:defRPr>
+              </a:lvl6pPr>
+              <a:lvl7pPr marL="2743200" algn="l" defTabSz="914400" rtl="0" eaLnBrk="1" latinLnBrk="0" hangingPunct="1">
+                <a:defRPr sz="1800" kern="1200">
+                  <a:solidFill>
+                    <a:schemeClr val="tx1"/>
+                  </a:solidFill>
+                  <a:latin typeface="+mn-lt"/>
+                  <a:ea typeface="+mn-ea"/>
+                  <a:cs typeface="+mn-cs"/>
+                </a:defRPr>
+              </a:lvl7pPr>
+              <a:lvl8pPr marL="3200400" algn="l" defTabSz="914400" rtl="0" eaLnBrk="1" latinLnBrk="0" hangingPunct="1">
+                <a:defRPr sz="1800" kern="1200">
+                  <a:solidFill>
+                    <a:schemeClr val="tx1"/>
+                  </a:solidFill>
+                  <a:latin typeface="+mn-lt"/>
+                  <a:ea typeface="+mn-ea"/>
+                  <a:cs typeface="+mn-cs"/>
+                </a:defRPr>
+              </a:lvl8pPr>
+              <a:lvl9pPr marL="3657600" algn="l" defTabSz="914400" rtl="0" eaLnBrk="1" latinLnBrk="0" hangingPunct="1">
+                <a:defRPr sz="1800" kern="1200">
+                  <a:solidFill>
+                    <a:schemeClr val="tx1"/>
+                  </a:solidFill>
+                  <a:latin typeface="+mn-lt"/>
+                  <a:ea typeface="+mn-ea"/>
+                  <a:cs typeface="+mn-cs"/>
+                </a:defRPr>
+              </a:lvl9pPr>
+            </a:lstStyle>
+            <a:p>
+              <a:fld id="{75CEC8DD-A46B-4CAA-B4E1-6A1B652C2BF4}" type="slidenum">
+                <a:rPr lang="de-DE" smtClean="0"/>
+                <a:pPr/>
+                <a:t>23</a:t>
+              </a:fld>
+              <a:endParaRPr lang="de-DE"/>
+            </a:p>
+          </p:txBody>
+        </p:sp>
+      </p:grpSp>
+      <p:pic>
+        <p:nvPicPr>
+          <p:cNvPr id="8" name="Grafik 7" descr="Logo Ingenieursinformatik">
+            <a:extLst>
+              <a:ext uri="{FF2B5EF4-FFF2-40B4-BE49-F238E27FC236}">
+                <a16:creationId xmlns:a16="http://schemas.microsoft.com/office/drawing/2014/main" id="{F5868D2B-F5D2-47E8-8FD9-6D9B2986087D}"/>
+              </a:ext>
+            </a:extLst>
+          </p:cNvPr>
+          <p:cNvPicPr/>
+          <p:nvPr/>
+        </p:nvPicPr>
+        <p:blipFill>
+          <a:blip r:embed="rId2" cstate="print">
+            <a:extLst>
+              <a:ext uri="{28A0092B-C50C-407E-A947-70E740481C1C}">
+                <a14:useLocalDpi xmlns:a14="http://schemas.microsoft.com/office/drawing/2010/main" val="0"/>
+              </a:ext>
+            </a:extLst>
+          </a:blip>
+          <a:srcRect/>
+          <a:stretch>
+            <a:fillRect/>
+          </a:stretch>
+        </p:blipFill>
+        <p:spPr bwMode="auto">
+          <a:xfrm>
+            <a:off x="10178281" y="320040"/>
+            <a:ext cx="1692155" cy="924304"/>
+          </a:xfrm>
+          <a:prstGeom prst="rect">
+            <a:avLst/>
+          </a:prstGeom>
+          <a:noFill/>
+          <a:ln>
+            <a:noFill/>
+          </a:ln>
+        </p:spPr>
+      </p:pic>
+      <p:sp>
+        <p:nvSpPr>
+          <p:cNvPr id="12" name="Titel 1">
+            <a:extLst>
+              <a:ext uri="{FF2B5EF4-FFF2-40B4-BE49-F238E27FC236}">
+                <a16:creationId xmlns:a16="http://schemas.microsoft.com/office/drawing/2014/main" id="{E000FD21-03A8-4523-B088-D596EF47B706}"/>
+              </a:ext>
+            </a:extLst>
+          </p:cNvPr>
+          <p:cNvSpPr>
+            <a:spLocks noGrp="1"/>
+          </p:cNvSpPr>
+          <p:nvPr>
+            <p:ph type="title"/>
+          </p:nvPr>
+        </p:nvSpPr>
+        <p:spPr>
+          <a:xfrm>
+            <a:off x="838200" y="365125"/>
+            <a:ext cx="10515600" cy="1325563"/>
+          </a:xfrm>
+        </p:spPr>
+        <p:txBody>
+          <a:bodyPr>
+            <a:normAutofit/>
+          </a:bodyPr>
+          <a:lstStyle/>
+          <a:p>
+            <a:r>
+              <a:rPr lang="de-DE" sz="2800" b="1" dirty="0">
+                <a:solidFill>
+                  <a:srgbClr val="0070C0"/>
+                </a:solidFill>
+              </a:rPr>
+              <a:t>5 Quellen</a:t>
+            </a:r>
+            <a:endParaRPr lang="de-DE" sz="2800" b="1" i="1" dirty="0">
+              <a:solidFill>
+                <a:srgbClr val="0070C0"/>
+              </a:solidFill>
+            </a:endParaRPr>
+          </a:p>
+        </p:txBody>
+      </p:sp>
+    </p:spTree>
+    <p:extLst>
+      <p:ext uri="{BB962C8B-B14F-4D97-AF65-F5344CB8AC3E}">
+        <p14:creationId xmlns:p14="http://schemas.microsoft.com/office/powerpoint/2010/main" val="556710781"/>
+      </p:ext>
+    </p:extLst>
+  </p:cSld>
+  <p:clrMapOvr>
+    <a:masterClrMapping/>
+  </p:clrMapOvr>
+</p:sld>
+</file>
+
 <file path=ppt/slides/slide3.xml><?xml version="1.0" encoding="utf-8"?>
 <p:sld xmlns:a="http://schemas.openxmlformats.org/drawingml/2006/main" xmlns:r="http://schemas.openxmlformats.org/officeDocument/2006/relationships" xmlns:p="http://schemas.openxmlformats.org/presentationml/2006/main">
   <p:cSld>
@@ -19949,14 +22391,26 @@
           <a:lstStyle/>
           <a:p>
             <a:r>
-              <a:rPr lang="de-DE" sz="3600" dirty="0"/>
-              <a:t>2.1. Vorführung des </a:t>
+              <a:rPr lang="de-DE" sz="3200" b="1" dirty="0">
+                <a:solidFill>
+                  <a:srgbClr val="0070C0"/>
+                </a:solidFill>
+              </a:rPr>
+              <a:t>1. Vorführung des </a:t>
             </a:r>
             <a:r>
-              <a:rPr lang="de-DE" sz="3600" dirty="0" err="1"/>
+              <a:rPr lang="de-DE" sz="3200" b="1" dirty="0" err="1">
+                <a:solidFill>
+                  <a:srgbClr val="0070C0"/>
+                </a:solidFill>
+              </a:rPr>
               <a:t>OmniMove</a:t>
             </a:r>
-            <a:endParaRPr lang="de-DE" sz="3600" dirty="0"/>
+            <a:endParaRPr lang="de-DE" sz="3200" b="1" dirty="0">
+              <a:solidFill>
+                <a:srgbClr val="0070C0"/>
+              </a:solidFill>
+            </a:endParaRPr>
           </a:p>
         </p:txBody>
       </p:sp>
@@ -20215,7 +22669,7 @@
               <a:fld id="{ABB89C0B-1ABD-444B-925C-4E47B2F277F6}" type="datetimeFigureOut">
                 <a:rPr lang="de-DE" smtClean="0"/>
                 <a:pPr/>
-                <a:t>18.07.2019</a:t>
+                <a:t>22.07.2019</a:t>
               </a:fld>
               <a:endParaRPr lang="de-DE" dirty="0"/>
             </a:p>
@@ -20516,6 +22970,303 @@
       </p:grpSpPr>
       <p:sp>
         <p:nvSpPr>
+          <p:cNvPr id="8" name="Rechteck 7">
+            <a:extLst>
+              <a:ext uri="{FF2B5EF4-FFF2-40B4-BE49-F238E27FC236}">
+                <a16:creationId xmlns:a16="http://schemas.microsoft.com/office/drawing/2014/main" id="{922F5DE1-9B06-4849-82ED-EBBFCA7BAAD2}"/>
+              </a:ext>
+            </a:extLst>
+          </p:cNvPr>
+          <p:cNvSpPr/>
+          <p:nvPr/>
+        </p:nvSpPr>
+        <p:spPr>
+          <a:xfrm>
+            <a:off x="446532" y="320041"/>
+            <a:ext cx="11423904" cy="6217920"/>
+          </a:xfrm>
+          <a:prstGeom prst="rect">
+            <a:avLst/>
+          </a:prstGeom>
+          <a:solidFill>
+            <a:schemeClr val="bg2"/>
+          </a:solidFill>
+          <a:ln>
+            <a:noFill/>
+          </a:ln>
+        </p:spPr>
+        <p:style>
+          <a:lnRef idx="2">
+            <a:schemeClr val="accent1">
+              <a:shade val="50000"/>
+            </a:schemeClr>
+          </a:lnRef>
+          <a:fillRef idx="1">
+            <a:schemeClr val="accent1"/>
+          </a:fillRef>
+          <a:effectRef idx="0">
+            <a:schemeClr val="accent1"/>
+          </a:effectRef>
+          <a:fontRef idx="minor">
+            <a:schemeClr val="lt1"/>
+          </a:fontRef>
+        </p:style>
+        <p:txBody>
+          <a:bodyPr rtlCol="0" anchor="ctr"/>
+          <a:lstStyle/>
+          <a:p>
+            <a:pPr algn="ctr"/>
+            <a:endParaRPr lang="de-DE"/>
+          </a:p>
+        </p:txBody>
+      </p:sp>
+      <p:pic>
+        <p:nvPicPr>
+          <p:cNvPr id="5" name="Grafik 4" descr="Logo Ingenieursinformatik">
+            <a:extLst>
+              <a:ext uri="{FF2B5EF4-FFF2-40B4-BE49-F238E27FC236}">
+                <a16:creationId xmlns:a16="http://schemas.microsoft.com/office/drawing/2014/main" id="{C7305AFF-E11D-4DCD-8267-676CA63FE316}"/>
+              </a:ext>
+            </a:extLst>
+          </p:cNvPr>
+          <p:cNvPicPr/>
+          <p:nvPr/>
+        </p:nvPicPr>
+        <p:blipFill>
+          <a:blip r:embed="rId2" cstate="print">
+            <a:extLst>
+              <a:ext uri="{28A0092B-C50C-407E-A947-70E740481C1C}">
+                <a14:useLocalDpi xmlns:a14="http://schemas.microsoft.com/office/drawing/2010/main" val="0"/>
+              </a:ext>
+            </a:extLst>
+          </a:blip>
+          <a:srcRect/>
+          <a:stretch>
+            <a:fillRect/>
+          </a:stretch>
+        </p:blipFill>
+        <p:spPr bwMode="auto">
+          <a:xfrm>
+            <a:off x="10178281" y="320040"/>
+            <a:ext cx="1692155" cy="924304"/>
+          </a:xfrm>
+          <a:prstGeom prst="rect">
+            <a:avLst/>
+          </a:prstGeom>
+          <a:noFill/>
+          <a:ln>
+            <a:noFill/>
+          </a:ln>
+        </p:spPr>
+      </p:pic>
+      <p:sp>
+        <p:nvSpPr>
+          <p:cNvPr id="7" name="Textfeld 6">
+            <a:extLst>
+              <a:ext uri="{FF2B5EF4-FFF2-40B4-BE49-F238E27FC236}">
+                <a16:creationId xmlns:a16="http://schemas.microsoft.com/office/drawing/2014/main" id="{7A58918C-FE39-4077-9C9E-1E8974CDADBF}"/>
+              </a:ext>
+            </a:extLst>
+          </p:cNvPr>
+          <p:cNvSpPr txBox="1"/>
+          <p:nvPr/>
+        </p:nvSpPr>
+        <p:spPr>
+          <a:xfrm>
+            <a:off x="762000" y="782192"/>
+            <a:ext cx="9982200" cy="3420616"/>
+          </a:xfrm>
+          <a:prstGeom prst="rect">
+            <a:avLst/>
+          </a:prstGeom>
+          <a:noFill/>
+        </p:spPr>
+        <p:txBody>
+          <a:bodyPr wrap="square" rtlCol="0">
+            <a:spAutoFit/>
+          </a:bodyPr>
+          <a:lstStyle/>
+          <a:p>
+            <a:r>
+              <a:rPr lang="de-DE" sz="2800" dirty="0">
+                <a:ln w="0"/>
+                <a:solidFill>
+                  <a:schemeClr val="accent1"/>
+                </a:solidFill>
+                <a:effectLst>
+                  <a:outerShdw blurRad="38100" dist="25400" dir="5400000" algn="ctr" rotWithShape="0">
+                    <a:srgbClr val="6E747A">
+                      <a:alpha val="43000"/>
+                    </a:srgbClr>
+                  </a:outerShdw>
+                </a:effectLst>
+                <a:latin typeface="Segoe UI Emoji" panose="020B0502040204020203" pitchFamily="34" charset="0"/>
+                <a:ea typeface="Segoe UI Emoji" panose="020B0502040204020203" pitchFamily="34" charset="0"/>
+              </a:rPr>
+              <a:t>2. Merkmale und Schlüsseltechnologien</a:t>
+            </a:r>
+          </a:p>
+          <a:p>
+            <a:endParaRPr lang="de-DE" sz="2400" b="1" dirty="0">
+              <a:latin typeface="Segoe UI Emoji" panose="020B0502040204020203" pitchFamily="34" charset="0"/>
+              <a:ea typeface="Segoe UI Emoji" panose="020B0502040204020203" pitchFamily="34" charset="0"/>
+            </a:endParaRPr>
+          </a:p>
+          <a:p>
+            <a:endParaRPr lang="de-DE" sz="2400" b="1" dirty="0">
+              <a:solidFill>
+                <a:srgbClr val="0070C0"/>
+              </a:solidFill>
+              <a:latin typeface="Segoe UI Emoji" panose="020B0502040204020203" pitchFamily="34" charset="0"/>
+              <a:ea typeface="Segoe UI Emoji" panose="020B0502040204020203" pitchFamily="34" charset="0"/>
+            </a:endParaRPr>
+          </a:p>
+          <a:p>
+            <a:pPr lvl="1">
+              <a:lnSpc>
+                <a:spcPct val="150000"/>
+              </a:lnSpc>
+            </a:pPr>
+            <a:r>
+              <a:rPr lang="de-DE" sz="2400" dirty="0">
+                <a:solidFill>
+                  <a:srgbClr val="0070C0"/>
+                </a:solidFill>
+              </a:rPr>
+              <a:t>2.1 Gesamtübersicht</a:t>
+            </a:r>
+          </a:p>
+          <a:p>
+            <a:pPr lvl="1">
+              <a:lnSpc>
+                <a:spcPct val="150000"/>
+              </a:lnSpc>
+            </a:pPr>
+            <a:r>
+              <a:rPr lang="de-DE" sz="2400" dirty="0">
+                <a:solidFill>
+                  <a:srgbClr val="0070C0"/>
+                </a:solidFill>
+              </a:rPr>
+              <a:t>2.2 </a:t>
+            </a:r>
+            <a:r>
+              <a:rPr lang="de-DE" sz="2400" dirty="0" err="1">
+                <a:solidFill>
+                  <a:srgbClr val="0070C0"/>
+                </a:solidFill>
+              </a:rPr>
+              <a:t>Mecanum</a:t>
+            </a:r>
+            <a:r>
+              <a:rPr lang="de-DE" sz="2400" dirty="0">
+                <a:solidFill>
+                  <a:srgbClr val="0070C0"/>
+                </a:solidFill>
+              </a:rPr>
+              <a:t> Räder &amp; Planetengetriebe</a:t>
+            </a:r>
+          </a:p>
+          <a:p>
+            <a:pPr lvl="1">
+              <a:lnSpc>
+                <a:spcPct val="150000"/>
+              </a:lnSpc>
+            </a:pPr>
+            <a:r>
+              <a:rPr lang="de-DE" sz="2400" dirty="0">
+                <a:solidFill>
+                  <a:srgbClr val="0070C0"/>
+                </a:solidFill>
+              </a:rPr>
+              <a:t>2.3 Planetengetriebe</a:t>
+            </a:r>
+          </a:p>
+          <a:p>
+            <a:pPr lvl="1">
+              <a:lnSpc>
+                <a:spcPct val="150000"/>
+              </a:lnSpc>
+            </a:pPr>
+            <a:r>
+              <a:rPr lang="de-DE" sz="2400" dirty="0">
+                <a:solidFill>
+                  <a:srgbClr val="0070C0"/>
+                </a:solidFill>
+              </a:rPr>
+              <a:t>2.4 Kommunikation und Steuerung</a:t>
+            </a:r>
+          </a:p>
+        </p:txBody>
+      </p:sp>
+      <p:cxnSp>
+        <p:nvCxnSpPr>
+          <p:cNvPr id="11" name="Gerader Verbinder 10">
+            <a:extLst>
+              <a:ext uri="{FF2B5EF4-FFF2-40B4-BE49-F238E27FC236}">
+                <a16:creationId xmlns:a16="http://schemas.microsoft.com/office/drawing/2014/main" id="{4F3BA21B-AA43-4A89-A44B-E0BB69B2C800}"/>
+              </a:ext>
+            </a:extLst>
+          </p:cNvPr>
+          <p:cNvCxnSpPr/>
+          <p:nvPr/>
+        </p:nvCxnSpPr>
+        <p:spPr>
+          <a:xfrm>
+            <a:off x="571500" y="1466850"/>
+            <a:ext cx="6619875" cy="0"/>
+          </a:xfrm>
+          <a:prstGeom prst="line">
+            <a:avLst/>
+          </a:prstGeom>
+        </p:spPr>
+        <p:style>
+          <a:lnRef idx="1">
+            <a:schemeClr val="dk1"/>
+          </a:lnRef>
+          <a:fillRef idx="0">
+            <a:schemeClr val="dk1"/>
+          </a:fillRef>
+          <a:effectRef idx="0">
+            <a:schemeClr val="dk1"/>
+          </a:effectRef>
+          <a:fontRef idx="minor">
+            <a:schemeClr val="tx1"/>
+          </a:fontRef>
+        </p:style>
+      </p:cxnSp>
+    </p:spTree>
+    <p:extLst>
+      <p:ext uri="{BB962C8B-B14F-4D97-AF65-F5344CB8AC3E}">
+        <p14:creationId xmlns:p14="http://schemas.microsoft.com/office/powerpoint/2010/main" val="3434958674"/>
+      </p:ext>
+    </p:extLst>
+  </p:cSld>
+  <p:clrMapOvr>
+    <a:masterClrMapping/>
+  </p:clrMapOvr>
+</p:sld>
+</file>
+
+<file path=ppt/slides/slide5.xml><?xml version="1.0" encoding="utf-8"?>
+<p:sld xmlns:a="http://schemas.openxmlformats.org/drawingml/2006/main" xmlns:r="http://schemas.openxmlformats.org/officeDocument/2006/relationships" xmlns:p="http://schemas.openxmlformats.org/presentationml/2006/main">
+  <p:cSld>
+    <p:spTree>
+      <p:nvGrpSpPr>
+        <p:cNvPr id="1" name=""/>
+        <p:cNvGrpSpPr/>
+        <p:nvPr/>
+      </p:nvGrpSpPr>
+      <p:grpSpPr>
+        <a:xfrm>
+          <a:off x="0" y="0"/>
+          <a:ext cx="0" cy="0"/>
+          <a:chOff x="0" y="0"/>
+          <a:chExt cx="0" cy="0"/>
+        </a:xfrm>
+      </p:grpSpPr>
+      <p:sp>
+        <p:nvSpPr>
           <p:cNvPr id="2" name="Titel 1">
             <a:extLst>
               <a:ext uri="{FF2B5EF4-FFF2-40B4-BE49-F238E27FC236}">
@@ -20538,19 +23289,12 @@
           <a:lstStyle/>
           <a:p>
             <a:r>
-              <a:rPr lang="de-DE" sz="2800" dirty="0"/>
-              <a:t>2.2 Merkmale und Schlüsseltechnologien</a:t>
-            </a:r>
-            <a:br>
-              <a:rPr lang="de-DE" sz="2800" dirty="0"/>
-            </a:br>
-            <a:r>
-              <a:rPr lang="de-DE" sz="2800" dirty="0"/>
-              <a:t>	</a:t>
-            </a:r>
-            <a:r>
-              <a:rPr lang="de-DE" sz="2800" b="1" i="1" dirty="0"/>
-              <a:t>Gesamtübersicht</a:t>
+              <a:rPr lang="de-DE" sz="2800" b="1" dirty="0">
+                <a:solidFill>
+                  <a:srgbClr val="0070C0"/>
+                </a:solidFill>
+              </a:rPr>
+              <a:t>2.1 Gesamtübersicht</a:t>
             </a:r>
           </a:p>
         </p:txBody>
@@ -20775,7 +23519,7 @@
               <a:fld id="{ABB89C0B-1ABD-444B-925C-4E47B2F277F6}" type="datetimeFigureOut">
                 <a:rPr lang="de-DE" smtClean="0"/>
                 <a:pPr/>
-                <a:t>18.07.2019</a:t>
+                <a:t>22.07.2019</a:t>
               </a:fld>
               <a:endParaRPr lang="de-DE" dirty="0"/>
             </a:p>
@@ -21037,7 +23781,7 @@
               <a:fld id="{75CEC8DD-A46B-4CAA-B4E1-6A1B652C2BF4}" type="slidenum">
                 <a:rPr lang="de-DE" smtClean="0"/>
                 <a:pPr/>
-                <a:t>4</a:t>
+                <a:t>5</a:t>
               </a:fld>
               <a:endParaRPr lang="de-DE"/>
             </a:p>
@@ -21178,7 +23922,7 @@
 </p:sld>
 </file>
 
-<file path=ppt/slides/slide5.xml><?xml version="1.0" encoding="utf-8"?>
+<file path=ppt/slides/slide6.xml><?xml version="1.0" encoding="utf-8"?>
 <p:sld xmlns:a="http://schemas.openxmlformats.org/drawingml/2006/main" xmlns:r="http://schemas.openxmlformats.org/officeDocument/2006/relationships" xmlns:p="http://schemas.openxmlformats.org/presentationml/2006/main">
   <p:cSld>
     <p:spTree>
@@ -21224,26 +23968,27 @@
           <a:lstStyle/>
           <a:p>
             <a:r>
-              <a:rPr lang="de-DE" sz="2800" dirty="0"/>
-              <a:t>2.2 Merkmale und Schlüsseltechnologien</a:t>
-            </a:r>
-            <a:br>
-              <a:rPr lang="de-DE" sz="2800" dirty="0"/>
-            </a:br>
-            <a:r>
-              <a:rPr lang="de-DE" sz="2800" dirty="0"/>
-              <a:t>	</a:t>
+              <a:rPr lang="de-DE" sz="2800" b="1" dirty="0">
+                <a:solidFill>
+                  <a:srgbClr val="0070C0"/>
+                </a:solidFill>
+              </a:rPr>
+              <a:t>2.2   PLA </a:t>
             </a:r>
             <a:r>
-              <a:rPr lang="de-DE" sz="2800" b="1" i="1" dirty="0"/>
-              <a:t>PLA </a:t>
-            </a:r>
-            <a:r>
-              <a:rPr lang="de-DE" sz="2800" b="1" i="1" dirty="0" err="1"/>
+              <a:rPr lang="de-DE" sz="2800" b="1" dirty="0" err="1">
+                <a:solidFill>
+                  <a:srgbClr val="0070C0"/>
+                </a:solidFill>
+              </a:rPr>
               <a:t>vs</a:t>
             </a:r>
             <a:r>
-              <a:rPr lang="de-DE" sz="2800" b="1" i="1" dirty="0"/>
+              <a:rPr lang="de-DE" sz="2800" b="1" dirty="0">
+                <a:solidFill>
+                  <a:srgbClr val="0070C0"/>
+                </a:solidFill>
+              </a:rPr>
               <a:t> TPU</a:t>
             </a:r>
           </a:p>
@@ -21434,7 +24179,7 @@
               <a:fld id="{ABB89C0B-1ABD-444B-925C-4E47B2F277F6}" type="datetimeFigureOut">
                 <a:rPr lang="de-DE" smtClean="0"/>
                 <a:pPr/>
-                <a:t>18.07.2019</a:t>
+                <a:t>22.07.2019</a:t>
               </a:fld>
               <a:endParaRPr lang="de-DE" dirty="0"/>
             </a:p>
@@ -21696,7 +24441,7 @@
               <a:fld id="{75CEC8DD-A46B-4CAA-B4E1-6A1B652C2BF4}" type="slidenum">
                 <a:rPr lang="de-DE" smtClean="0"/>
                 <a:pPr/>
-                <a:t>5</a:t>
+                <a:t>6</a:t>
               </a:fld>
               <a:endParaRPr lang="de-DE"/>
             </a:p>
@@ -21957,7 +24702,7 @@
 </p:sld>
 </file>
 
-<file path=ppt/slides/slide6.xml><?xml version="1.0" encoding="utf-8"?>
+<file path=ppt/slides/slide7.xml><?xml version="1.0" encoding="utf-8"?>
 <p:sld xmlns:a="http://schemas.openxmlformats.org/drawingml/2006/main" xmlns:r="http://schemas.openxmlformats.org/officeDocument/2006/relationships" xmlns:p="http://schemas.openxmlformats.org/presentationml/2006/main">
   <p:cSld>
     <p:spTree>
@@ -22096,22 +24841,27 @@
           </a:lstStyle>
           <a:p>
             <a:r>
-              <a:rPr lang="de-DE" sz="2800" dirty="0"/>
-              <a:t>2.3. Merkmale und Schlüsseltechnologien</a:t>
-            </a:r>
-            <a:br>
-              <a:rPr lang="de-DE" sz="2800" dirty="0"/>
-            </a:br>
-            <a:r>
-              <a:rPr lang="de-DE" sz="2800" dirty="0"/>
-              <a:t>	</a:t>
+              <a:rPr lang="de-DE" sz="2800" b="1" dirty="0">
+                <a:solidFill>
+                  <a:srgbClr val="0070C0"/>
+                </a:solidFill>
+              </a:rPr>
+              <a:t>2.3. </a:t>
             </a:r>
             <a:r>
-              <a:rPr lang="de-DE" sz="2800" b="1" i="1" dirty="0" err="1"/>
+              <a:rPr lang="de-DE" sz="2800" b="1" dirty="0" err="1">
+                <a:solidFill>
+                  <a:srgbClr val="0070C0"/>
+                </a:solidFill>
+              </a:rPr>
               <a:t>Mecanum</a:t>
             </a:r>
             <a:r>
-              <a:rPr lang="de-DE" sz="2800" b="1" i="1" dirty="0"/>
+              <a:rPr lang="de-DE" sz="2800" b="1" dirty="0">
+                <a:solidFill>
+                  <a:srgbClr val="0070C0"/>
+                </a:solidFill>
+              </a:rPr>
               <a:t> Räder &amp; Planetengetriebe</a:t>
             </a:r>
           </a:p>
@@ -22263,7 +25013,7 @@
               <a:fld id="{ABB89C0B-1ABD-444B-925C-4E47B2F277F6}" type="datetimeFigureOut">
                 <a:rPr lang="de-DE" smtClean="0"/>
                 <a:pPr/>
-                <a:t>18.07.2019</a:t>
+                <a:t>22.07.2019</a:t>
               </a:fld>
               <a:endParaRPr lang="de-DE" dirty="0"/>
             </a:p>
@@ -22525,7 +25275,7 @@
               <a:fld id="{75CEC8DD-A46B-4CAA-B4E1-6A1B652C2BF4}" type="slidenum">
                 <a:rPr lang="de-DE" smtClean="0"/>
                 <a:pPr/>
-                <a:t>6</a:t>
+                <a:t>7</a:t>
               </a:fld>
               <a:endParaRPr lang="de-DE"/>
             </a:p>
@@ -22639,7 +25389,7 @@
 </p:sld>
 </file>
 
-<file path=ppt/slides/slide7.xml><?xml version="1.0" encoding="utf-8"?>
+<file path=ppt/slides/slide8.xml><?xml version="1.0" encoding="utf-8"?>
 <p:sld xmlns:a="http://schemas.openxmlformats.org/drawingml/2006/main" xmlns:r="http://schemas.openxmlformats.org/officeDocument/2006/relationships" xmlns:p="http://schemas.openxmlformats.org/presentationml/2006/main">
   <p:cSld>
     <p:spTree>
@@ -22724,19 +25474,12 @@
           <a:lstStyle/>
           <a:p>
             <a:r>
-              <a:rPr lang="de-DE" sz="2800" dirty="0"/>
-              <a:t>2.4. Merkmale und Schlüsseltechnologien</a:t>
-            </a:r>
-            <a:br>
-              <a:rPr lang="de-DE" sz="2800" dirty="0"/>
-            </a:br>
-            <a:r>
-              <a:rPr lang="de-DE" sz="2800" dirty="0"/>
-              <a:t>	</a:t>
-            </a:r>
-            <a:r>
-              <a:rPr lang="de-DE" sz="2800" b="1" i="1" dirty="0"/>
-              <a:t>Kommunikation und Steuerung</a:t>
+              <a:rPr lang="de-DE" sz="2800" b="1" dirty="0">
+                <a:solidFill>
+                  <a:srgbClr val="0070C0"/>
+                </a:solidFill>
+              </a:rPr>
+              <a:t>2.4. Kommunikation und Steuerung</a:t>
             </a:r>
           </a:p>
         </p:txBody>
@@ -22887,7 +25630,7 @@
               <a:fld id="{ABB89C0B-1ABD-444B-925C-4E47B2F277F6}" type="datetimeFigureOut">
                 <a:rPr lang="de-DE" smtClean="0"/>
                 <a:pPr/>
-                <a:t>18.07.2019</a:t>
+                <a:t>22.07.2019</a:t>
               </a:fld>
               <a:endParaRPr lang="de-DE" dirty="0"/>
             </a:p>
@@ -23149,7 +25892,7 @@
               <a:fld id="{75CEC8DD-A46B-4CAA-B4E1-6A1B652C2BF4}" type="slidenum">
                 <a:rPr lang="de-DE" smtClean="0"/>
                 <a:pPr/>
-                <a:t>7</a:t>
+                <a:t>8</a:t>
               </a:fld>
               <a:endParaRPr lang="de-DE"/>
             </a:p>
@@ -23320,7 +26063,7 @@
 </p:sld>
 </file>
 
-<file path=ppt/slides/slide8.xml><?xml version="1.0" encoding="utf-8"?>
+<file path=ppt/slides/slide9.xml><?xml version="1.0" encoding="utf-8"?>
 <p:sld xmlns:a="http://schemas.openxmlformats.org/drawingml/2006/main" xmlns:r="http://schemas.openxmlformats.org/officeDocument/2006/relationships" xmlns:p="http://schemas.openxmlformats.org/presentationml/2006/main">
   <p:cSld>
     <p:spTree>
@@ -23405,19 +26148,12 @@
           <a:lstStyle/>
           <a:p>
             <a:r>
-              <a:rPr lang="de-DE" sz="2800" dirty="0"/>
-              <a:t>2.4. Merkmale und Schlüsseltechnologien</a:t>
-            </a:r>
-            <a:br>
-              <a:rPr lang="de-DE" sz="2800" dirty="0"/>
-            </a:br>
-            <a:r>
-              <a:rPr lang="de-DE" sz="2800" dirty="0"/>
-              <a:t>	</a:t>
-            </a:r>
-            <a:r>
-              <a:rPr lang="de-DE" sz="2800" b="1" i="1" dirty="0"/>
-              <a:t>Kommunikation und Steuerung</a:t>
+              <a:rPr lang="de-DE" sz="2800" b="1" dirty="0">
+                <a:solidFill>
+                  <a:srgbClr val="0070C0"/>
+                </a:solidFill>
+              </a:rPr>
+              <a:t>2.4. Kommunikation und Steuerung</a:t>
             </a:r>
           </a:p>
         </p:txBody>
@@ -23568,7 +26304,7 @@
               <a:fld id="{ABB89C0B-1ABD-444B-925C-4E47B2F277F6}" type="datetimeFigureOut">
                 <a:rPr lang="de-DE" smtClean="0"/>
                 <a:pPr/>
-                <a:t>18.07.2019</a:t>
+                <a:t>22.07.2019</a:t>
               </a:fld>
               <a:endParaRPr lang="de-DE" dirty="0"/>
             </a:p>
@@ -23830,7 +26566,7 @@
               <a:fld id="{75CEC8DD-A46B-4CAA-B4E1-6A1B652C2BF4}" type="slidenum">
                 <a:rPr lang="de-DE" smtClean="0"/>
                 <a:pPr/>
-                <a:t>8</a:t>
+                <a:t>9</a:t>
               </a:fld>
               <a:endParaRPr lang="de-DE"/>
             </a:p>
@@ -23987,613 +26723,6 @@
     <p:extLst>
       <p:ext uri="{BB962C8B-B14F-4D97-AF65-F5344CB8AC3E}">
         <p14:creationId xmlns:p14="http://schemas.microsoft.com/office/powerpoint/2010/main" val="2438263868"/>
-      </p:ext>
-    </p:extLst>
-  </p:cSld>
-  <p:clrMapOvr>
-    <a:masterClrMapping/>
-  </p:clrMapOvr>
-</p:sld>
-</file>
-
-<file path=ppt/slides/slide9.xml><?xml version="1.0" encoding="utf-8"?>
-<p:sld xmlns:a="http://schemas.openxmlformats.org/drawingml/2006/main" xmlns:r="http://schemas.openxmlformats.org/officeDocument/2006/relationships" xmlns:p="http://schemas.openxmlformats.org/presentationml/2006/main">
-  <p:cSld>
-    <p:spTree>
-      <p:nvGrpSpPr>
-        <p:cNvPr id="1" name=""/>
-        <p:cNvGrpSpPr/>
-        <p:nvPr/>
-      </p:nvGrpSpPr>
-      <p:grpSpPr>
-        <a:xfrm>
-          <a:off x="0" y="0"/>
-          <a:ext cx="0" cy="0"/>
-          <a:chOff x="0" y="0"/>
-          <a:chExt cx="0" cy="0"/>
-        </a:xfrm>
-      </p:grpSpPr>
-      <p:pic>
-        <p:nvPicPr>
-          <p:cNvPr id="8" name="Grafik 7" descr="Logo Ingenieursinformatik">
-            <a:extLst>
-              <a:ext uri="{FF2B5EF4-FFF2-40B4-BE49-F238E27FC236}">
-                <a16:creationId xmlns:a16="http://schemas.microsoft.com/office/drawing/2014/main" id="{F5868D2B-F5D2-47E8-8FD9-6D9B2986087D}"/>
-              </a:ext>
-            </a:extLst>
-          </p:cNvPr>
-          <p:cNvPicPr/>
-          <p:nvPr/>
-        </p:nvPicPr>
-        <p:blipFill>
-          <a:blip r:embed="rId2" cstate="print">
-            <a:extLst>
-              <a:ext uri="{28A0092B-C50C-407E-A947-70E740481C1C}">
-                <a14:useLocalDpi xmlns:a14="http://schemas.microsoft.com/office/drawing/2010/main" val="0"/>
-              </a:ext>
-            </a:extLst>
-          </a:blip>
-          <a:srcRect/>
-          <a:stretch>
-            <a:fillRect/>
-          </a:stretch>
-        </p:blipFill>
-        <p:spPr bwMode="auto">
-          <a:xfrm>
-            <a:off x="10178281" y="320040"/>
-            <a:ext cx="1692155" cy="924304"/>
-          </a:xfrm>
-          <a:prstGeom prst="rect">
-            <a:avLst/>
-          </a:prstGeom>
-          <a:noFill/>
-          <a:ln>
-            <a:noFill/>
-          </a:ln>
-        </p:spPr>
-      </p:pic>
-      <p:sp>
-        <p:nvSpPr>
-          <p:cNvPr id="12" name="Titel 1">
-            <a:extLst>
-              <a:ext uri="{FF2B5EF4-FFF2-40B4-BE49-F238E27FC236}">
-                <a16:creationId xmlns:a16="http://schemas.microsoft.com/office/drawing/2014/main" id="{E000FD21-03A8-4523-B088-D596EF47B706}"/>
-              </a:ext>
-            </a:extLst>
-          </p:cNvPr>
-          <p:cNvSpPr>
-            <a:spLocks noGrp="1"/>
-          </p:cNvSpPr>
-          <p:nvPr>
-            <p:ph type="title"/>
-          </p:nvPr>
-        </p:nvSpPr>
-        <p:spPr>
-          <a:xfrm>
-            <a:off x="838200" y="365125"/>
-            <a:ext cx="10515600" cy="1325563"/>
-          </a:xfrm>
-        </p:spPr>
-        <p:txBody>
-          <a:bodyPr>
-            <a:normAutofit/>
-          </a:bodyPr>
-          <a:lstStyle/>
-          <a:p>
-            <a:r>
-              <a:rPr lang="de-DE" sz="2800" dirty="0"/>
-              <a:t>2.4. Merkmale und Schlüsseltechnologien</a:t>
-            </a:r>
-            <a:br>
-              <a:rPr lang="de-DE" sz="2800" dirty="0"/>
-            </a:br>
-            <a:r>
-              <a:rPr lang="de-DE" sz="2800" dirty="0"/>
-              <a:t>	</a:t>
-            </a:r>
-            <a:r>
-              <a:rPr lang="de-DE" sz="2800" b="1" i="1" dirty="0"/>
-              <a:t>Kommunikation und Steuerung</a:t>
-            </a:r>
-          </a:p>
-        </p:txBody>
-      </p:sp>
-      <p:grpSp>
-        <p:nvGrpSpPr>
-          <p:cNvPr id="14" name="Gruppieren 13">
-            <a:extLst>
-              <a:ext uri="{FF2B5EF4-FFF2-40B4-BE49-F238E27FC236}">
-                <a16:creationId xmlns:a16="http://schemas.microsoft.com/office/drawing/2014/main" id="{97E9CAB0-63D1-45A7-B4CA-97F3F7F95C02}"/>
-              </a:ext>
-            </a:extLst>
-          </p:cNvPr>
-          <p:cNvGrpSpPr/>
-          <p:nvPr/>
-        </p:nvGrpSpPr>
-        <p:grpSpPr>
-          <a:xfrm>
-            <a:off x="838200" y="6356350"/>
-            <a:ext cx="10515600" cy="365125"/>
-            <a:chOff x="838200" y="6356350"/>
-            <a:chExt cx="10515600" cy="365125"/>
-          </a:xfrm>
-        </p:grpSpPr>
-        <p:sp>
-          <p:nvSpPr>
-            <p:cNvPr id="15" name="Datumsplatzhalter 3">
-              <a:extLst>
-                <a:ext uri="{FF2B5EF4-FFF2-40B4-BE49-F238E27FC236}">
-                  <a16:creationId xmlns:a16="http://schemas.microsoft.com/office/drawing/2014/main" id="{C9244B5A-2431-4CAE-A98D-55C698A99305}"/>
-                </a:ext>
-              </a:extLst>
-            </p:cNvPr>
-            <p:cNvSpPr txBox="1">
-              <a:spLocks/>
-            </p:cNvSpPr>
-            <p:nvPr/>
-          </p:nvSpPr>
-          <p:spPr>
-            <a:xfrm>
-              <a:off x="838200" y="6356350"/>
-              <a:ext cx="2743200" cy="365125"/>
-            </a:xfrm>
-            <a:prstGeom prst="rect">
-              <a:avLst/>
-            </a:prstGeom>
-          </p:spPr>
-          <p:txBody>
-            <a:bodyPr vert="horz" lIns="91440" tIns="45720" rIns="91440" bIns="45720" rtlCol="0" anchor="ctr"/>
-            <a:lstStyle>
-              <a:defPPr>
-                <a:defRPr lang="de-DE"/>
-              </a:defPPr>
-              <a:lvl1pPr marL="0" algn="l" defTabSz="914400" rtl="0" eaLnBrk="1" latinLnBrk="0" hangingPunct="1">
-                <a:defRPr sz="1200" kern="1200">
-                  <a:solidFill>
-                    <a:schemeClr val="tx1">
-                      <a:tint val="75000"/>
-                    </a:schemeClr>
-                  </a:solidFill>
-                  <a:latin typeface="+mn-lt"/>
-                  <a:ea typeface="+mn-ea"/>
-                  <a:cs typeface="+mn-cs"/>
-                </a:defRPr>
-              </a:lvl1pPr>
-              <a:lvl2pPr marL="457200" algn="l" defTabSz="914400" rtl="0" eaLnBrk="1" latinLnBrk="0" hangingPunct="1">
-                <a:defRPr sz="1800" kern="1200">
-                  <a:solidFill>
-                    <a:schemeClr val="tx1"/>
-                  </a:solidFill>
-                  <a:latin typeface="+mn-lt"/>
-                  <a:ea typeface="+mn-ea"/>
-                  <a:cs typeface="+mn-cs"/>
-                </a:defRPr>
-              </a:lvl2pPr>
-              <a:lvl3pPr marL="914400" algn="l" defTabSz="914400" rtl="0" eaLnBrk="1" latinLnBrk="0" hangingPunct="1">
-                <a:defRPr sz="1800" kern="1200">
-                  <a:solidFill>
-                    <a:schemeClr val="tx1"/>
-                  </a:solidFill>
-                  <a:latin typeface="+mn-lt"/>
-                  <a:ea typeface="+mn-ea"/>
-                  <a:cs typeface="+mn-cs"/>
-                </a:defRPr>
-              </a:lvl3pPr>
-              <a:lvl4pPr marL="1371600" algn="l" defTabSz="914400" rtl="0" eaLnBrk="1" latinLnBrk="0" hangingPunct="1">
-                <a:defRPr sz="1800" kern="1200">
-                  <a:solidFill>
-                    <a:schemeClr val="tx1"/>
-                  </a:solidFill>
-                  <a:latin typeface="+mn-lt"/>
-                  <a:ea typeface="+mn-ea"/>
-                  <a:cs typeface="+mn-cs"/>
-                </a:defRPr>
-              </a:lvl4pPr>
-              <a:lvl5pPr marL="1828800" algn="l" defTabSz="914400" rtl="0" eaLnBrk="1" latinLnBrk="0" hangingPunct="1">
-                <a:defRPr sz="1800" kern="1200">
-                  <a:solidFill>
-                    <a:schemeClr val="tx1"/>
-                  </a:solidFill>
-                  <a:latin typeface="+mn-lt"/>
-                  <a:ea typeface="+mn-ea"/>
-                  <a:cs typeface="+mn-cs"/>
-                </a:defRPr>
-              </a:lvl5pPr>
-              <a:lvl6pPr marL="2286000" algn="l" defTabSz="914400" rtl="0" eaLnBrk="1" latinLnBrk="0" hangingPunct="1">
-                <a:defRPr sz="1800" kern="1200">
-                  <a:solidFill>
-                    <a:schemeClr val="tx1"/>
-                  </a:solidFill>
-                  <a:latin typeface="+mn-lt"/>
-                  <a:ea typeface="+mn-ea"/>
-                  <a:cs typeface="+mn-cs"/>
-                </a:defRPr>
-              </a:lvl6pPr>
-              <a:lvl7pPr marL="2743200" algn="l" defTabSz="914400" rtl="0" eaLnBrk="1" latinLnBrk="0" hangingPunct="1">
-                <a:defRPr sz="1800" kern="1200">
-                  <a:solidFill>
-                    <a:schemeClr val="tx1"/>
-                  </a:solidFill>
-                  <a:latin typeface="+mn-lt"/>
-                  <a:ea typeface="+mn-ea"/>
-                  <a:cs typeface="+mn-cs"/>
-                </a:defRPr>
-              </a:lvl7pPr>
-              <a:lvl8pPr marL="3200400" algn="l" defTabSz="914400" rtl="0" eaLnBrk="1" latinLnBrk="0" hangingPunct="1">
-                <a:defRPr sz="1800" kern="1200">
-                  <a:solidFill>
-                    <a:schemeClr val="tx1"/>
-                  </a:solidFill>
-                  <a:latin typeface="+mn-lt"/>
-                  <a:ea typeface="+mn-ea"/>
-                  <a:cs typeface="+mn-cs"/>
-                </a:defRPr>
-              </a:lvl8pPr>
-              <a:lvl9pPr marL="3657600" algn="l" defTabSz="914400" rtl="0" eaLnBrk="1" latinLnBrk="0" hangingPunct="1">
-                <a:defRPr sz="1800" kern="1200">
-                  <a:solidFill>
-                    <a:schemeClr val="tx1"/>
-                  </a:solidFill>
-                  <a:latin typeface="+mn-lt"/>
-                  <a:ea typeface="+mn-ea"/>
-                  <a:cs typeface="+mn-cs"/>
-                </a:defRPr>
-              </a:lvl9pPr>
-            </a:lstStyle>
-            <a:p>
-              <a:fld id="{ABB89C0B-1ABD-444B-925C-4E47B2F277F6}" type="datetimeFigureOut">
-                <a:rPr lang="de-DE" smtClean="0"/>
-                <a:pPr/>
-                <a:t>18.07.2019</a:t>
-              </a:fld>
-              <a:endParaRPr lang="de-DE" dirty="0"/>
-            </a:p>
-          </p:txBody>
-        </p:sp>
-        <p:sp>
-          <p:nvSpPr>
-            <p:cNvPr id="16" name="Fußzeilenplatzhalter 4">
-              <a:extLst>
-                <a:ext uri="{FF2B5EF4-FFF2-40B4-BE49-F238E27FC236}">
-                  <a16:creationId xmlns:a16="http://schemas.microsoft.com/office/drawing/2014/main" id="{F6EA4FBD-918A-4CA8-A607-25EE6F85F4F9}"/>
-                </a:ext>
-              </a:extLst>
-            </p:cNvPr>
-            <p:cNvSpPr txBox="1">
-              <a:spLocks/>
-            </p:cNvSpPr>
-            <p:nvPr/>
-          </p:nvSpPr>
-          <p:spPr>
-            <a:xfrm>
-              <a:off x="3060932" y="6356350"/>
-              <a:ext cx="6070134" cy="365125"/>
-            </a:xfrm>
-            <a:prstGeom prst="rect">
-              <a:avLst/>
-            </a:prstGeom>
-          </p:spPr>
-          <p:txBody>
-            <a:bodyPr vert="horz" lIns="91440" tIns="45720" rIns="91440" bIns="45720" rtlCol="0" anchor="ctr"/>
-            <a:lstStyle>
-              <a:defPPr>
-                <a:defRPr lang="de-DE"/>
-              </a:defPPr>
-              <a:lvl1pPr marL="0" algn="ctr" defTabSz="914400" rtl="0" eaLnBrk="1" latinLnBrk="0" hangingPunct="1">
-                <a:defRPr sz="1200" kern="1200">
-                  <a:solidFill>
-                    <a:schemeClr val="tx1">
-                      <a:tint val="75000"/>
-                    </a:schemeClr>
-                  </a:solidFill>
-                  <a:latin typeface="+mn-lt"/>
-                  <a:ea typeface="+mn-ea"/>
-                  <a:cs typeface="+mn-cs"/>
-                </a:defRPr>
-              </a:lvl1pPr>
-              <a:lvl2pPr marL="457200" algn="l" defTabSz="914400" rtl="0" eaLnBrk="1" latinLnBrk="0" hangingPunct="1">
-                <a:defRPr sz="1800" kern="1200">
-                  <a:solidFill>
-                    <a:schemeClr val="tx1"/>
-                  </a:solidFill>
-                  <a:latin typeface="+mn-lt"/>
-                  <a:ea typeface="+mn-ea"/>
-                  <a:cs typeface="+mn-cs"/>
-                </a:defRPr>
-              </a:lvl2pPr>
-              <a:lvl3pPr marL="914400" algn="l" defTabSz="914400" rtl="0" eaLnBrk="1" latinLnBrk="0" hangingPunct="1">
-                <a:defRPr sz="1800" kern="1200">
-                  <a:solidFill>
-                    <a:schemeClr val="tx1"/>
-                  </a:solidFill>
-                  <a:latin typeface="+mn-lt"/>
-                  <a:ea typeface="+mn-ea"/>
-                  <a:cs typeface="+mn-cs"/>
-                </a:defRPr>
-              </a:lvl3pPr>
-              <a:lvl4pPr marL="1371600" algn="l" defTabSz="914400" rtl="0" eaLnBrk="1" latinLnBrk="0" hangingPunct="1">
-                <a:defRPr sz="1800" kern="1200">
-                  <a:solidFill>
-                    <a:schemeClr val="tx1"/>
-                  </a:solidFill>
-                  <a:latin typeface="+mn-lt"/>
-                  <a:ea typeface="+mn-ea"/>
-                  <a:cs typeface="+mn-cs"/>
-                </a:defRPr>
-              </a:lvl4pPr>
-              <a:lvl5pPr marL="1828800" algn="l" defTabSz="914400" rtl="0" eaLnBrk="1" latinLnBrk="0" hangingPunct="1">
-                <a:defRPr sz="1800" kern="1200">
-                  <a:solidFill>
-                    <a:schemeClr val="tx1"/>
-                  </a:solidFill>
-                  <a:latin typeface="+mn-lt"/>
-                  <a:ea typeface="+mn-ea"/>
-                  <a:cs typeface="+mn-cs"/>
-                </a:defRPr>
-              </a:lvl5pPr>
-              <a:lvl6pPr marL="2286000" algn="l" defTabSz="914400" rtl="0" eaLnBrk="1" latinLnBrk="0" hangingPunct="1">
-                <a:defRPr sz="1800" kern="1200">
-                  <a:solidFill>
-                    <a:schemeClr val="tx1"/>
-                  </a:solidFill>
-                  <a:latin typeface="+mn-lt"/>
-                  <a:ea typeface="+mn-ea"/>
-                  <a:cs typeface="+mn-cs"/>
-                </a:defRPr>
-              </a:lvl6pPr>
-              <a:lvl7pPr marL="2743200" algn="l" defTabSz="914400" rtl="0" eaLnBrk="1" latinLnBrk="0" hangingPunct="1">
-                <a:defRPr sz="1800" kern="1200">
-                  <a:solidFill>
-                    <a:schemeClr val="tx1"/>
-                  </a:solidFill>
-                  <a:latin typeface="+mn-lt"/>
-                  <a:ea typeface="+mn-ea"/>
-                  <a:cs typeface="+mn-cs"/>
-                </a:defRPr>
-              </a:lvl7pPr>
-              <a:lvl8pPr marL="3200400" algn="l" defTabSz="914400" rtl="0" eaLnBrk="1" latinLnBrk="0" hangingPunct="1">
-                <a:defRPr sz="1800" kern="1200">
-                  <a:solidFill>
-                    <a:schemeClr val="tx1"/>
-                  </a:solidFill>
-                  <a:latin typeface="+mn-lt"/>
-                  <a:ea typeface="+mn-ea"/>
-                  <a:cs typeface="+mn-cs"/>
-                </a:defRPr>
-              </a:lvl8pPr>
-              <a:lvl9pPr marL="3657600" algn="l" defTabSz="914400" rtl="0" eaLnBrk="1" latinLnBrk="0" hangingPunct="1">
-                <a:defRPr sz="1800" kern="1200">
-                  <a:solidFill>
-                    <a:schemeClr val="tx1"/>
-                  </a:solidFill>
-                  <a:latin typeface="+mn-lt"/>
-                  <a:ea typeface="+mn-ea"/>
-                  <a:cs typeface="+mn-cs"/>
-                </a:defRPr>
-              </a:lvl9pPr>
-            </a:lstStyle>
-            <a:p>
-              <a:r>
-                <a:rPr lang="de-DE" dirty="0"/>
-                <a:t>Praktikum Produktionstechnik</a:t>
-              </a:r>
-            </a:p>
-          </p:txBody>
-        </p:sp>
-        <p:sp>
-          <p:nvSpPr>
-            <p:cNvPr id="17" name="Foliennummernplatzhalter 5">
-              <a:extLst>
-                <a:ext uri="{FF2B5EF4-FFF2-40B4-BE49-F238E27FC236}">
-                  <a16:creationId xmlns:a16="http://schemas.microsoft.com/office/drawing/2014/main" id="{9EFEF7BB-69E5-46D8-AE1D-218A2CD8B308}"/>
-                </a:ext>
-              </a:extLst>
-            </p:cNvPr>
-            <p:cNvSpPr txBox="1">
-              <a:spLocks/>
-            </p:cNvSpPr>
-            <p:nvPr/>
-          </p:nvSpPr>
-          <p:spPr>
-            <a:xfrm>
-              <a:off x="8610600" y="6356350"/>
-              <a:ext cx="2743200" cy="365125"/>
-            </a:xfrm>
-            <a:prstGeom prst="rect">
-              <a:avLst/>
-            </a:prstGeom>
-          </p:spPr>
-          <p:txBody>
-            <a:bodyPr vert="horz" lIns="91440" tIns="45720" rIns="91440" bIns="45720" rtlCol="0" anchor="ctr"/>
-            <a:lstStyle>
-              <a:defPPr>
-                <a:defRPr lang="de-DE"/>
-              </a:defPPr>
-              <a:lvl1pPr marL="0" algn="r" defTabSz="914400" rtl="0" eaLnBrk="1" latinLnBrk="0" hangingPunct="1">
-                <a:defRPr sz="1200" kern="1200">
-                  <a:solidFill>
-                    <a:schemeClr val="tx1">
-                      <a:tint val="75000"/>
-                    </a:schemeClr>
-                  </a:solidFill>
-                  <a:latin typeface="+mn-lt"/>
-                  <a:ea typeface="+mn-ea"/>
-                  <a:cs typeface="+mn-cs"/>
-                </a:defRPr>
-              </a:lvl1pPr>
-              <a:lvl2pPr marL="457200" algn="l" defTabSz="914400" rtl="0" eaLnBrk="1" latinLnBrk="0" hangingPunct="1">
-                <a:defRPr sz="1800" kern="1200">
-                  <a:solidFill>
-                    <a:schemeClr val="tx1"/>
-                  </a:solidFill>
-                  <a:latin typeface="+mn-lt"/>
-                  <a:ea typeface="+mn-ea"/>
-                  <a:cs typeface="+mn-cs"/>
-                </a:defRPr>
-              </a:lvl2pPr>
-              <a:lvl3pPr marL="914400" algn="l" defTabSz="914400" rtl="0" eaLnBrk="1" latinLnBrk="0" hangingPunct="1">
-                <a:defRPr sz="1800" kern="1200">
-                  <a:solidFill>
-                    <a:schemeClr val="tx1"/>
-                  </a:solidFill>
-                  <a:latin typeface="+mn-lt"/>
-                  <a:ea typeface="+mn-ea"/>
-                  <a:cs typeface="+mn-cs"/>
-                </a:defRPr>
-              </a:lvl3pPr>
-              <a:lvl4pPr marL="1371600" algn="l" defTabSz="914400" rtl="0" eaLnBrk="1" latinLnBrk="0" hangingPunct="1">
-                <a:defRPr sz="1800" kern="1200">
-                  <a:solidFill>
-                    <a:schemeClr val="tx1"/>
-                  </a:solidFill>
-                  <a:latin typeface="+mn-lt"/>
-                  <a:ea typeface="+mn-ea"/>
-                  <a:cs typeface="+mn-cs"/>
-                </a:defRPr>
-              </a:lvl4pPr>
-              <a:lvl5pPr marL="1828800" algn="l" defTabSz="914400" rtl="0" eaLnBrk="1" latinLnBrk="0" hangingPunct="1">
-                <a:defRPr sz="1800" kern="1200">
-                  <a:solidFill>
-                    <a:schemeClr val="tx1"/>
-                  </a:solidFill>
-                  <a:latin typeface="+mn-lt"/>
-                  <a:ea typeface="+mn-ea"/>
-                  <a:cs typeface="+mn-cs"/>
-                </a:defRPr>
-              </a:lvl5pPr>
-              <a:lvl6pPr marL="2286000" algn="l" defTabSz="914400" rtl="0" eaLnBrk="1" latinLnBrk="0" hangingPunct="1">
-                <a:defRPr sz="1800" kern="1200">
-                  <a:solidFill>
-                    <a:schemeClr val="tx1"/>
-                  </a:solidFill>
-                  <a:latin typeface="+mn-lt"/>
-                  <a:ea typeface="+mn-ea"/>
-                  <a:cs typeface="+mn-cs"/>
-                </a:defRPr>
-              </a:lvl6pPr>
-              <a:lvl7pPr marL="2743200" algn="l" defTabSz="914400" rtl="0" eaLnBrk="1" latinLnBrk="0" hangingPunct="1">
-                <a:defRPr sz="1800" kern="1200">
-                  <a:solidFill>
-                    <a:schemeClr val="tx1"/>
-                  </a:solidFill>
-                  <a:latin typeface="+mn-lt"/>
-                  <a:ea typeface="+mn-ea"/>
-                  <a:cs typeface="+mn-cs"/>
-                </a:defRPr>
-              </a:lvl7pPr>
-              <a:lvl8pPr marL="3200400" algn="l" defTabSz="914400" rtl="0" eaLnBrk="1" latinLnBrk="0" hangingPunct="1">
-                <a:defRPr sz="1800" kern="1200">
-                  <a:solidFill>
-                    <a:schemeClr val="tx1"/>
-                  </a:solidFill>
-                  <a:latin typeface="+mn-lt"/>
-                  <a:ea typeface="+mn-ea"/>
-                  <a:cs typeface="+mn-cs"/>
-                </a:defRPr>
-              </a:lvl8pPr>
-              <a:lvl9pPr marL="3657600" algn="l" defTabSz="914400" rtl="0" eaLnBrk="1" latinLnBrk="0" hangingPunct="1">
-                <a:defRPr sz="1800" kern="1200">
-                  <a:solidFill>
-                    <a:schemeClr val="tx1"/>
-                  </a:solidFill>
-                  <a:latin typeface="+mn-lt"/>
-                  <a:ea typeface="+mn-ea"/>
-                  <a:cs typeface="+mn-cs"/>
-                </a:defRPr>
-              </a:lvl9pPr>
-            </a:lstStyle>
-            <a:p>
-              <a:fld id="{75CEC8DD-A46B-4CAA-B4E1-6A1B652C2BF4}" type="slidenum">
-                <a:rPr lang="de-DE" smtClean="0"/>
-                <a:pPr/>
-                <a:t>9</a:t>
-              </a:fld>
-              <a:endParaRPr lang="de-DE"/>
-            </a:p>
-          </p:txBody>
-        </p:sp>
-      </p:grpSp>
-      <p:sp>
-        <p:nvSpPr>
-          <p:cNvPr id="2" name="Textfeld 1">
-            <a:extLst>
-              <a:ext uri="{FF2B5EF4-FFF2-40B4-BE49-F238E27FC236}">
-                <a16:creationId xmlns:a16="http://schemas.microsoft.com/office/drawing/2014/main" id="{6B338126-8575-4D86-BA1C-AB18A8574040}"/>
-              </a:ext>
-            </a:extLst>
-          </p:cNvPr>
-          <p:cNvSpPr txBox="1"/>
-          <p:nvPr/>
-        </p:nvSpPr>
-        <p:spPr>
-          <a:xfrm>
-            <a:off x="581443" y="1874601"/>
-            <a:ext cx="2247481" cy="2308324"/>
-          </a:xfrm>
-          <a:prstGeom prst="rect">
-            <a:avLst/>
-          </a:prstGeom>
-          <a:noFill/>
-        </p:spPr>
-        <p:txBody>
-          <a:bodyPr wrap="square" rtlCol="0">
-            <a:spAutoFit/>
-          </a:bodyPr>
-          <a:lstStyle/>
-          <a:p>
-            <a:r>
-              <a:rPr lang="de-DE" dirty="0"/>
-              <a:t>Dieses Konzept wurde jedoch aufgegeben, da die Steuerung einfacher über einen Webserver mit Sockets</a:t>
-            </a:r>
-            <a:br>
-              <a:rPr lang="de-DE" dirty="0"/>
-            </a:br>
-            <a:r>
-              <a:rPr lang="de-DE" dirty="0"/>
-              <a:t>realisiert werden kann:</a:t>
-            </a:r>
-          </a:p>
-        </p:txBody>
-      </p:sp>
-      <p:pic>
-        <p:nvPicPr>
-          <p:cNvPr id="3" name="Grafik 2">
-            <a:extLst>
-              <a:ext uri="{FF2B5EF4-FFF2-40B4-BE49-F238E27FC236}">
-                <a16:creationId xmlns:a16="http://schemas.microsoft.com/office/drawing/2014/main" id="{53ED6005-07DF-4F5F-A7BE-FA9625D86D60}"/>
-              </a:ext>
-            </a:extLst>
-          </p:cNvPr>
-          <p:cNvPicPr>
-            <a:picLocks noChangeAspect="1"/>
-          </p:cNvPicPr>
-          <p:nvPr/>
-        </p:nvPicPr>
-        <p:blipFill>
-          <a:blip r:embed="rId3"/>
-          <a:stretch>
-            <a:fillRect/>
-          </a:stretch>
-        </p:blipFill>
-        <p:spPr>
-          <a:xfrm>
-            <a:off x="3056684" y="1535272"/>
-            <a:ext cx="8553872" cy="4811553"/>
-          </a:xfrm>
-          <a:prstGeom prst="rect">
-            <a:avLst/>
-          </a:prstGeom>
-          <a:ln>
-            <a:solidFill>
-              <a:schemeClr val="tx1"/>
-            </a:solidFill>
-          </a:ln>
-        </p:spPr>
-      </p:pic>
-    </p:spTree>
-    <p:extLst>
-      <p:ext uri="{BB962C8B-B14F-4D97-AF65-F5344CB8AC3E}">
-        <p14:creationId xmlns:p14="http://schemas.microsoft.com/office/powerpoint/2010/main" val="359420697"/>
       </p:ext>
     </p:extLst>
   </p:cSld>
